--- a/Responsbile AI session.pptx
+++ b/Responsbile AI session.pptx
@@ -109,6 +109,11 @@
       </a:defRPr>
     </a:lvl9pPr>
   </p:defaultTextStyle>
+  <p:extLst>
+    <p:ext uri="{EFAFB233-063F-42B5-8137-9DF3F51BA10A}">
+      <p15:sldGuideLst xmlns:p15="http://schemas.microsoft.com/office/powerpoint/2012/main"/>
+    </p:ext>
+  </p:extLst>
 </p:presentation>
 </file>
 
@@ -3272,8 +3277,8 @@
             <a:defRPr b="1"/>
           </a:pPr>
           <a:r>
-            <a:rPr lang="en-US"/>
-            <a:t>13:20 – 13:40</a:t>
+            <a:rPr lang="en-US" dirty="0"/>
+            <a:t>13:20 – 13:45</a:t>
           </a:r>
         </a:p>
       </dgm:t>
@@ -3363,8 +3368,8 @@
             <a:defRPr b="1"/>
           </a:pPr>
           <a:r>
-            <a:rPr lang="en-US"/>
-            <a:t>13:40 – 14:00</a:t>
+            <a:rPr lang="en-US" dirty="0"/>
+            <a:t>13:45 – 14:20</a:t>
           </a:r>
         </a:p>
       </dgm:t>
@@ -3435,81 +3440,6 @@
         </a:p>
       </dgm:t>
     </dgm:pt>
-    <dgm:pt modelId="{C7D4ADC0-BC59-40DB-958D-3EE74468EC45}">
-      <dgm:prSet/>
-      <dgm:spPr/>
-      <dgm:t>
-        <a:bodyPr/>
-        <a:lstStyle/>
-        <a:p>
-          <a:pPr>
-            <a:defRPr b="1"/>
-          </a:pPr>
-          <a:r>
-            <a:rPr lang="en-US"/>
-            <a:t>14:00 – 14:25</a:t>
-          </a:r>
-        </a:p>
-      </dgm:t>
-    </dgm:pt>
-    <dgm:pt modelId="{F58D2DA8-7002-488C-B580-4E83972C9443}" type="parTrans" cxnId="{EF70029F-A8E9-46FA-96CA-417B0A9A7AB3}">
-      <dgm:prSet/>
-      <dgm:spPr/>
-      <dgm:t>
-        <a:bodyPr/>
-        <a:lstStyle/>
-        <a:p>
-          <a:endParaRPr lang="en-US"/>
-        </a:p>
-      </dgm:t>
-    </dgm:pt>
-    <dgm:pt modelId="{1C66B427-3DF7-48DF-99A1-A906AB000CF5}" type="sibTrans" cxnId="{EF70029F-A8E9-46FA-96CA-417B0A9A7AB3}">
-      <dgm:prSet/>
-      <dgm:spPr/>
-      <dgm:t>
-        <a:bodyPr/>
-        <a:lstStyle/>
-        <a:p>
-          <a:endParaRPr lang="en-US"/>
-        </a:p>
-      </dgm:t>
-    </dgm:pt>
-    <dgm:pt modelId="{5B15AFEB-6E27-42B3-AB91-4DF337A80E01}">
-      <dgm:prSet/>
-      <dgm:spPr/>
-      <dgm:t>
-        <a:bodyPr/>
-        <a:lstStyle/>
-        <a:p>
-          <a:r>
-            <a:rPr lang="en-US" dirty="0"/>
-            <a:t>Run interpretability on AML (Sonya)</a:t>
-          </a:r>
-        </a:p>
-      </dgm:t>
-    </dgm:pt>
-    <dgm:pt modelId="{9B79FFC0-D53E-4C56-B230-A67AB3B6DB8F}" type="parTrans" cxnId="{F7EF762F-B8E1-4401-B719-11657BCCD7D0}">
-      <dgm:prSet/>
-      <dgm:spPr/>
-      <dgm:t>
-        <a:bodyPr/>
-        <a:lstStyle/>
-        <a:p>
-          <a:endParaRPr lang="en-US"/>
-        </a:p>
-      </dgm:t>
-    </dgm:pt>
-    <dgm:pt modelId="{869DD260-FB6D-4788-9505-A572FC92A1FC}" type="sibTrans" cxnId="{F7EF762F-B8E1-4401-B719-11657BCCD7D0}">
-      <dgm:prSet/>
-      <dgm:spPr/>
-      <dgm:t>
-        <a:bodyPr/>
-        <a:lstStyle/>
-        <a:p>
-          <a:endParaRPr lang="en-US"/>
-        </a:p>
-      </dgm:t>
-    </dgm:pt>
     <dgm:pt modelId="{5FA7915B-0C7C-456E-B319-26DD70E4D9C9}">
       <dgm:prSet/>
       <dgm:spPr/>
@@ -3521,8 +3451,8 @@
             <a:defRPr b="1"/>
           </a:pPr>
           <a:r>
-            <a:rPr lang="en-US"/>
-            <a:t>14:25 – 14:50</a:t>
+            <a:rPr lang="en-US" dirty="0"/>
+            <a:t>14:20 – 14:50</a:t>
           </a:r>
         </a:p>
       </dgm:t>
@@ -3689,7 +3619,7 @@
       <dgm:spPr/>
     </dgm:pt>
     <dgm:pt modelId="{4218D8D3-6575-5A49-AF1A-8A30A2349134}" type="pres">
-      <dgm:prSet presAssocID="{4EBADCBA-D466-4DDD-A81B-35A07B60804B}" presName="L1TextContainer" presStyleLbl="alignNode1" presStyleIdx="0" presStyleCnt="7">
+      <dgm:prSet presAssocID="{4EBADCBA-D466-4DDD-A81B-35A07B60804B}" presName="L1TextContainer" presStyleLbl="alignNode1" presStyleIdx="0" presStyleCnt="6">
         <dgm:presLayoutVars>
           <dgm:chMax val="1"/>
           <dgm:chPref val="1"/>
@@ -3707,7 +3637,7 @@
       <dgm:spPr/>
     </dgm:pt>
     <dgm:pt modelId="{8BAEDF98-7094-474E-9D8C-72120AC5FFB1}" type="pres">
-      <dgm:prSet presAssocID="{4EBADCBA-D466-4DDD-A81B-35A07B60804B}" presName="L2TextContainer" presStyleLbl="bgAccFollowNode1" presStyleIdx="0" presStyleCnt="7"/>
+      <dgm:prSet presAssocID="{4EBADCBA-D466-4DDD-A81B-35A07B60804B}" presName="L2TextContainer" presStyleLbl="bgAccFollowNode1" presStyleIdx="0" presStyleCnt="6"/>
       <dgm:spPr/>
     </dgm:pt>
     <dgm:pt modelId="{5D2A2AC5-94BD-1440-B0EF-121DE70A038F}" type="pres">
@@ -3715,11 +3645,11 @@
       <dgm:spPr/>
     </dgm:pt>
     <dgm:pt modelId="{5B81A4F2-FF26-DD4E-98FD-E18A4F1A0A08}" type="pres">
-      <dgm:prSet presAssocID="{4EBADCBA-D466-4DDD-A81B-35A07B60804B}" presName="ConnectLine" presStyleLbl="sibTrans1D1" presStyleIdx="0" presStyleCnt="7"/>
+      <dgm:prSet presAssocID="{4EBADCBA-D466-4DDD-A81B-35A07B60804B}" presName="ConnectLine" presStyleLbl="sibTrans1D1" presStyleIdx="0" presStyleCnt="6"/>
       <dgm:spPr/>
     </dgm:pt>
     <dgm:pt modelId="{D59FA20A-206C-B645-93A1-8061BC07F496}" type="pres">
-      <dgm:prSet presAssocID="{4EBADCBA-D466-4DDD-A81B-35A07B60804B}" presName="ConnectorPoint" presStyleLbl="node1" presStyleIdx="0" presStyleCnt="7"/>
+      <dgm:prSet presAssocID="{4EBADCBA-D466-4DDD-A81B-35A07B60804B}" presName="ConnectorPoint" presStyleLbl="node1" presStyleIdx="0" presStyleCnt="6"/>
       <dgm:spPr>
         <a:solidFill>
           <a:schemeClr val="accent2">
@@ -3757,7 +3687,7 @@
       <dgm:spPr/>
     </dgm:pt>
     <dgm:pt modelId="{473AE7BD-4F5A-F345-8FE0-CD7F10E0FA5F}" type="pres">
-      <dgm:prSet presAssocID="{0F09A172-3F7E-4744-B984-AAECEB2FFB24}" presName="L1TextContainer" presStyleLbl="alignNode1" presStyleIdx="1" presStyleCnt="7">
+      <dgm:prSet presAssocID="{0F09A172-3F7E-4744-B984-AAECEB2FFB24}" presName="L1TextContainer" presStyleLbl="alignNode1" presStyleIdx="1" presStyleCnt="6">
         <dgm:presLayoutVars>
           <dgm:chMax val="1"/>
           <dgm:chPref val="1"/>
@@ -3775,7 +3705,7 @@
       <dgm:spPr/>
     </dgm:pt>
     <dgm:pt modelId="{1B549606-A079-1F46-8AE1-3DBBA63D021E}" type="pres">
-      <dgm:prSet presAssocID="{0F09A172-3F7E-4744-B984-AAECEB2FFB24}" presName="L2TextContainer" presStyleLbl="bgAccFollowNode1" presStyleIdx="1" presStyleCnt="7"/>
+      <dgm:prSet presAssocID="{0F09A172-3F7E-4744-B984-AAECEB2FFB24}" presName="L2TextContainer" presStyleLbl="bgAccFollowNode1" presStyleIdx="1" presStyleCnt="6"/>
       <dgm:spPr/>
     </dgm:pt>
     <dgm:pt modelId="{B6676DC8-A045-9943-9281-C96F7231C1F9}" type="pres">
@@ -3783,11 +3713,11 @@
       <dgm:spPr/>
     </dgm:pt>
     <dgm:pt modelId="{EAEADB99-FB13-4944-A181-7A9A36B40599}" type="pres">
-      <dgm:prSet presAssocID="{0F09A172-3F7E-4744-B984-AAECEB2FFB24}" presName="ConnectLine" presStyleLbl="sibTrans1D1" presStyleIdx="1" presStyleCnt="7"/>
+      <dgm:prSet presAssocID="{0F09A172-3F7E-4744-B984-AAECEB2FFB24}" presName="ConnectLine" presStyleLbl="sibTrans1D1" presStyleIdx="1" presStyleCnt="6"/>
       <dgm:spPr/>
     </dgm:pt>
     <dgm:pt modelId="{1290C165-C01F-4A41-B43F-3525989B82CF}" type="pres">
-      <dgm:prSet presAssocID="{0F09A172-3F7E-4744-B984-AAECEB2FFB24}" presName="ConnectorPoint" presStyleLbl="node1" presStyleIdx="1" presStyleCnt="7"/>
+      <dgm:prSet presAssocID="{0F09A172-3F7E-4744-B984-AAECEB2FFB24}" presName="ConnectorPoint" presStyleLbl="node1" presStyleIdx="1" presStyleCnt="6"/>
       <dgm:spPr>
         <a:solidFill>
           <a:schemeClr val="accent2">
@@ -3825,7 +3755,7 @@
       <dgm:spPr/>
     </dgm:pt>
     <dgm:pt modelId="{3448048D-F583-4F4F-A7CC-CE8EC22038FF}" type="pres">
-      <dgm:prSet presAssocID="{44A46390-5A02-4573-8BCF-A55C10522E84}" presName="L1TextContainer" presStyleLbl="alignNode1" presStyleIdx="2" presStyleCnt="7">
+      <dgm:prSet presAssocID="{44A46390-5A02-4573-8BCF-A55C10522E84}" presName="L1TextContainer" presStyleLbl="alignNode1" presStyleIdx="2" presStyleCnt="6">
         <dgm:presLayoutVars>
           <dgm:chMax val="1"/>
           <dgm:chPref val="1"/>
@@ -3843,7 +3773,7 @@
       <dgm:spPr/>
     </dgm:pt>
     <dgm:pt modelId="{E8EE6523-A728-414A-83AC-EC52526D413D}" type="pres">
-      <dgm:prSet presAssocID="{44A46390-5A02-4573-8BCF-A55C10522E84}" presName="L2TextContainer" presStyleLbl="bgAccFollowNode1" presStyleIdx="2" presStyleCnt="7"/>
+      <dgm:prSet presAssocID="{44A46390-5A02-4573-8BCF-A55C10522E84}" presName="L2TextContainer" presStyleLbl="bgAccFollowNode1" presStyleIdx="2" presStyleCnt="6"/>
       <dgm:spPr/>
     </dgm:pt>
     <dgm:pt modelId="{3FB9A3B7-AA68-F64E-AC53-16172F0A2949}" type="pres">
@@ -3851,11 +3781,11 @@
       <dgm:spPr/>
     </dgm:pt>
     <dgm:pt modelId="{E9892034-542D-5F44-A034-56CFFC4E6554}" type="pres">
-      <dgm:prSet presAssocID="{44A46390-5A02-4573-8BCF-A55C10522E84}" presName="ConnectLine" presStyleLbl="sibTrans1D1" presStyleIdx="2" presStyleCnt="7"/>
+      <dgm:prSet presAssocID="{44A46390-5A02-4573-8BCF-A55C10522E84}" presName="ConnectLine" presStyleLbl="sibTrans1D1" presStyleIdx="2" presStyleCnt="6"/>
       <dgm:spPr/>
     </dgm:pt>
     <dgm:pt modelId="{47121018-70FE-9847-B226-42005BFF19D4}" type="pres">
-      <dgm:prSet presAssocID="{44A46390-5A02-4573-8BCF-A55C10522E84}" presName="ConnectorPoint" presStyleLbl="node1" presStyleIdx="2" presStyleCnt="7"/>
+      <dgm:prSet presAssocID="{44A46390-5A02-4573-8BCF-A55C10522E84}" presName="ConnectorPoint" presStyleLbl="node1" presStyleIdx="2" presStyleCnt="6"/>
       <dgm:spPr>
         <a:solidFill>
           <a:schemeClr val="accent2">
@@ -3893,7 +3823,7 @@
       <dgm:spPr/>
     </dgm:pt>
     <dgm:pt modelId="{8903A50B-3E67-D649-BFEB-B277D721056B}" type="pres">
-      <dgm:prSet presAssocID="{76AE7EB3-ECD5-46C6-8590-A963BCE84FB1}" presName="L1TextContainer" presStyleLbl="alignNode1" presStyleIdx="3" presStyleCnt="7">
+      <dgm:prSet presAssocID="{76AE7EB3-ECD5-46C6-8590-A963BCE84FB1}" presName="L1TextContainer" presStyleLbl="alignNode1" presStyleIdx="3" presStyleCnt="6">
         <dgm:presLayoutVars>
           <dgm:chMax val="1"/>
           <dgm:chPref val="1"/>
@@ -3911,7 +3841,7 @@
       <dgm:spPr/>
     </dgm:pt>
     <dgm:pt modelId="{572A90B9-19EC-8848-9012-8E8EA8FAA6EB}" type="pres">
-      <dgm:prSet presAssocID="{76AE7EB3-ECD5-46C6-8590-A963BCE84FB1}" presName="L2TextContainer" presStyleLbl="bgAccFollowNode1" presStyleIdx="3" presStyleCnt="7"/>
+      <dgm:prSet presAssocID="{76AE7EB3-ECD5-46C6-8590-A963BCE84FB1}" presName="L2TextContainer" presStyleLbl="bgAccFollowNode1" presStyleIdx="3" presStyleCnt="6"/>
       <dgm:spPr/>
     </dgm:pt>
     <dgm:pt modelId="{3C9D18EC-B4F3-8A48-8655-E8E01468D0EE}" type="pres">
@@ -3919,11 +3849,11 @@
       <dgm:spPr/>
     </dgm:pt>
     <dgm:pt modelId="{6F3B2854-602B-F445-A594-5D0B7990A565}" type="pres">
-      <dgm:prSet presAssocID="{76AE7EB3-ECD5-46C6-8590-A963BCE84FB1}" presName="ConnectLine" presStyleLbl="sibTrans1D1" presStyleIdx="3" presStyleCnt="7"/>
+      <dgm:prSet presAssocID="{76AE7EB3-ECD5-46C6-8590-A963BCE84FB1}" presName="ConnectLine" presStyleLbl="sibTrans1D1" presStyleIdx="3" presStyleCnt="6"/>
       <dgm:spPr/>
     </dgm:pt>
     <dgm:pt modelId="{E44F51AD-70FD-D546-99C2-8DBBFC3782FB}" type="pres">
-      <dgm:prSet presAssocID="{76AE7EB3-ECD5-46C6-8590-A963BCE84FB1}" presName="ConnectorPoint" presStyleLbl="node1" presStyleIdx="3" presStyleCnt="7"/>
+      <dgm:prSet presAssocID="{76AE7EB3-ECD5-46C6-8590-A963BCE84FB1}" presName="ConnectorPoint" presStyleLbl="node1" presStyleIdx="3" presStyleCnt="6"/>
       <dgm:spPr>
         <a:solidFill>
           <a:schemeClr val="accent2">
@@ -3956,80 +3886,12 @@
       <dgm:prSet presAssocID="{B9E322FF-D665-45BD-BA72-AB87852E5AF2}" presName="spaceBetweenRectangles" presStyleCnt="0"/>
       <dgm:spPr/>
     </dgm:pt>
-    <dgm:pt modelId="{B485504A-4ABD-7F48-96CB-69B6C8D314B7}" type="pres">
-      <dgm:prSet presAssocID="{C7D4ADC0-BC59-40DB-958D-3EE74468EC45}" presName="composite" presStyleCnt="0"/>
-      <dgm:spPr/>
-    </dgm:pt>
-    <dgm:pt modelId="{3ADF6CE9-F145-6C40-8134-F605DC8DF8D7}" type="pres">
-      <dgm:prSet presAssocID="{C7D4ADC0-BC59-40DB-958D-3EE74468EC45}" presName="L1TextContainer" presStyleLbl="alignNode1" presStyleIdx="4" presStyleCnt="7">
-        <dgm:presLayoutVars>
-          <dgm:chMax val="1"/>
-          <dgm:chPref val="1"/>
-          <dgm:bulletEnabled val="1"/>
-        </dgm:presLayoutVars>
-      </dgm:prSet>
-      <dgm:spPr/>
-    </dgm:pt>
-    <dgm:pt modelId="{BAE1F22D-9381-FE49-9362-64DCE41BD079}" type="pres">
-      <dgm:prSet presAssocID="{C7D4ADC0-BC59-40DB-958D-3EE74468EC45}" presName="L2TextContainerWrapper" presStyleCnt="0">
-        <dgm:presLayoutVars>
-          <dgm:bulletEnabled val="1"/>
-        </dgm:presLayoutVars>
-      </dgm:prSet>
-      <dgm:spPr/>
-    </dgm:pt>
-    <dgm:pt modelId="{18BB132C-E537-5F4B-87A9-586906FAFA71}" type="pres">
-      <dgm:prSet presAssocID="{C7D4ADC0-BC59-40DB-958D-3EE74468EC45}" presName="L2TextContainer" presStyleLbl="bgAccFollowNode1" presStyleIdx="4" presStyleCnt="7"/>
-      <dgm:spPr/>
-    </dgm:pt>
-    <dgm:pt modelId="{C20ACFA1-99D5-7D4D-9226-3ECD08BB12A5}" type="pres">
-      <dgm:prSet presAssocID="{C7D4ADC0-BC59-40DB-958D-3EE74468EC45}" presName="FlexibleEmptyPlaceHolder" presStyleCnt="0"/>
-      <dgm:spPr/>
-    </dgm:pt>
-    <dgm:pt modelId="{90AE379C-1B89-214F-8A89-EEE136E03EB7}" type="pres">
-      <dgm:prSet presAssocID="{C7D4ADC0-BC59-40DB-958D-3EE74468EC45}" presName="ConnectLine" presStyleLbl="sibTrans1D1" presStyleIdx="4" presStyleCnt="7"/>
-      <dgm:spPr/>
-    </dgm:pt>
-    <dgm:pt modelId="{974E0A75-6D30-6B4D-8360-1293B864C410}" type="pres">
-      <dgm:prSet presAssocID="{C7D4ADC0-BC59-40DB-958D-3EE74468EC45}" presName="ConnectorPoint" presStyleLbl="node1" presStyleIdx="4" presStyleCnt="7"/>
-      <dgm:spPr>
-        <a:solidFill>
-          <a:schemeClr val="accent2">
-            <a:hueOff val="0"/>
-            <a:satOff val="0"/>
-            <a:lumOff val="0"/>
-            <a:alphaOff val="0"/>
-          </a:schemeClr>
-        </a:solidFill>
-        <a:ln w="6350" cap="flat" cmpd="sng" algn="ctr">
-          <a:solidFill>
-            <a:schemeClr val="lt1">
-              <a:hueOff val="0"/>
-              <a:satOff val="0"/>
-              <a:lumOff val="0"/>
-              <a:alphaOff val="0"/>
-            </a:schemeClr>
-          </a:solidFill>
-          <a:prstDash val="solid"/>
-          <a:miter lim="800000"/>
-        </a:ln>
-        <a:effectLst/>
-      </dgm:spPr>
-    </dgm:pt>
-    <dgm:pt modelId="{3528299E-3D7D-424B-A162-1CED01678711}" type="pres">
-      <dgm:prSet presAssocID="{C7D4ADC0-BC59-40DB-958D-3EE74468EC45}" presName="EmptyPlaceHolder" presStyleCnt="0"/>
-      <dgm:spPr/>
-    </dgm:pt>
-    <dgm:pt modelId="{73008F69-28CB-9142-8E54-8CED230B6201}" type="pres">
-      <dgm:prSet presAssocID="{1C66B427-3DF7-48DF-99A1-A906AB000CF5}" presName="spaceBetweenRectangles" presStyleCnt="0"/>
-      <dgm:spPr/>
-    </dgm:pt>
     <dgm:pt modelId="{7724EA4E-6306-E14B-B371-BFE13A23EA79}" type="pres">
       <dgm:prSet presAssocID="{5FA7915B-0C7C-456E-B319-26DD70E4D9C9}" presName="composite" presStyleCnt="0"/>
       <dgm:spPr/>
     </dgm:pt>
     <dgm:pt modelId="{90DB933C-6E35-5E48-8371-F37E7A1FFE53}" type="pres">
-      <dgm:prSet presAssocID="{5FA7915B-0C7C-456E-B319-26DD70E4D9C9}" presName="L1TextContainer" presStyleLbl="alignNode1" presStyleIdx="5" presStyleCnt="7">
+      <dgm:prSet presAssocID="{5FA7915B-0C7C-456E-B319-26DD70E4D9C9}" presName="L1TextContainer" presStyleLbl="alignNode1" presStyleIdx="4" presStyleCnt="6">
         <dgm:presLayoutVars>
           <dgm:chMax val="1"/>
           <dgm:chPref val="1"/>
@@ -4047,7 +3909,7 @@
       <dgm:spPr/>
     </dgm:pt>
     <dgm:pt modelId="{661774FE-72C1-EB48-A526-CA9D0725B18F}" type="pres">
-      <dgm:prSet presAssocID="{5FA7915B-0C7C-456E-B319-26DD70E4D9C9}" presName="L2TextContainer" presStyleLbl="bgAccFollowNode1" presStyleIdx="5" presStyleCnt="7"/>
+      <dgm:prSet presAssocID="{5FA7915B-0C7C-456E-B319-26DD70E4D9C9}" presName="L2TextContainer" presStyleLbl="bgAccFollowNode1" presStyleIdx="4" presStyleCnt="6"/>
       <dgm:spPr/>
     </dgm:pt>
     <dgm:pt modelId="{B818BD82-9DD5-0048-A5C1-0EEECEB35698}" type="pres">
@@ -4055,11 +3917,11 @@
       <dgm:spPr/>
     </dgm:pt>
     <dgm:pt modelId="{2E618A39-8B88-CA4F-90DE-8AB2DBC6609A}" type="pres">
-      <dgm:prSet presAssocID="{5FA7915B-0C7C-456E-B319-26DD70E4D9C9}" presName="ConnectLine" presStyleLbl="sibTrans1D1" presStyleIdx="5" presStyleCnt="7"/>
+      <dgm:prSet presAssocID="{5FA7915B-0C7C-456E-B319-26DD70E4D9C9}" presName="ConnectLine" presStyleLbl="sibTrans1D1" presStyleIdx="4" presStyleCnt="6"/>
       <dgm:spPr/>
     </dgm:pt>
     <dgm:pt modelId="{C22275B0-DD5C-074D-8306-3ADD551DBC13}" type="pres">
-      <dgm:prSet presAssocID="{5FA7915B-0C7C-456E-B319-26DD70E4D9C9}" presName="ConnectorPoint" presStyleLbl="node1" presStyleIdx="5" presStyleCnt="7"/>
+      <dgm:prSet presAssocID="{5FA7915B-0C7C-456E-B319-26DD70E4D9C9}" presName="ConnectorPoint" presStyleLbl="node1" presStyleIdx="4" presStyleCnt="6"/>
       <dgm:spPr>
         <a:solidFill>
           <a:schemeClr val="accent2">
@@ -4097,7 +3959,7 @@
       <dgm:spPr/>
     </dgm:pt>
     <dgm:pt modelId="{F5468D02-0AAF-5A4F-A98F-5274FBB8257C}" type="pres">
-      <dgm:prSet presAssocID="{EBF5CCD6-DFA0-40E1-A9CB-1D00E4EB0BF7}" presName="L1TextContainer" presStyleLbl="alignNode1" presStyleIdx="6" presStyleCnt="7">
+      <dgm:prSet presAssocID="{EBF5CCD6-DFA0-40E1-A9CB-1D00E4EB0BF7}" presName="L1TextContainer" presStyleLbl="alignNode1" presStyleIdx="5" presStyleCnt="6">
         <dgm:presLayoutVars>
           <dgm:chMax val="1"/>
           <dgm:chPref val="1"/>
@@ -4115,7 +3977,7 @@
       <dgm:spPr/>
     </dgm:pt>
     <dgm:pt modelId="{CBCF6A5A-2508-C744-8C57-A66BC3EAF9DC}" type="pres">
-      <dgm:prSet presAssocID="{EBF5CCD6-DFA0-40E1-A9CB-1D00E4EB0BF7}" presName="L2TextContainer" presStyleLbl="bgAccFollowNode1" presStyleIdx="6" presStyleCnt="7"/>
+      <dgm:prSet presAssocID="{EBF5CCD6-DFA0-40E1-A9CB-1D00E4EB0BF7}" presName="L2TextContainer" presStyleLbl="bgAccFollowNode1" presStyleIdx="5" presStyleCnt="6"/>
       <dgm:spPr/>
     </dgm:pt>
     <dgm:pt modelId="{DFBC8FC7-5BB9-9641-AC5C-3D132701C474}" type="pres">
@@ -4123,11 +3985,11 @@
       <dgm:spPr/>
     </dgm:pt>
     <dgm:pt modelId="{D90BA49B-06DA-494B-80EA-3507FE310DD2}" type="pres">
-      <dgm:prSet presAssocID="{EBF5CCD6-DFA0-40E1-A9CB-1D00E4EB0BF7}" presName="ConnectLine" presStyleLbl="sibTrans1D1" presStyleIdx="6" presStyleCnt="7"/>
+      <dgm:prSet presAssocID="{EBF5CCD6-DFA0-40E1-A9CB-1D00E4EB0BF7}" presName="ConnectLine" presStyleLbl="sibTrans1D1" presStyleIdx="5" presStyleCnt="6"/>
       <dgm:spPr/>
     </dgm:pt>
     <dgm:pt modelId="{32DC2D9A-9C6D-AA4B-8CA8-E9D630D3F0CE}" type="pres">
-      <dgm:prSet presAssocID="{EBF5CCD6-DFA0-40E1-A9CB-1D00E4EB0BF7}" presName="ConnectorPoint" presStyleLbl="node1" presStyleIdx="6" presStyleCnt="7"/>
+      <dgm:prSet presAssocID="{EBF5CCD6-DFA0-40E1-A9CB-1D00E4EB0BF7}" presName="ConnectorPoint" presStyleLbl="node1" presStyleIdx="5" presStyleCnt="6"/>
       <dgm:spPr>
         <a:solidFill>
           <a:schemeClr val="accent2">
@@ -4162,9 +4024,6 @@
     <dgm:cxn modelId="{CE877F05-026D-4EB8-909A-401F5EEE4598}" srcId="{1A4310C0-8BA5-42C6-987F-0EC7806DCC48}" destId="{0F09A172-3F7E-4744-B984-AAECEB2FFB24}" srcOrd="1" destOrd="0" parTransId="{3E35612D-5E9B-4765-A4DE-690864CA3431}" sibTransId="{F444D8F4-A51F-4819-B58B-09FB279EF7FA}"/>
     <dgm:cxn modelId="{4230EB08-283C-DE4D-BE39-D1CB80246760}" type="presOf" srcId="{3A5F20E9-312E-48AF-B37A-C1D95A5A688A}" destId="{572A90B9-19EC-8848-9012-8E8EA8FAA6EB}" srcOrd="0" destOrd="0" presId="urn:microsoft.com/office/officeart/2017/3/layout/HorizontalLabelsTimeline"/>
     <dgm:cxn modelId="{42235C10-2085-EF40-B811-5BFFE0F24555}" type="presOf" srcId="{5104DF1C-25AB-4604-9422-DE547BD1B19B}" destId="{E8EE6523-A728-414A-83AC-EC52526D413D}" srcOrd="0" destOrd="0" presId="urn:microsoft.com/office/officeart/2017/3/layout/HorizontalLabelsTimeline"/>
-    <dgm:cxn modelId="{FE019713-0013-7747-B5FC-F857F3FCEDEF}" type="presOf" srcId="{C7D4ADC0-BC59-40DB-958D-3EE74468EC45}" destId="{3ADF6CE9-F145-6C40-8134-F605DC8DF8D7}" srcOrd="0" destOrd="0" presId="urn:microsoft.com/office/officeart/2017/3/layout/HorizontalLabelsTimeline"/>
-    <dgm:cxn modelId="{F7EF762F-B8E1-4401-B719-11657BCCD7D0}" srcId="{C7D4ADC0-BC59-40DB-958D-3EE74468EC45}" destId="{5B15AFEB-6E27-42B3-AB91-4DF337A80E01}" srcOrd="0" destOrd="0" parTransId="{9B79FFC0-D53E-4C56-B230-A67AB3B6DB8F}" sibTransId="{869DD260-FB6D-4788-9505-A572FC92A1FC}"/>
-    <dgm:cxn modelId="{5BC7053F-5B45-AC42-B936-D14EC525B0BC}" type="presOf" srcId="{5B15AFEB-6E27-42B3-AB91-4DF337A80E01}" destId="{18BB132C-E537-5F4B-87A9-586906FAFA71}" srcOrd="0" destOrd="0" presId="urn:microsoft.com/office/officeart/2017/3/layout/HorizontalLabelsTimeline"/>
     <dgm:cxn modelId="{DCADEA4B-AF4E-904A-890F-82194A9B2EAB}" type="presOf" srcId="{76AE7EB3-ECD5-46C6-8590-A963BCE84FB1}" destId="{8903A50B-3E67-D649-BFEB-B277D721056B}" srcOrd="0" destOrd="0" presId="urn:microsoft.com/office/officeart/2017/3/layout/HorizontalLabelsTimeline"/>
     <dgm:cxn modelId="{8CF3836C-71AF-F14A-8B81-E18457692F2A}" type="presOf" srcId="{1A4310C0-8BA5-42C6-987F-0EC7806DCC48}" destId="{A2877C09-A7AE-BC45-B4AA-AD4975DBE41A}" srcOrd="0" destOrd="0" presId="urn:microsoft.com/office/officeart/2017/3/layout/HorizontalLabelsTimeline"/>
     <dgm:cxn modelId="{6DE9C475-3508-394E-A0D9-685C1FBE2CC0}" type="presOf" srcId="{24137151-1E71-4C97-9191-0C4A6A92869E}" destId="{8BAEDF98-7094-474E-9D8C-72120AC5FFB1}" srcOrd="0" destOrd="0" presId="urn:microsoft.com/office/officeart/2017/3/layout/HorizontalLabelsTimeline"/>
@@ -4172,13 +4031,12 @@
     <dgm:cxn modelId="{6AB94A7C-793B-436A-9553-5B1739CC9AF5}" srcId="{4EBADCBA-D466-4DDD-A81B-35A07B60804B}" destId="{24137151-1E71-4C97-9191-0C4A6A92869E}" srcOrd="0" destOrd="0" parTransId="{3B59F4BC-1892-44EC-A78F-D8B4FAD65892}" sibTransId="{7EE7664B-9208-4ACD-9E54-E9C7BC8F2F68}"/>
     <dgm:cxn modelId="{00578A8D-CF22-43E3-AF0E-7C86BC250CAC}" srcId="{1A4310C0-8BA5-42C6-987F-0EC7806DCC48}" destId="{76AE7EB3-ECD5-46C6-8590-A963BCE84FB1}" srcOrd="3" destOrd="0" parTransId="{369E7BAF-2039-4198-958D-EC09B6CDC2DD}" sibTransId="{B9E322FF-D665-45BD-BA72-AB87852E5AF2}"/>
     <dgm:cxn modelId="{10380C96-67FA-2B4E-8A42-2250D72B8BB4}" type="presOf" srcId="{5FA7915B-0C7C-456E-B319-26DD70E4D9C9}" destId="{90DB933C-6E35-5E48-8371-F37E7A1FFE53}" srcOrd="0" destOrd="0" presId="urn:microsoft.com/office/officeart/2017/3/layout/HorizontalLabelsTimeline"/>
-    <dgm:cxn modelId="{EF70029F-A8E9-46FA-96CA-417B0A9A7AB3}" srcId="{1A4310C0-8BA5-42C6-987F-0EC7806DCC48}" destId="{C7D4ADC0-BC59-40DB-958D-3EE74468EC45}" srcOrd="4" destOrd="0" parTransId="{F58D2DA8-7002-488C-B580-4E83972C9443}" sibTransId="{1C66B427-3DF7-48DF-99A1-A906AB000CF5}"/>
     <dgm:cxn modelId="{2965229F-7087-48E5-A635-4E431D3C70B2}" srcId="{EBF5CCD6-DFA0-40E1-A9CB-1D00E4EB0BF7}" destId="{EEB589BF-E02C-4D12-A252-923B64A8B881}" srcOrd="0" destOrd="0" parTransId="{27E68424-2FD3-4F1F-9521-128289012BD2}" sibTransId="{CFF7A3FC-5E5C-4EC2-B697-F1EBCB08CBB9}"/>
     <dgm:cxn modelId="{EBCFC4A2-D0E8-4194-9A56-AB230D8B561F}" srcId="{1A4310C0-8BA5-42C6-987F-0EC7806DCC48}" destId="{4EBADCBA-D466-4DDD-A81B-35A07B60804B}" srcOrd="0" destOrd="0" parTransId="{5B7D8E44-120C-4EE3-B214-340FCFDF0F4A}" sibTransId="{21E4D90C-94E3-47D1-B962-7CCBA9A310EE}"/>
     <dgm:cxn modelId="{9A2752A5-283C-43D1-B09D-C16D41F66DF1}" srcId="{44A46390-5A02-4573-8BCF-A55C10522E84}" destId="{5104DF1C-25AB-4604-9422-DE547BD1B19B}" srcOrd="0" destOrd="0" parTransId="{270A07D4-87E5-48E9-815B-F7505B1C2271}" sibTransId="{752A0704-34CD-440B-87E1-D1CFA700511A}"/>
     <dgm:cxn modelId="{A3A419A7-B8F4-4CC4-9034-BB53A549061E}" srcId="{76AE7EB3-ECD5-46C6-8590-A963BCE84FB1}" destId="{3A5F20E9-312E-48AF-B37A-C1D95A5A688A}" srcOrd="0" destOrd="0" parTransId="{2933F9DE-6A00-45FE-BB5F-458770C939E7}" sibTransId="{CDA2E91E-4018-46AA-90AD-B22B9C69FCD1}"/>
-    <dgm:cxn modelId="{952449A8-4465-4276-8B39-DE5C5AC6BAE4}" srcId="{1A4310C0-8BA5-42C6-987F-0EC7806DCC48}" destId="{EBF5CCD6-DFA0-40E1-A9CB-1D00E4EB0BF7}" srcOrd="6" destOrd="0" parTransId="{EC4E9C5E-B1AC-4390-948D-4E7D43E3550F}" sibTransId="{B4E43978-39CA-4A60-BBD6-846DC859D09F}"/>
-    <dgm:cxn modelId="{487A94BC-C14D-4D37-B0C9-9BD7CA977834}" srcId="{1A4310C0-8BA5-42C6-987F-0EC7806DCC48}" destId="{5FA7915B-0C7C-456E-B319-26DD70E4D9C9}" srcOrd="5" destOrd="0" parTransId="{6105456E-5563-4DF5-A778-D5C96B7A2461}" sibTransId="{DF569948-EBE5-4A88-8E4C-A58842E4BE5F}"/>
+    <dgm:cxn modelId="{952449A8-4465-4276-8B39-DE5C5AC6BAE4}" srcId="{1A4310C0-8BA5-42C6-987F-0EC7806DCC48}" destId="{EBF5CCD6-DFA0-40E1-A9CB-1D00E4EB0BF7}" srcOrd="5" destOrd="0" parTransId="{EC4E9C5E-B1AC-4390-948D-4E7D43E3550F}" sibTransId="{B4E43978-39CA-4A60-BBD6-846DC859D09F}"/>
+    <dgm:cxn modelId="{487A94BC-C14D-4D37-B0C9-9BD7CA977834}" srcId="{1A4310C0-8BA5-42C6-987F-0EC7806DCC48}" destId="{5FA7915B-0C7C-456E-B319-26DD70E4D9C9}" srcOrd="4" destOrd="0" parTransId="{6105456E-5563-4DF5-A778-D5C96B7A2461}" sibTransId="{DF569948-EBE5-4A88-8E4C-A58842E4BE5F}"/>
     <dgm:cxn modelId="{15BC12C1-4C60-ED43-A925-412F709DB14B}" type="presOf" srcId="{EBF5CCD6-DFA0-40E1-A9CB-1D00E4EB0BF7}" destId="{F5468D02-0AAF-5A4F-A98F-5274FBB8257C}" srcOrd="0" destOrd="0" presId="urn:microsoft.com/office/officeart/2017/3/layout/HorizontalLabelsTimeline"/>
     <dgm:cxn modelId="{D09D4DC6-2E4A-CD41-AD00-DC32956F8F4B}" type="presOf" srcId="{50230368-6C8F-4032-8184-9E0672E32407}" destId="{1B549606-A079-1F46-8AE1-3DBBA63D021E}" srcOrd="0" destOrd="0" presId="urn:microsoft.com/office/officeart/2017/3/layout/HorizontalLabelsTimeline"/>
     <dgm:cxn modelId="{3AD095CA-891E-418A-AF96-9ADAC5AFA288}" srcId="{0F09A172-3F7E-4744-B984-AAECEB2FFB24}" destId="{50230368-6C8F-4032-8184-9E0672E32407}" srcOrd="0" destOrd="0" parTransId="{138285E8-EB20-4A5D-9758-42A49242B435}" sibTransId="{B8CB3C69-F44A-4183-A65D-7D220CDDDB53}"/>
@@ -4225,16 +4083,7 @@
     <dgm:cxn modelId="{A60A93F6-AFAA-5945-84ED-23B6BCDE1593}" type="presParOf" srcId="{17BF0F41-3772-9549-950E-648871699C99}" destId="{E44F51AD-70FD-D546-99C2-8DBBFC3782FB}" srcOrd="3" destOrd="0" presId="urn:microsoft.com/office/officeart/2017/3/layout/HorizontalLabelsTimeline"/>
     <dgm:cxn modelId="{10BA8FED-0012-7042-98CA-ABBB1DA55F05}" type="presParOf" srcId="{17BF0F41-3772-9549-950E-648871699C99}" destId="{E8DFBA9B-791C-FD43-8949-F22817C41D7E}" srcOrd="4" destOrd="0" presId="urn:microsoft.com/office/officeart/2017/3/layout/HorizontalLabelsTimeline"/>
     <dgm:cxn modelId="{50B2590B-FB6E-AE4F-A40D-9CB0A7E316D1}" type="presParOf" srcId="{A238AA5F-69FE-C14D-A96E-701F25426AF4}" destId="{FA2F5589-5AC1-6443-B9D5-260D5FDFAA88}" srcOrd="7" destOrd="0" presId="urn:microsoft.com/office/officeart/2017/3/layout/HorizontalLabelsTimeline"/>
-    <dgm:cxn modelId="{12A8E8FE-0B72-6C42-AA39-4DF25116A829}" type="presParOf" srcId="{A238AA5F-69FE-C14D-A96E-701F25426AF4}" destId="{B485504A-4ABD-7F48-96CB-69B6C8D314B7}" srcOrd="8" destOrd="0" presId="urn:microsoft.com/office/officeart/2017/3/layout/HorizontalLabelsTimeline"/>
-    <dgm:cxn modelId="{0095A99D-5665-E248-AD01-D79FED43DAB1}" type="presParOf" srcId="{B485504A-4ABD-7F48-96CB-69B6C8D314B7}" destId="{3ADF6CE9-F145-6C40-8134-F605DC8DF8D7}" srcOrd="0" destOrd="0" presId="urn:microsoft.com/office/officeart/2017/3/layout/HorizontalLabelsTimeline"/>
-    <dgm:cxn modelId="{14BB8D93-F6DD-D246-9394-AC4A2B0A12A7}" type="presParOf" srcId="{B485504A-4ABD-7F48-96CB-69B6C8D314B7}" destId="{BAE1F22D-9381-FE49-9362-64DCE41BD079}" srcOrd="1" destOrd="0" presId="urn:microsoft.com/office/officeart/2017/3/layout/HorizontalLabelsTimeline"/>
-    <dgm:cxn modelId="{38A65945-A010-3E4A-A908-53EED6C4805D}" type="presParOf" srcId="{BAE1F22D-9381-FE49-9362-64DCE41BD079}" destId="{18BB132C-E537-5F4B-87A9-586906FAFA71}" srcOrd="0" destOrd="0" presId="urn:microsoft.com/office/officeart/2017/3/layout/HorizontalLabelsTimeline"/>
-    <dgm:cxn modelId="{73E0E7B4-C445-AC4F-9385-52058E7B9FDC}" type="presParOf" srcId="{BAE1F22D-9381-FE49-9362-64DCE41BD079}" destId="{C20ACFA1-99D5-7D4D-9226-3ECD08BB12A5}" srcOrd="1" destOrd="0" presId="urn:microsoft.com/office/officeart/2017/3/layout/HorizontalLabelsTimeline"/>
-    <dgm:cxn modelId="{C797C8AB-2AE5-3443-9ACD-57549300C267}" type="presParOf" srcId="{B485504A-4ABD-7F48-96CB-69B6C8D314B7}" destId="{90AE379C-1B89-214F-8A89-EEE136E03EB7}" srcOrd="2" destOrd="0" presId="urn:microsoft.com/office/officeart/2017/3/layout/HorizontalLabelsTimeline"/>
-    <dgm:cxn modelId="{BC92FC0E-12FD-0343-804D-1ACDEDA80DF4}" type="presParOf" srcId="{B485504A-4ABD-7F48-96CB-69B6C8D314B7}" destId="{974E0A75-6D30-6B4D-8360-1293B864C410}" srcOrd="3" destOrd="0" presId="urn:microsoft.com/office/officeart/2017/3/layout/HorizontalLabelsTimeline"/>
-    <dgm:cxn modelId="{5ADD9240-9834-C44B-B06B-91F6DD5414E6}" type="presParOf" srcId="{B485504A-4ABD-7F48-96CB-69B6C8D314B7}" destId="{3528299E-3D7D-424B-A162-1CED01678711}" srcOrd="4" destOrd="0" presId="urn:microsoft.com/office/officeart/2017/3/layout/HorizontalLabelsTimeline"/>
-    <dgm:cxn modelId="{9AA0B88D-8F0D-104B-9473-7B02C38E7850}" type="presParOf" srcId="{A238AA5F-69FE-C14D-A96E-701F25426AF4}" destId="{73008F69-28CB-9142-8E54-8CED230B6201}" srcOrd="9" destOrd="0" presId="urn:microsoft.com/office/officeart/2017/3/layout/HorizontalLabelsTimeline"/>
-    <dgm:cxn modelId="{CB6AE710-356E-0A47-8D08-AE36EFFAC280}" type="presParOf" srcId="{A238AA5F-69FE-C14D-A96E-701F25426AF4}" destId="{7724EA4E-6306-E14B-B371-BFE13A23EA79}" srcOrd="10" destOrd="0" presId="urn:microsoft.com/office/officeart/2017/3/layout/HorizontalLabelsTimeline"/>
+    <dgm:cxn modelId="{CB6AE710-356E-0A47-8D08-AE36EFFAC280}" type="presParOf" srcId="{A238AA5F-69FE-C14D-A96E-701F25426AF4}" destId="{7724EA4E-6306-E14B-B371-BFE13A23EA79}" srcOrd="8" destOrd="0" presId="urn:microsoft.com/office/officeart/2017/3/layout/HorizontalLabelsTimeline"/>
     <dgm:cxn modelId="{FA386B8F-A547-2F43-B177-D243D354B76F}" type="presParOf" srcId="{7724EA4E-6306-E14B-B371-BFE13A23EA79}" destId="{90DB933C-6E35-5E48-8371-F37E7A1FFE53}" srcOrd="0" destOrd="0" presId="urn:microsoft.com/office/officeart/2017/3/layout/HorizontalLabelsTimeline"/>
     <dgm:cxn modelId="{11318A90-3A32-944C-8A13-55CD0884D01B}" type="presParOf" srcId="{7724EA4E-6306-E14B-B371-BFE13A23EA79}" destId="{6808A7DD-486E-664E-B22C-5B13A69D6EFF}" srcOrd="1" destOrd="0" presId="urn:microsoft.com/office/officeart/2017/3/layout/HorizontalLabelsTimeline"/>
     <dgm:cxn modelId="{9877504F-D00C-5846-A32C-4144CEAAD98C}" type="presParOf" srcId="{6808A7DD-486E-664E-B22C-5B13A69D6EFF}" destId="{661774FE-72C1-EB48-A526-CA9D0725B18F}" srcOrd="0" destOrd="0" presId="urn:microsoft.com/office/officeart/2017/3/layout/HorizontalLabelsTimeline"/>
@@ -4242,8 +4091,8 @@
     <dgm:cxn modelId="{6D03E44D-81C9-2B43-9835-E5E76DDE4CDD}" type="presParOf" srcId="{7724EA4E-6306-E14B-B371-BFE13A23EA79}" destId="{2E618A39-8B88-CA4F-90DE-8AB2DBC6609A}" srcOrd="2" destOrd="0" presId="urn:microsoft.com/office/officeart/2017/3/layout/HorizontalLabelsTimeline"/>
     <dgm:cxn modelId="{B7C39355-331A-EB45-8A1D-5BF554D36304}" type="presParOf" srcId="{7724EA4E-6306-E14B-B371-BFE13A23EA79}" destId="{C22275B0-DD5C-074D-8306-3ADD551DBC13}" srcOrd="3" destOrd="0" presId="urn:microsoft.com/office/officeart/2017/3/layout/HorizontalLabelsTimeline"/>
     <dgm:cxn modelId="{583FA0BC-B613-7E40-A605-9382FF42A26E}" type="presParOf" srcId="{7724EA4E-6306-E14B-B371-BFE13A23EA79}" destId="{AAB4BEBD-B603-B14A-AEF8-A37AEBE85F38}" srcOrd="4" destOrd="0" presId="urn:microsoft.com/office/officeart/2017/3/layout/HorizontalLabelsTimeline"/>
-    <dgm:cxn modelId="{D64209C6-EA41-9C48-86E2-6DFF1A61F216}" type="presParOf" srcId="{A238AA5F-69FE-C14D-A96E-701F25426AF4}" destId="{BCC2A4C9-3854-264C-BFBE-F61BDA44930B}" srcOrd="11" destOrd="0" presId="urn:microsoft.com/office/officeart/2017/3/layout/HorizontalLabelsTimeline"/>
-    <dgm:cxn modelId="{710EBB1B-85EA-5143-8625-9E235498D7ED}" type="presParOf" srcId="{A238AA5F-69FE-C14D-A96E-701F25426AF4}" destId="{EDCAE934-7723-8249-BA0B-B0230F8B0975}" srcOrd="12" destOrd="0" presId="urn:microsoft.com/office/officeart/2017/3/layout/HorizontalLabelsTimeline"/>
+    <dgm:cxn modelId="{D64209C6-EA41-9C48-86E2-6DFF1A61F216}" type="presParOf" srcId="{A238AA5F-69FE-C14D-A96E-701F25426AF4}" destId="{BCC2A4C9-3854-264C-BFBE-F61BDA44930B}" srcOrd="9" destOrd="0" presId="urn:microsoft.com/office/officeart/2017/3/layout/HorizontalLabelsTimeline"/>
+    <dgm:cxn modelId="{710EBB1B-85EA-5143-8625-9E235498D7ED}" type="presParOf" srcId="{A238AA5F-69FE-C14D-A96E-701F25426AF4}" destId="{EDCAE934-7723-8249-BA0B-B0230F8B0975}" srcOrd="10" destOrd="0" presId="urn:microsoft.com/office/officeart/2017/3/layout/HorizontalLabelsTimeline"/>
     <dgm:cxn modelId="{B7CEAA52-4023-5940-B021-4032BAF50F0A}" type="presParOf" srcId="{EDCAE934-7723-8249-BA0B-B0230F8B0975}" destId="{F5468D02-0AAF-5A4F-A98F-5274FBB8257C}" srcOrd="0" destOrd="0" presId="urn:microsoft.com/office/officeart/2017/3/layout/HorizontalLabelsTimeline"/>
     <dgm:cxn modelId="{42AAD39E-C62A-E34B-A461-6E6C87401194}" type="presParOf" srcId="{EDCAE934-7723-8249-BA0B-B0230F8B0975}" destId="{3F869299-56A0-7B40-A51C-625A0DD7DBD7}" srcOrd="1" destOrd="0" presId="urn:microsoft.com/office/officeart/2017/3/layout/HorizontalLabelsTimeline"/>
     <dgm:cxn modelId="{91606312-C15E-8E4A-BB1D-F2FE47ECD598}" type="presParOf" srcId="{3F869299-56A0-7B40-A51C-625A0DD7DBD7}" destId="{CBCF6A5A-2508-C744-8C57-A66BC3EAF9DC}" srcOrd="0" destOrd="0" presId="urn:microsoft.com/office/officeart/2017/3/layout/HorizontalLabelsTimeline"/>
@@ -5250,8 +5099,8 @@
       </dsp:nvSpPr>
       <dsp:spPr>
         <a:xfrm>
-          <a:off x="157734" y="1349288"/>
-          <a:ext cx="2313432" cy="522305"/>
+          <a:off x="181507" y="1349288"/>
+          <a:ext cx="2643276" cy="522305"/>
         </a:xfrm>
         <a:prstGeom prst="rect">
           <a:avLst/>
@@ -5293,12 +5142,12 @@
         </a:fontRef>
       </dsp:style>
       <dsp:txBody>
-        <a:bodyPr spcFirstLastPara="0" vert="horz" wrap="square" lIns="96520" tIns="96520" rIns="96520" bIns="96520" numCol="1" spcCol="1270" anchor="ctr" anchorCtr="0">
+        <a:bodyPr spcFirstLastPara="0" vert="horz" wrap="square" lIns="101600" tIns="101600" rIns="101600" bIns="101600" numCol="1" spcCol="1270" anchor="ctr" anchorCtr="0">
           <a:noAutofit/>
         </a:bodyPr>
         <a:lstStyle/>
         <a:p>
-          <a:pPr marL="0" lvl="0" indent="0" algn="ctr" defTabSz="844550">
+          <a:pPr marL="0" lvl="0" indent="0" algn="ctr" defTabSz="889000">
             <a:lnSpc>
               <a:spcPct val="90000"/>
             </a:lnSpc>
@@ -5312,14 +5161,14 @@
             <a:defRPr b="1"/>
           </a:pPr>
           <a:r>
-            <a:rPr lang="en-US" sz="1900" kern="1200"/>
+            <a:rPr lang="en-US" sz="2000" kern="1200"/>
             <a:t>13:00 – 13:05</a:t>
           </a:r>
         </a:p>
       </dsp:txBody>
       <dsp:txXfrm>
-        <a:off x="157734" y="1349288"/>
-        <a:ext cx="2313432" cy="522305"/>
+        <a:off x="181507" y="1349288"/>
+        <a:ext cx="2643276" cy="522305"/>
       </dsp:txXfrm>
     </dsp:sp>
     <dsp:sp modelId="{8BAEDF98-7094-474E-9D8C-72120AC5FFB1}">
@@ -5329,8 +5178,8 @@
       </dsp:nvSpPr>
       <dsp:spPr>
         <a:xfrm>
-          <a:off x="157734" y="806621"/>
-          <a:ext cx="2313432" cy="542667"/>
+          <a:off x="181507" y="773732"/>
+          <a:ext cx="2643276" cy="575555"/>
         </a:xfrm>
         <a:prstGeom prst="rect">
           <a:avLst/>
@@ -5374,12 +5223,12 @@
         <a:fontRef idx="minor"/>
       </dsp:style>
       <dsp:txBody>
-        <a:bodyPr spcFirstLastPara="0" vert="horz" wrap="square" lIns="152400" tIns="152400" rIns="152400" bIns="152400" numCol="1" spcCol="1270" anchor="ctr" anchorCtr="0">
+        <a:bodyPr spcFirstLastPara="0" vert="horz" wrap="square" lIns="161925" tIns="161925" rIns="161925" bIns="161925" numCol="1" spcCol="1270" anchor="ctr" anchorCtr="0">
           <a:noAutofit/>
         </a:bodyPr>
         <a:lstStyle/>
         <a:p>
-          <a:pPr marL="0" lvl="0" indent="0" algn="l" defTabSz="711200">
+          <a:pPr marL="0" lvl="0" indent="0" algn="l" defTabSz="755650">
             <a:lnSpc>
               <a:spcPct val="90000"/>
             </a:lnSpc>
@@ -5392,14 +5241,14 @@
             <a:buNone/>
           </a:pPr>
           <a:r>
-            <a:rPr lang="en-US" sz="1600" kern="1200"/>
+            <a:rPr lang="en-US" sz="1700" kern="1200"/>
             <a:t>Introduction (Pratim)</a:t>
           </a:r>
         </a:p>
       </dsp:txBody>
       <dsp:txXfrm>
-        <a:off x="157734" y="806621"/>
-        <a:ext cx="2313432" cy="542667"/>
+        <a:off x="181507" y="773732"/>
+        <a:ext cx="2643276" cy="575555"/>
       </dsp:txXfrm>
     </dsp:sp>
     <dsp:sp modelId="{5B81A4F2-FF26-DD4E-98FD-E18A4F1A0A08}">
@@ -5409,7 +5258,7 @@
       </dsp:nvSpPr>
       <dsp:spPr>
         <a:xfrm>
-          <a:off x="1314450" y="1871593"/>
+          <a:off x="1503145" y="1871593"/>
           <a:ext cx="0" cy="304678"/>
         </a:xfrm>
         <a:prstGeom prst="line">
@@ -5450,8 +5299,8 @@
       </dsp:nvSpPr>
       <dsp:spPr>
         <a:xfrm>
-          <a:off x="1472184" y="2480950"/>
-          <a:ext cx="2313432" cy="522305"/>
+          <a:off x="1683368" y="2480950"/>
+          <a:ext cx="2643276" cy="522305"/>
         </a:xfrm>
         <a:prstGeom prst="rect">
           <a:avLst/>
@@ -5493,12 +5342,12 @@
         </a:fontRef>
       </dsp:style>
       <dsp:txBody>
-        <a:bodyPr spcFirstLastPara="0" vert="horz" wrap="square" lIns="96520" tIns="96520" rIns="96520" bIns="96520" numCol="1" spcCol="1270" anchor="ctr" anchorCtr="0">
+        <a:bodyPr spcFirstLastPara="0" vert="horz" wrap="square" lIns="101600" tIns="101600" rIns="101600" bIns="101600" numCol="1" spcCol="1270" anchor="ctr" anchorCtr="0">
           <a:noAutofit/>
         </a:bodyPr>
         <a:lstStyle/>
         <a:p>
-          <a:pPr marL="0" lvl="0" indent="0" algn="ctr" defTabSz="844550">
+          <a:pPr marL="0" lvl="0" indent="0" algn="ctr" defTabSz="889000">
             <a:lnSpc>
               <a:spcPct val="90000"/>
             </a:lnSpc>
@@ -5512,14 +5361,14 @@
             <a:defRPr b="1"/>
           </a:pPr>
           <a:r>
-            <a:rPr lang="en-US" sz="1900" kern="1200"/>
+            <a:rPr lang="en-US" sz="2000" kern="1200"/>
             <a:t>13:05 – 13:20</a:t>
           </a:r>
         </a:p>
       </dsp:txBody>
       <dsp:txXfrm>
-        <a:off x="1472184" y="2480950"/>
-        <a:ext cx="2313432" cy="522305"/>
+        <a:off x="1683368" y="2480950"/>
+        <a:ext cx="2643276" cy="522305"/>
       </dsp:txXfrm>
     </dsp:sp>
     <dsp:sp modelId="{1B549606-A079-1F46-8AE1-3DBBA63D021E}">
@@ -5529,8 +5378,8 @@
       </dsp:nvSpPr>
       <dsp:spPr>
         <a:xfrm>
-          <a:off x="1472184" y="3003255"/>
-          <a:ext cx="2313432" cy="756444"/>
+          <a:off x="1683368" y="3003255"/>
+          <a:ext cx="2643276" cy="805778"/>
         </a:xfrm>
         <a:prstGeom prst="rect">
           <a:avLst/>
@@ -5574,12 +5423,12 @@
         <a:fontRef idx="minor"/>
       </dsp:style>
       <dsp:txBody>
-        <a:bodyPr spcFirstLastPara="0" vert="horz" wrap="square" lIns="152400" tIns="152400" rIns="152400" bIns="152400" numCol="1" spcCol="1270" anchor="ctr" anchorCtr="0">
+        <a:bodyPr spcFirstLastPara="0" vert="horz" wrap="square" lIns="161925" tIns="161925" rIns="161925" bIns="161925" numCol="1" spcCol="1270" anchor="ctr" anchorCtr="0">
           <a:noAutofit/>
         </a:bodyPr>
         <a:lstStyle/>
         <a:p>
-          <a:pPr marL="0" lvl="0" indent="0" algn="l" defTabSz="711200">
+          <a:pPr marL="0" lvl="0" indent="0" algn="l" defTabSz="755650">
             <a:lnSpc>
               <a:spcPct val="90000"/>
             </a:lnSpc>
@@ -5592,14 +5441,14 @@
             <a:buNone/>
           </a:pPr>
           <a:r>
-            <a:rPr lang="en-US" sz="1600" kern="1200"/>
+            <a:rPr lang="en-US" sz="1700" kern="1200"/>
             <a:t>Overview of Responsible AI (Mufy)</a:t>
           </a:r>
         </a:p>
       </dsp:txBody>
       <dsp:txXfrm>
-        <a:off x="1472184" y="3003255"/>
-        <a:ext cx="2313432" cy="756444"/>
+        <a:off x="1683368" y="3003255"/>
+        <a:ext cx="2643276" cy="805778"/>
       </dsp:txXfrm>
     </dsp:sp>
     <dsp:sp modelId="{EAEADB99-FB13-4944-A181-7A9A36B40599}">
@@ -5609,7 +5458,7 @@
       </dsp:nvSpPr>
       <dsp:spPr>
         <a:xfrm>
-          <a:off x="2628900" y="2176271"/>
+          <a:off x="3005007" y="2176271"/>
           <a:ext cx="0" cy="304678"/>
         </a:xfrm>
         <a:prstGeom prst="line">
@@ -5650,7 +5499,7 @@
       </dsp:nvSpPr>
       <dsp:spPr>
         <a:xfrm rot="2700000">
-          <a:off x="1280595" y="2142417"/>
+          <a:off x="1469290" y="2142417"/>
           <a:ext cx="67709" cy="67709"/>
         </a:xfrm>
         <a:prstGeom prst="rect">
@@ -5700,7 +5549,7 @@
       </dsp:nvSpPr>
       <dsp:spPr>
         <a:xfrm rot="2700000">
-          <a:off x="2595045" y="2142417"/>
+          <a:off x="2971152" y="2142417"/>
           <a:ext cx="67709" cy="67709"/>
         </a:xfrm>
         <a:prstGeom prst="rect">
@@ -5750,8 +5599,8 @@
       </dsp:nvSpPr>
       <dsp:spPr>
         <a:xfrm>
-          <a:off x="2786634" y="1349288"/>
-          <a:ext cx="2313432" cy="522305"/>
+          <a:off x="3185230" y="1349288"/>
+          <a:ext cx="2643276" cy="522305"/>
         </a:xfrm>
         <a:prstGeom prst="rect">
           <a:avLst/>
@@ -5793,12 +5642,12 @@
         </a:fontRef>
       </dsp:style>
       <dsp:txBody>
-        <a:bodyPr spcFirstLastPara="0" vert="horz" wrap="square" lIns="96520" tIns="96520" rIns="96520" bIns="96520" numCol="1" spcCol="1270" anchor="ctr" anchorCtr="0">
+        <a:bodyPr spcFirstLastPara="0" vert="horz" wrap="square" lIns="101600" tIns="101600" rIns="101600" bIns="101600" numCol="1" spcCol="1270" anchor="ctr" anchorCtr="0">
           <a:noAutofit/>
         </a:bodyPr>
         <a:lstStyle/>
         <a:p>
-          <a:pPr marL="0" lvl="0" indent="0" algn="ctr" defTabSz="844550">
+          <a:pPr marL="0" lvl="0" indent="0" algn="ctr" defTabSz="889000">
             <a:lnSpc>
               <a:spcPct val="90000"/>
             </a:lnSpc>
@@ -5812,14 +5661,14 @@
             <a:defRPr b="1"/>
           </a:pPr>
           <a:r>
-            <a:rPr lang="en-US" sz="1900" kern="1200"/>
-            <a:t>13:20 – 13:40</a:t>
+            <a:rPr lang="en-US" sz="2000" kern="1200" dirty="0"/>
+            <a:t>13:20 – 13:45</a:t>
           </a:r>
         </a:p>
       </dsp:txBody>
       <dsp:txXfrm>
-        <a:off x="2786634" y="1349288"/>
-        <a:ext cx="2313432" cy="522305"/>
+        <a:off x="3185230" y="1349288"/>
+        <a:ext cx="2643276" cy="522305"/>
       </dsp:txXfrm>
     </dsp:sp>
     <dsp:sp modelId="{E8EE6523-A728-414A-83AC-EC52526D413D}">
@@ -5829,8 +5678,8 @@
       </dsp:nvSpPr>
       <dsp:spPr>
         <a:xfrm>
-          <a:off x="2786634" y="362621"/>
-          <a:ext cx="2313432" cy="986667"/>
+          <a:off x="3185230" y="313287"/>
+          <a:ext cx="2643276" cy="1036000"/>
         </a:xfrm>
         <a:prstGeom prst="rect">
           <a:avLst/>
@@ -5874,12 +5723,12 @@
         <a:fontRef idx="minor"/>
       </dsp:style>
       <dsp:txBody>
-        <a:bodyPr spcFirstLastPara="0" vert="horz" wrap="square" lIns="152400" tIns="152400" rIns="152400" bIns="152400" numCol="1" spcCol="1270" anchor="ctr" anchorCtr="0">
+        <a:bodyPr spcFirstLastPara="0" vert="horz" wrap="square" lIns="161925" tIns="161925" rIns="161925" bIns="161925" numCol="1" spcCol="1270" anchor="ctr" anchorCtr="0">
           <a:noAutofit/>
         </a:bodyPr>
         <a:lstStyle/>
         <a:p>
-          <a:pPr marL="0" lvl="0" indent="0" algn="l" defTabSz="711200">
+          <a:pPr marL="0" lvl="0" indent="0" algn="l" defTabSz="755650">
             <a:lnSpc>
               <a:spcPct val="90000"/>
             </a:lnSpc>
@@ -5892,30 +5741,30 @@
             <a:buNone/>
           </a:pPr>
           <a:r>
-            <a:rPr lang="en-US" sz="1600" kern="1200" dirty="0"/>
+            <a:rPr lang="en-US" sz="1700" kern="1200" dirty="0"/>
             <a:t>Interpretability with </a:t>
           </a:r>
           <a:r>
-            <a:rPr lang="en-US" sz="1600" kern="1200" dirty="0" err="1"/>
+            <a:rPr lang="en-US" sz="1700" kern="1200" dirty="0" err="1"/>
             <a:t>glassbox</a:t>
           </a:r>
           <a:r>
-            <a:rPr lang="en-US" sz="1600" kern="1200" dirty="0"/>
+            <a:rPr lang="en-US" sz="1700" kern="1200" dirty="0"/>
             <a:t> models (EBM) (</a:t>
           </a:r>
           <a:r>
-            <a:rPr lang="en-US" sz="1600" kern="1200" dirty="0" err="1"/>
+            <a:rPr lang="en-US" sz="1700" kern="1200" dirty="0" err="1"/>
             <a:t>Adalina</a:t>
           </a:r>
           <a:r>
-            <a:rPr lang="en-US" sz="1600" kern="1200" dirty="0"/>
+            <a:rPr lang="en-US" sz="1700" kern="1200" dirty="0"/>
             <a:t>)</a:t>
           </a:r>
         </a:p>
       </dsp:txBody>
       <dsp:txXfrm>
-        <a:off x="2786634" y="362621"/>
-        <a:ext cx="2313432" cy="986667"/>
+        <a:off x="3185230" y="313287"/>
+        <a:ext cx="2643276" cy="1036000"/>
       </dsp:txXfrm>
     </dsp:sp>
     <dsp:sp modelId="{E9892034-542D-5F44-A034-56CFFC4E6554}">
@@ -5925,7 +5774,7 @@
       </dsp:nvSpPr>
       <dsp:spPr>
         <a:xfrm>
-          <a:off x="3943350" y="1871593"/>
+          <a:off x="4506869" y="1871593"/>
           <a:ext cx="0" cy="304678"/>
         </a:xfrm>
         <a:prstGeom prst="line">
@@ -5966,8 +5815,8 @@
       </dsp:nvSpPr>
       <dsp:spPr>
         <a:xfrm>
-          <a:off x="4101084" y="2480950"/>
-          <a:ext cx="2313432" cy="522305"/>
+          <a:off x="4687092" y="2480950"/>
+          <a:ext cx="2643276" cy="522305"/>
         </a:xfrm>
         <a:prstGeom prst="rect">
           <a:avLst/>
@@ -6009,12 +5858,12 @@
         </a:fontRef>
       </dsp:style>
       <dsp:txBody>
-        <a:bodyPr spcFirstLastPara="0" vert="horz" wrap="square" lIns="96520" tIns="96520" rIns="96520" bIns="96520" numCol="1" spcCol="1270" anchor="ctr" anchorCtr="0">
+        <a:bodyPr spcFirstLastPara="0" vert="horz" wrap="square" lIns="101600" tIns="101600" rIns="101600" bIns="101600" numCol="1" spcCol="1270" anchor="ctr" anchorCtr="0">
           <a:noAutofit/>
         </a:bodyPr>
         <a:lstStyle/>
         <a:p>
-          <a:pPr marL="0" lvl="0" indent="0" algn="ctr" defTabSz="844550">
+          <a:pPr marL="0" lvl="0" indent="0" algn="ctr" defTabSz="889000">
             <a:lnSpc>
               <a:spcPct val="90000"/>
             </a:lnSpc>
@@ -6028,14 +5877,14 @@
             <a:defRPr b="1"/>
           </a:pPr>
           <a:r>
-            <a:rPr lang="en-US" sz="1900" kern="1200"/>
-            <a:t>13:40 – 14:00</a:t>
+            <a:rPr lang="en-US" sz="2000" kern="1200" dirty="0"/>
+            <a:t>13:45 – 14:20</a:t>
           </a:r>
         </a:p>
       </dsp:txBody>
       <dsp:txXfrm>
-        <a:off x="4101084" y="2480950"/>
-        <a:ext cx="2313432" cy="522305"/>
+        <a:off x="4687092" y="2480950"/>
+        <a:ext cx="2643276" cy="522305"/>
       </dsp:txXfrm>
     </dsp:sp>
     <dsp:sp modelId="{572A90B9-19EC-8848-9012-8E8EA8FAA6EB}">
@@ -6045,8 +5894,8 @@
       </dsp:nvSpPr>
       <dsp:spPr>
         <a:xfrm>
-          <a:off x="4101084" y="3003255"/>
-          <a:ext cx="2313432" cy="1216889"/>
+          <a:off x="4687092" y="3003255"/>
+          <a:ext cx="2643276" cy="1282667"/>
         </a:xfrm>
         <a:prstGeom prst="rect">
           <a:avLst/>
@@ -6090,12 +5939,12 @@
         <a:fontRef idx="minor"/>
       </dsp:style>
       <dsp:txBody>
-        <a:bodyPr spcFirstLastPara="0" vert="horz" wrap="square" lIns="152400" tIns="152400" rIns="152400" bIns="152400" numCol="1" spcCol="1270" anchor="ctr" anchorCtr="0">
+        <a:bodyPr spcFirstLastPara="0" vert="horz" wrap="square" lIns="161925" tIns="161925" rIns="161925" bIns="161925" numCol="1" spcCol="1270" anchor="ctr" anchorCtr="0">
           <a:noAutofit/>
         </a:bodyPr>
         <a:lstStyle/>
         <a:p>
-          <a:pPr marL="0" lvl="0" indent="0" algn="l" defTabSz="711200">
+          <a:pPr marL="0" lvl="0" indent="0" algn="l" defTabSz="755650">
             <a:lnSpc>
               <a:spcPct val="90000"/>
             </a:lnSpc>
@@ -6108,22 +5957,22 @@
             <a:buNone/>
           </a:pPr>
           <a:r>
-            <a:rPr lang="en-US" sz="1600" kern="1200" dirty="0"/>
+            <a:rPr lang="en-US" sz="1700" kern="1200" dirty="0"/>
             <a:t>Explain </a:t>
           </a:r>
           <a:r>
-            <a:rPr lang="en-US" sz="1600" kern="1200" dirty="0" err="1"/>
+            <a:rPr lang="en-US" sz="1700" kern="1200" dirty="0" err="1"/>
             <a:t>blackbox</a:t>
           </a:r>
           <a:r>
-            <a:rPr lang="en-US" sz="1600" kern="1200" dirty="0"/>
+            <a:rPr lang="en-US" sz="1700" kern="1200" dirty="0"/>
             <a:t> models with SHAP (and upload explanations to AML) (Sonya)</a:t>
           </a:r>
         </a:p>
       </dsp:txBody>
       <dsp:txXfrm>
-        <a:off x="4101084" y="3003255"/>
-        <a:ext cx="2313432" cy="1216889"/>
+        <a:off x="4687092" y="3003255"/>
+        <a:ext cx="2643276" cy="1282667"/>
       </dsp:txXfrm>
     </dsp:sp>
     <dsp:sp modelId="{6F3B2854-602B-F445-A594-5D0B7990A565}">
@@ -6133,7 +5982,7 @@
       </dsp:nvSpPr>
       <dsp:spPr>
         <a:xfrm>
-          <a:off x="5257800" y="2176271"/>
+          <a:off x="6008730" y="2176271"/>
           <a:ext cx="0" cy="304678"/>
         </a:xfrm>
         <a:prstGeom prst="line">
@@ -6174,7 +6023,7 @@
       </dsp:nvSpPr>
       <dsp:spPr>
         <a:xfrm rot="2700000">
-          <a:off x="3909495" y="2142417"/>
+          <a:off x="4473014" y="2142417"/>
           <a:ext cx="67709" cy="67709"/>
         </a:xfrm>
         <a:prstGeom prst="rect">
@@ -6224,7 +6073,7 @@
       </dsp:nvSpPr>
       <dsp:spPr>
         <a:xfrm rot="2700000">
-          <a:off x="5223945" y="2142417"/>
+          <a:off x="5974876" y="2142417"/>
           <a:ext cx="67709" cy="67709"/>
         </a:xfrm>
         <a:prstGeom prst="rect">
@@ -6267,15 +6116,15 @@
         </a:fontRef>
       </dsp:style>
     </dsp:sp>
-    <dsp:sp modelId="{3ADF6CE9-F145-6C40-8134-F605DC8DF8D7}">
+    <dsp:sp modelId="{90DB933C-6E35-5E48-8371-F37E7A1FFE53}">
       <dsp:nvSpPr>
         <dsp:cNvPr id="0" name=""/>
         <dsp:cNvSpPr/>
       </dsp:nvSpPr>
       <dsp:spPr>
         <a:xfrm>
-          <a:off x="5415534" y="1349288"/>
-          <a:ext cx="2313432" cy="522305"/>
+          <a:off x="6188954" y="1349288"/>
+          <a:ext cx="2643276" cy="522305"/>
         </a:xfrm>
         <a:prstGeom prst="rect">
           <a:avLst/>
@@ -6317,12 +6166,12 @@
         </a:fontRef>
       </dsp:style>
       <dsp:txBody>
-        <a:bodyPr spcFirstLastPara="0" vert="horz" wrap="square" lIns="96520" tIns="96520" rIns="96520" bIns="96520" numCol="1" spcCol="1270" anchor="ctr" anchorCtr="0">
+        <a:bodyPr spcFirstLastPara="0" vert="horz" wrap="square" lIns="101600" tIns="101600" rIns="101600" bIns="101600" numCol="1" spcCol="1270" anchor="ctr" anchorCtr="0">
           <a:noAutofit/>
         </a:bodyPr>
         <a:lstStyle/>
         <a:p>
-          <a:pPr marL="0" lvl="0" indent="0" algn="ctr" defTabSz="844550">
+          <a:pPr marL="0" lvl="0" indent="0" algn="ctr" defTabSz="889000">
             <a:lnSpc>
               <a:spcPct val="90000"/>
             </a:lnSpc>
@@ -6336,25 +6185,25 @@
             <a:defRPr b="1"/>
           </a:pPr>
           <a:r>
-            <a:rPr lang="en-US" sz="1900" kern="1200"/>
-            <a:t>14:00 – 14:25</a:t>
+            <a:rPr lang="en-US" sz="2000" kern="1200" dirty="0"/>
+            <a:t>14:20 – 14:50</a:t>
           </a:r>
         </a:p>
       </dsp:txBody>
       <dsp:txXfrm>
-        <a:off x="5415534" y="1349288"/>
-        <a:ext cx="2313432" cy="522305"/>
+        <a:off x="6188954" y="1349288"/>
+        <a:ext cx="2643276" cy="522305"/>
       </dsp:txXfrm>
     </dsp:sp>
-    <dsp:sp modelId="{18BB132C-E537-5F4B-87A9-586906FAFA71}">
+    <dsp:sp modelId="{661774FE-72C1-EB48-A526-CA9D0725B18F}">
       <dsp:nvSpPr>
         <dsp:cNvPr id="0" name=""/>
         <dsp:cNvSpPr/>
       </dsp:nvSpPr>
       <dsp:spPr>
         <a:xfrm>
-          <a:off x="5415534" y="592843"/>
-          <a:ext cx="2313432" cy="756444"/>
+          <a:off x="6188954" y="66621"/>
+          <a:ext cx="2643276" cy="1282667"/>
         </a:xfrm>
         <a:prstGeom prst="rect">
           <a:avLst/>
@@ -6398,12 +6247,12 @@
         <a:fontRef idx="minor"/>
       </dsp:style>
       <dsp:txBody>
-        <a:bodyPr spcFirstLastPara="0" vert="horz" wrap="square" lIns="152400" tIns="152400" rIns="152400" bIns="152400" numCol="1" spcCol="1270" anchor="ctr" anchorCtr="0">
+        <a:bodyPr spcFirstLastPara="0" vert="horz" wrap="square" lIns="161925" tIns="161925" rIns="161925" bIns="161925" numCol="1" spcCol="1270" anchor="ctr" anchorCtr="0">
           <a:noAutofit/>
         </a:bodyPr>
         <a:lstStyle/>
         <a:p>
-          <a:pPr marL="0" lvl="0" indent="0" algn="l" defTabSz="711200">
+          <a:pPr marL="0" lvl="0" indent="0" algn="l" defTabSz="755650">
             <a:lnSpc>
               <a:spcPct val="90000"/>
             </a:lnSpc>
@@ -6416,24 +6265,24 @@
             <a:buNone/>
           </a:pPr>
           <a:r>
-            <a:rPr lang="en-US" sz="1600" kern="1200" dirty="0"/>
-            <a:t>Run interpretability on AML (Sonya)</a:t>
+            <a:rPr lang="en-US" sz="1700" kern="1200" dirty="0"/>
+            <a:t>Model fairness assessment and unfairness mitigation (Malika)</a:t>
           </a:r>
         </a:p>
       </dsp:txBody>
       <dsp:txXfrm>
-        <a:off x="5415534" y="592843"/>
-        <a:ext cx="2313432" cy="756444"/>
+        <a:off x="6188954" y="66621"/>
+        <a:ext cx="2643276" cy="1282667"/>
       </dsp:txXfrm>
     </dsp:sp>
-    <dsp:sp modelId="{90AE379C-1B89-214F-8A89-EEE136E03EB7}">
+    <dsp:sp modelId="{2E618A39-8B88-CA4F-90DE-8AB2DBC6609A}">
       <dsp:nvSpPr>
         <dsp:cNvPr id="0" name=""/>
         <dsp:cNvSpPr/>
       </dsp:nvSpPr>
       <dsp:spPr>
         <a:xfrm>
-          <a:off x="6572250" y="1871593"/>
+          <a:off x="7510592" y="1871593"/>
           <a:ext cx="0" cy="304678"/>
         </a:xfrm>
         <a:prstGeom prst="line">
@@ -6467,15 +6316,15 @@
         <a:fontRef idx="minor"/>
       </dsp:style>
     </dsp:sp>
-    <dsp:sp modelId="{90DB933C-6E35-5E48-8371-F37E7A1FFE53}">
+    <dsp:sp modelId="{F5468D02-0AAF-5A4F-A98F-5274FBB8257C}">
       <dsp:nvSpPr>
         <dsp:cNvPr id="0" name=""/>
         <dsp:cNvSpPr/>
       </dsp:nvSpPr>
       <dsp:spPr>
         <a:xfrm>
-          <a:off x="6729984" y="2480950"/>
-          <a:ext cx="2313432" cy="522305"/>
+          <a:off x="7690816" y="2480950"/>
+          <a:ext cx="2643276" cy="522305"/>
         </a:xfrm>
         <a:prstGeom prst="rect">
           <a:avLst/>
@@ -6517,12 +6366,12 @@
         </a:fontRef>
       </dsp:style>
       <dsp:txBody>
-        <a:bodyPr spcFirstLastPara="0" vert="horz" wrap="square" lIns="96520" tIns="96520" rIns="96520" bIns="96520" numCol="1" spcCol="1270" anchor="ctr" anchorCtr="0">
+        <a:bodyPr spcFirstLastPara="0" vert="horz" wrap="square" lIns="101600" tIns="101600" rIns="101600" bIns="101600" numCol="1" spcCol="1270" anchor="ctr" anchorCtr="0">
           <a:noAutofit/>
         </a:bodyPr>
         <a:lstStyle/>
         <a:p>
-          <a:pPr marL="0" lvl="0" indent="0" algn="ctr" defTabSz="844550">
+          <a:pPr marL="0" lvl="0" indent="0" algn="ctr" defTabSz="889000">
             <a:lnSpc>
               <a:spcPct val="90000"/>
             </a:lnSpc>
@@ -6536,25 +6385,25 @@
             <a:defRPr b="1"/>
           </a:pPr>
           <a:r>
-            <a:rPr lang="en-US" sz="1900" kern="1200"/>
-            <a:t>14:25 – 14:50</a:t>
+            <a:rPr lang="en-US" sz="2000" kern="1200"/>
+            <a:t>14:50 – 15:00</a:t>
           </a:r>
         </a:p>
       </dsp:txBody>
       <dsp:txXfrm>
-        <a:off x="6729984" y="2480950"/>
-        <a:ext cx="2313432" cy="522305"/>
+        <a:off x="7690816" y="2480950"/>
+        <a:ext cx="2643276" cy="522305"/>
       </dsp:txXfrm>
     </dsp:sp>
-    <dsp:sp modelId="{661774FE-72C1-EB48-A526-CA9D0725B18F}">
+    <dsp:sp modelId="{CBCF6A5A-2508-C744-8C57-A66BC3EAF9DC}">
       <dsp:nvSpPr>
         <dsp:cNvPr id="0" name=""/>
         <dsp:cNvSpPr/>
       </dsp:nvSpPr>
       <dsp:spPr>
         <a:xfrm>
-          <a:off x="6729984" y="3003255"/>
-          <a:ext cx="2313432" cy="1216889"/>
+          <a:off x="7690816" y="3003255"/>
+          <a:ext cx="2643276" cy="575555"/>
         </a:xfrm>
         <a:prstGeom prst="rect">
           <a:avLst/>
@@ -6598,12 +6447,12 @@
         <a:fontRef idx="minor"/>
       </dsp:style>
       <dsp:txBody>
-        <a:bodyPr spcFirstLastPara="0" vert="horz" wrap="square" lIns="152400" tIns="152400" rIns="152400" bIns="152400" numCol="1" spcCol="1270" anchor="ctr" anchorCtr="0">
+        <a:bodyPr spcFirstLastPara="0" vert="horz" wrap="square" lIns="161925" tIns="161925" rIns="161925" bIns="161925" numCol="1" spcCol="1270" anchor="ctr" anchorCtr="0">
           <a:noAutofit/>
         </a:bodyPr>
         <a:lstStyle/>
         <a:p>
-          <a:pPr marL="0" lvl="0" indent="0" algn="l" defTabSz="711200">
+          <a:pPr marL="0" lvl="0" indent="0" algn="l" defTabSz="755650">
             <a:lnSpc>
               <a:spcPct val="90000"/>
             </a:lnSpc>
@@ -6616,24 +6465,24 @@
             <a:buNone/>
           </a:pPr>
           <a:r>
-            <a:rPr lang="en-US" sz="1600" kern="1200" dirty="0"/>
-            <a:t>Model fairness assessment and unfairness mitigation (Malika)</a:t>
+            <a:rPr lang="en-US" sz="1700" kern="1200" dirty="0"/>
+            <a:t>Q&amp;A/Wrap up (all)</a:t>
           </a:r>
         </a:p>
       </dsp:txBody>
       <dsp:txXfrm>
-        <a:off x="6729984" y="3003255"/>
-        <a:ext cx="2313432" cy="1216889"/>
+        <a:off x="7690816" y="3003255"/>
+        <a:ext cx="2643276" cy="575555"/>
       </dsp:txXfrm>
     </dsp:sp>
-    <dsp:sp modelId="{2E618A39-8B88-CA4F-90DE-8AB2DBC6609A}">
+    <dsp:sp modelId="{D90BA49B-06DA-494B-80EA-3507FE310DD2}">
       <dsp:nvSpPr>
         <dsp:cNvPr id="0" name=""/>
         <dsp:cNvSpPr/>
       </dsp:nvSpPr>
       <dsp:spPr>
         <a:xfrm>
-          <a:off x="7886700" y="2176271"/>
+          <a:off x="9012454" y="2176271"/>
           <a:ext cx="0" cy="304678"/>
         </a:xfrm>
         <a:prstGeom prst="line">
@@ -6667,14 +6516,14 @@
         <a:fontRef idx="minor"/>
       </dsp:style>
     </dsp:sp>
-    <dsp:sp modelId="{974E0A75-6D30-6B4D-8360-1293B864C410}">
+    <dsp:sp modelId="{C22275B0-DD5C-074D-8306-3ADD551DBC13}">
       <dsp:nvSpPr>
         <dsp:cNvPr id="0" name=""/>
         <dsp:cNvSpPr/>
       </dsp:nvSpPr>
       <dsp:spPr>
         <a:xfrm rot="2700000">
-          <a:off x="6538395" y="2142417"/>
+          <a:off x="7476737" y="2142417"/>
           <a:ext cx="67709" cy="67709"/>
         </a:xfrm>
         <a:prstGeom prst="rect">
@@ -6717,256 +6566,6 @@
         </a:fontRef>
       </dsp:style>
     </dsp:sp>
-    <dsp:sp modelId="{C22275B0-DD5C-074D-8306-3ADD551DBC13}">
-      <dsp:nvSpPr>
-        <dsp:cNvPr id="0" name=""/>
-        <dsp:cNvSpPr/>
-      </dsp:nvSpPr>
-      <dsp:spPr>
-        <a:xfrm rot="2700000">
-          <a:off x="7852845" y="2142417"/>
-          <a:ext cx="67709" cy="67709"/>
-        </a:xfrm>
-        <a:prstGeom prst="rect">
-          <a:avLst/>
-        </a:prstGeom>
-        <a:solidFill>
-          <a:schemeClr val="accent2">
-            <a:hueOff val="0"/>
-            <a:satOff val="0"/>
-            <a:lumOff val="0"/>
-            <a:alphaOff val="0"/>
-          </a:schemeClr>
-        </a:solidFill>
-        <a:ln w="6350" cap="flat" cmpd="sng" algn="ctr">
-          <a:solidFill>
-            <a:schemeClr val="lt1">
-              <a:hueOff val="0"/>
-              <a:satOff val="0"/>
-              <a:lumOff val="0"/>
-              <a:alphaOff val="0"/>
-            </a:schemeClr>
-          </a:solidFill>
-          <a:prstDash val="solid"/>
-          <a:miter lim="800000"/>
-        </a:ln>
-        <a:effectLst/>
-      </dsp:spPr>
-      <dsp:style>
-        <a:lnRef idx="2">
-          <a:scrgbClr r="0" g="0" b="0"/>
-        </a:lnRef>
-        <a:fillRef idx="1">
-          <a:scrgbClr r="0" g="0" b="0"/>
-        </a:fillRef>
-        <a:effectRef idx="0">
-          <a:scrgbClr r="0" g="0" b="0"/>
-        </a:effectRef>
-        <a:fontRef idx="minor">
-          <a:schemeClr val="lt1"/>
-        </a:fontRef>
-      </dsp:style>
-    </dsp:sp>
-    <dsp:sp modelId="{F5468D02-0AAF-5A4F-A98F-5274FBB8257C}">
-      <dsp:nvSpPr>
-        <dsp:cNvPr id="0" name=""/>
-        <dsp:cNvSpPr/>
-      </dsp:nvSpPr>
-      <dsp:spPr>
-        <a:xfrm>
-          <a:off x="8044434" y="1349288"/>
-          <a:ext cx="2313432" cy="522305"/>
-        </a:xfrm>
-        <a:prstGeom prst="rect">
-          <a:avLst/>
-        </a:prstGeom>
-        <a:solidFill>
-          <a:schemeClr val="accent2">
-            <a:hueOff val="0"/>
-            <a:satOff val="0"/>
-            <a:lumOff val="0"/>
-            <a:alphaOff val="0"/>
-          </a:schemeClr>
-        </a:solidFill>
-        <a:ln w="12700" cap="flat" cmpd="sng" algn="ctr">
-          <a:solidFill>
-            <a:schemeClr val="accent2">
-              <a:hueOff val="0"/>
-              <a:satOff val="0"/>
-              <a:lumOff val="0"/>
-              <a:alphaOff val="0"/>
-            </a:schemeClr>
-          </a:solidFill>
-          <a:prstDash val="solid"/>
-          <a:miter lim="800000"/>
-        </a:ln>
-        <a:effectLst/>
-      </dsp:spPr>
-      <dsp:style>
-        <a:lnRef idx="2">
-          <a:scrgbClr r="0" g="0" b="0"/>
-        </a:lnRef>
-        <a:fillRef idx="1">
-          <a:scrgbClr r="0" g="0" b="0"/>
-        </a:fillRef>
-        <a:effectRef idx="0">
-          <a:scrgbClr r="0" g="0" b="0"/>
-        </a:effectRef>
-        <a:fontRef idx="minor">
-          <a:schemeClr val="lt1"/>
-        </a:fontRef>
-      </dsp:style>
-      <dsp:txBody>
-        <a:bodyPr spcFirstLastPara="0" vert="horz" wrap="square" lIns="96520" tIns="96520" rIns="96520" bIns="96520" numCol="1" spcCol="1270" anchor="ctr" anchorCtr="0">
-          <a:noAutofit/>
-        </a:bodyPr>
-        <a:lstStyle/>
-        <a:p>
-          <a:pPr marL="0" lvl="0" indent="0" algn="ctr" defTabSz="844550">
-            <a:lnSpc>
-              <a:spcPct val="90000"/>
-            </a:lnSpc>
-            <a:spcBef>
-              <a:spcPct val="0"/>
-            </a:spcBef>
-            <a:spcAft>
-              <a:spcPct val="35000"/>
-            </a:spcAft>
-            <a:buNone/>
-            <a:defRPr b="1"/>
-          </a:pPr>
-          <a:r>
-            <a:rPr lang="en-US" sz="1900" kern="1200"/>
-            <a:t>14:50 – 15:00</a:t>
-          </a:r>
-        </a:p>
-      </dsp:txBody>
-      <dsp:txXfrm>
-        <a:off x="8044434" y="1349288"/>
-        <a:ext cx="2313432" cy="522305"/>
-      </dsp:txXfrm>
-    </dsp:sp>
-    <dsp:sp modelId="{CBCF6A5A-2508-C744-8C57-A66BC3EAF9DC}">
-      <dsp:nvSpPr>
-        <dsp:cNvPr id="0" name=""/>
-        <dsp:cNvSpPr/>
-      </dsp:nvSpPr>
-      <dsp:spPr>
-        <a:xfrm>
-          <a:off x="8044434" y="806621"/>
-          <a:ext cx="2313432" cy="542667"/>
-        </a:xfrm>
-        <a:prstGeom prst="rect">
-          <a:avLst/>
-        </a:prstGeom>
-        <a:solidFill>
-          <a:schemeClr val="accent2">
-            <a:alpha val="90000"/>
-            <a:tint val="40000"/>
-            <a:hueOff val="0"/>
-            <a:satOff val="0"/>
-            <a:lumOff val="0"/>
-            <a:alphaOff val="0"/>
-          </a:schemeClr>
-        </a:solidFill>
-        <a:ln w="12700" cap="flat" cmpd="sng" algn="ctr">
-          <a:solidFill>
-            <a:schemeClr val="accent2">
-              <a:alpha val="90000"/>
-              <a:tint val="40000"/>
-              <a:hueOff val="0"/>
-              <a:satOff val="0"/>
-              <a:lumOff val="0"/>
-              <a:alphaOff val="0"/>
-            </a:schemeClr>
-          </a:solidFill>
-          <a:prstDash val="solid"/>
-          <a:miter lim="800000"/>
-        </a:ln>
-        <a:effectLst/>
-      </dsp:spPr>
-      <dsp:style>
-        <a:lnRef idx="2">
-          <a:scrgbClr r="0" g="0" b="0"/>
-        </a:lnRef>
-        <a:fillRef idx="1">
-          <a:scrgbClr r="0" g="0" b="0"/>
-        </a:fillRef>
-        <a:effectRef idx="0">
-          <a:scrgbClr r="0" g="0" b="0"/>
-        </a:effectRef>
-        <a:fontRef idx="minor"/>
-      </dsp:style>
-      <dsp:txBody>
-        <a:bodyPr spcFirstLastPara="0" vert="horz" wrap="square" lIns="152400" tIns="152400" rIns="152400" bIns="152400" numCol="1" spcCol="1270" anchor="ctr" anchorCtr="0">
-          <a:noAutofit/>
-        </a:bodyPr>
-        <a:lstStyle/>
-        <a:p>
-          <a:pPr marL="0" lvl="0" indent="0" algn="l" defTabSz="711200">
-            <a:lnSpc>
-              <a:spcPct val="90000"/>
-            </a:lnSpc>
-            <a:spcBef>
-              <a:spcPct val="0"/>
-            </a:spcBef>
-            <a:spcAft>
-              <a:spcPct val="35000"/>
-            </a:spcAft>
-            <a:buNone/>
-          </a:pPr>
-          <a:r>
-            <a:rPr lang="en-US" sz="1600" kern="1200" dirty="0"/>
-            <a:t>Q&amp;A/Wrap up (all)</a:t>
-          </a:r>
-        </a:p>
-      </dsp:txBody>
-      <dsp:txXfrm>
-        <a:off x="8044434" y="806621"/>
-        <a:ext cx="2313432" cy="542667"/>
-      </dsp:txXfrm>
-    </dsp:sp>
-    <dsp:sp modelId="{D90BA49B-06DA-494B-80EA-3507FE310DD2}">
-      <dsp:nvSpPr>
-        <dsp:cNvPr id="0" name=""/>
-        <dsp:cNvSpPr/>
-      </dsp:nvSpPr>
-      <dsp:spPr>
-        <a:xfrm>
-          <a:off x="9201150" y="1871593"/>
-          <a:ext cx="0" cy="304678"/>
-        </a:xfrm>
-        <a:prstGeom prst="line">
-          <a:avLst/>
-        </a:prstGeom>
-        <a:noFill/>
-        <a:ln w="6350" cap="flat" cmpd="sng" algn="ctr">
-          <a:solidFill>
-            <a:schemeClr val="accent2">
-              <a:hueOff val="0"/>
-              <a:satOff val="0"/>
-              <a:lumOff val="0"/>
-              <a:alphaOff val="0"/>
-            </a:schemeClr>
-          </a:solidFill>
-          <a:prstDash val="solid"/>
-          <a:miter lim="800000"/>
-        </a:ln>
-        <a:effectLst/>
-      </dsp:spPr>
-      <dsp:style>
-        <a:lnRef idx="1">
-          <a:scrgbClr r="0" g="0" b="0"/>
-        </a:lnRef>
-        <a:fillRef idx="0">
-          <a:scrgbClr r="0" g="0" b="0"/>
-        </a:fillRef>
-        <a:effectRef idx="0">
-          <a:scrgbClr r="0" g="0" b="0"/>
-        </a:effectRef>
-        <a:fontRef idx="minor"/>
-      </dsp:style>
-    </dsp:sp>
     <dsp:sp modelId="{32DC2D9A-9C6D-AA4B-8CA8-E9D630D3F0CE}">
       <dsp:nvSpPr>
         <dsp:cNvPr id="0" name=""/>
@@ -6974,7 +6573,7 @@
       </dsp:nvSpPr>
       <dsp:spPr>
         <a:xfrm rot="2700000">
-          <a:off x="9167295" y="2142417"/>
+          <a:off x="8978599" y="2142417"/>
           <a:ext cx="67709" cy="67709"/>
         </a:xfrm>
         <a:prstGeom prst="rect">
@@ -11355,7 +10954,7 @@
           <a:p>
             <a:fld id="{A1D7E760-75F5-E840-B41E-4AD9FBE079CA}" type="datetimeFigureOut">
               <a:rPr lang="en-US" smtClean="0"/>
-              <a:t>8/12/20</a:t>
+              <a:t>8/17/20</a:t>
             </a:fld>
             <a:endParaRPr lang="en-US"/>
           </a:p>
@@ -11555,7 +11154,7 @@
           <a:p>
             <a:fld id="{A1D7E760-75F5-E840-B41E-4AD9FBE079CA}" type="datetimeFigureOut">
               <a:rPr lang="en-US" smtClean="0"/>
-              <a:t>8/12/20</a:t>
+              <a:t>8/17/20</a:t>
             </a:fld>
             <a:endParaRPr lang="en-US"/>
           </a:p>
@@ -11765,7 +11364,7 @@
           <a:p>
             <a:fld id="{A1D7E760-75F5-E840-B41E-4AD9FBE079CA}" type="datetimeFigureOut">
               <a:rPr lang="en-US" smtClean="0"/>
-              <a:t>8/12/20</a:t>
+              <a:t>8/17/20</a:t>
             </a:fld>
             <a:endParaRPr lang="en-US"/>
           </a:p>
@@ -11965,7 +11564,7 @@
           <a:p>
             <a:fld id="{A1D7E760-75F5-E840-B41E-4AD9FBE079CA}" type="datetimeFigureOut">
               <a:rPr lang="en-US" smtClean="0"/>
-              <a:t>8/12/20</a:t>
+              <a:t>8/17/20</a:t>
             </a:fld>
             <a:endParaRPr lang="en-US"/>
           </a:p>
@@ -12241,7 +11840,7 @@
           <a:p>
             <a:fld id="{A1D7E760-75F5-E840-B41E-4AD9FBE079CA}" type="datetimeFigureOut">
               <a:rPr lang="en-US" smtClean="0"/>
-              <a:t>8/12/20</a:t>
+              <a:t>8/17/20</a:t>
             </a:fld>
             <a:endParaRPr lang="en-US"/>
           </a:p>
@@ -12509,7 +12108,7 @@
           <a:p>
             <a:fld id="{A1D7E760-75F5-E840-B41E-4AD9FBE079CA}" type="datetimeFigureOut">
               <a:rPr lang="en-US" smtClean="0"/>
-              <a:t>8/12/20</a:t>
+              <a:t>8/17/20</a:t>
             </a:fld>
             <a:endParaRPr lang="en-US"/>
           </a:p>
@@ -12924,7 +12523,7 @@
           <a:p>
             <a:fld id="{A1D7E760-75F5-E840-B41E-4AD9FBE079CA}" type="datetimeFigureOut">
               <a:rPr lang="en-US" smtClean="0"/>
-              <a:t>8/12/20</a:t>
+              <a:t>8/17/20</a:t>
             </a:fld>
             <a:endParaRPr lang="en-US"/>
           </a:p>
@@ -13066,7 +12665,7 @@
           <a:p>
             <a:fld id="{A1D7E760-75F5-E840-B41E-4AD9FBE079CA}" type="datetimeFigureOut">
               <a:rPr lang="en-US" smtClean="0"/>
-              <a:t>8/12/20</a:t>
+              <a:t>8/17/20</a:t>
             </a:fld>
             <a:endParaRPr lang="en-US"/>
           </a:p>
@@ -13179,7 +12778,7 @@
           <a:p>
             <a:fld id="{A1D7E760-75F5-E840-B41E-4AD9FBE079CA}" type="datetimeFigureOut">
               <a:rPr lang="en-US" smtClean="0"/>
-              <a:t>8/12/20</a:t>
+              <a:t>8/17/20</a:t>
             </a:fld>
             <a:endParaRPr lang="en-US"/>
           </a:p>
@@ -13492,7 +13091,7 @@
           <a:p>
             <a:fld id="{A1D7E760-75F5-E840-B41E-4AD9FBE079CA}" type="datetimeFigureOut">
               <a:rPr lang="en-US" smtClean="0"/>
-              <a:t>8/12/20</a:t>
+              <a:t>8/17/20</a:t>
             </a:fld>
             <a:endParaRPr lang="en-US"/>
           </a:p>
@@ -13781,7 +13380,7 @@
           <a:p>
             <a:fld id="{A1D7E760-75F5-E840-B41E-4AD9FBE079CA}" type="datetimeFigureOut">
               <a:rPr lang="en-US" smtClean="0"/>
-              <a:t>8/12/20</a:t>
+              <a:t>8/17/20</a:t>
             </a:fld>
             <a:endParaRPr lang="en-US"/>
           </a:p>
@@ -14024,7 +13623,7 @@
           <a:p>
             <a:fld id="{A1D7E760-75F5-E840-B41E-4AD9FBE079CA}" type="datetimeFigureOut">
               <a:rPr lang="en-US" smtClean="0"/>
-              <a:t>8/12/20</a:t>
+              <a:t>8/17/20</a:t>
             </a:fld>
             <a:endParaRPr lang="en-US"/>
           </a:p>
@@ -14451,10 +14050,10 @@
       </p:grpSpPr>
       <p:sp useBgFill="1">
         <p:nvSpPr>
-          <p:cNvPr id="31" name="Rectangle 30">
+          <p:cNvPr id="97" name="Rectangle 96">
             <a:extLst>
               <a:ext uri="{FF2B5EF4-FFF2-40B4-BE49-F238E27FC236}">
-                <a16:creationId xmlns:a16="http://schemas.microsoft.com/office/drawing/2014/main" id="{3235AAE6-D9E0-41E2-8920-9642391843A8}"/>
+                <a16:creationId xmlns:a16="http://schemas.microsoft.com/office/drawing/2014/main" id="{19D32F93-50AC-4C46-A5DB-291C60DDB7BD}"/>
               </a:ext>
               <a:ext uri="{C183D7F6-B498-43B3-948B-1728B52AA6E4}">
                 <adec:decorative xmlns:adec="http://schemas.microsoft.com/office/drawing/2017/decorative" val="1"/>
@@ -14475,7 +14074,7 @@
         <p:spPr>
           <a:xfrm>
             <a:off x="0" y="0"/>
-            <a:ext cx="12188952" cy="6858000"/>
+            <a:ext cx="12192000" cy="6858000"/>
           </a:xfrm>
           <a:prstGeom prst="rect">
             <a:avLst/>
@@ -14509,12 +14108,51 @@
           </a:p>
         </p:txBody>
       </p:sp>
+      <p:pic>
+        <p:nvPicPr>
+          <p:cNvPr id="50" name="Graphic 27" descr="Robot Outline">
+            <a:extLst>
+              <a:ext uri="{FF2B5EF4-FFF2-40B4-BE49-F238E27FC236}">
+                <a16:creationId xmlns:a16="http://schemas.microsoft.com/office/drawing/2014/main" id="{354F030F-D453-4229-BED9-B2DFB0B3CAE6}"/>
+              </a:ext>
+            </a:extLst>
+          </p:cNvPr>
+          <p:cNvPicPr>
+            <a:picLocks noChangeAspect="1"/>
+          </p:cNvPicPr>
+          <p:nvPr/>
+        </p:nvPicPr>
+        <p:blipFill>
+          <a:blip r:embed="rId2">
+            <a:extLst>
+              <a:ext uri="{28A0092B-C50C-407E-A947-70E740481C1C}">
+                <a14:useLocalDpi xmlns:a14="http://schemas.microsoft.com/office/drawing/2010/main" val="0"/>
+              </a:ext>
+              <a:ext uri="{96DAC541-7B7A-43D3-8B79-37D633B846F1}">
+                <asvg:svgBlip xmlns:asvg="http://schemas.microsoft.com/office/drawing/2016/SVG/main" r:embed="rId3"/>
+              </a:ext>
+            </a:extLst>
+          </a:blip>
+          <a:stretch>
+            <a:fillRect/>
+          </a:stretch>
+        </p:blipFill>
+        <p:spPr>
+          <a:xfrm>
+            <a:off x="1031239" y="1525536"/>
+            <a:ext cx="3775459" cy="3775459"/>
+          </a:xfrm>
+          <a:prstGeom prst="rect">
+            <a:avLst/>
+          </a:prstGeom>
+        </p:spPr>
+      </p:pic>
       <p:sp>
         <p:nvSpPr>
-          <p:cNvPr id="36" name="Rectangle 32">
+          <p:cNvPr id="99" name="Freeform: Shape 98">
             <a:extLst>
               <a:ext uri="{FF2B5EF4-FFF2-40B4-BE49-F238E27FC236}">
-                <a16:creationId xmlns:a16="http://schemas.microsoft.com/office/drawing/2014/main" id="{DDD926EC-6F88-4D89-9AED-1C4C1AC00E22}"/>
+                <a16:creationId xmlns:a16="http://schemas.microsoft.com/office/drawing/2014/main" id="{B9A1D9BC-1455-4308-9ABD-A3F8EDB67AAF}"/>
               </a:ext>
               <a:ext uri="{C183D7F6-B498-43B3-948B-1728B52AA6E4}">
                 <adec:decorative xmlns:adec="http://schemas.microsoft.com/office/drawing/2017/decorative" val="1"/>
@@ -14534,17 +14172,174 @@
         </p:nvSpPr>
         <p:spPr>
           <a:xfrm>
-            <a:off x="443125" y="2"/>
-            <a:ext cx="4688632" cy="6857998"/>
+            <a:off x="5296068" y="320442"/>
+            <a:ext cx="6572492" cy="6212748"/>
           </a:xfrm>
-          <a:prstGeom prst="rect">
+          <a:custGeom>
+            <a:avLst/>
+            <a:gdLst>
+              <a:gd name="connsiteX0" fmla="*/ 0 w 6572492"/>
+              <a:gd name="connsiteY0" fmla="*/ 0 h 6212748"/>
+              <a:gd name="connsiteX1" fmla="*/ 2248593 w 6572492"/>
+              <a:gd name="connsiteY1" fmla="*/ 0 h 6212748"/>
+              <a:gd name="connsiteX2" fmla="*/ 2694770 w 6572492"/>
+              <a:gd name="connsiteY2" fmla="*/ 0 h 6212748"/>
+              <a:gd name="connsiteX3" fmla="*/ 2991094 w 6572492"/>
+              <a:gd name="connsiteY3" fmla="*/ 0 h 6212748"/>
+              <a:gd name="connsiteX4" fmla="*/ 6572492 w 6572492"/>
+              <a:gd name="connsiteY4" fmla="*/ 0 h 6212748"/>
+              <a:gd name="connsiteX5" fmla="*/ 6572492 w 6572492"/>
+              <a:gd name="connsiteY5" fmla="*/ 2864954 h 6212748"/>
+              <a:gd name="connsiteX6" fmla="*/ 3129047 w 6572492"/>
+              <a:gd name="connsiteY6" fmla="*/ 6212748 h 6212748"/>
+              <a:gd name="connsiteX7" fmla="*/ 2694770 w 6572492"/>
+              <a:gd name="connsiteY7" fmla="*/ 6212748 h 6212748"/>
+              <a:gd name="connsiteX8" fmla="*/ 2248593 w 6572492"/>
+              <a:gd name="connsiteY8" fmla="*/ 6212748 h 6212748"/>
+              <a:gd name="connsiteX9" fmla="*/ 0 w 6572492"/>
+              <a:gd name="connsiteY9" fmla="*/ 6212748 h 6212748"/>
+            </a:gdLst>
+            <a:ahLst/>
+            <a:cxnLst>
+              <a:cxn ang="0">
+                <a:pos x="connsiteX0" y="connsiteY0"/>
+              </a:cxn>
+              <a:cxn ang="0">
+                <a:pos x="connsiteX1" y="connsiteY1"/>
+              </a:cxn>
+              <a:cxn ang="0">
+                <a:pos x="connsiteX2" y="connsiteY2"/>
+              </a:cxn>
+              <a:cxn ang="0">
+                <a:pos x="connsiteX3" y="connsiteY3"/>
+              </a:cxn>
+              <a:cxn ang="0">
+                <a:pos x="connsiteX4" y="connsiteY4"/>
+              </a:cxn>
+              <a:cxn ang="0">
+                <a:pos x="connsiteX5" y="connsiteY5"/>
+              </a:cxn>
+              <a:cxn ang="0">
+                <a:pos x="connsiteX6" y="connsiteY6"/>
+              </a:cxn>
+              <a:cxn ang="0">
+                <a:pos x="connsiteX7" y="connsiteY7"/>
+              </a:cxn>
+              <a:cxn ang="0">
+                <a:pos x="connsiteX8" y="connsiteY8"/>
+              </a:cxn>
+              <a:cxn ang="0">
+                <a:pos x="connsiteX9" y="connsiteY9"/>
+              </a:cxn>
+            </a:cxnLst>
+            <a:rect l="l" t="t" r="r" b="b"/>
+            <a:pathLst>
+              <a:path w="6572492" h="6212748">
+                <a:moveTo>
+                  <a:pt x="0" y="0"/>
+                </a:moveTo>
+                <a:lnTo>
+                  <a:pt x="2248593" y="0"/>
+                </a:lnTo>
+                <a:lnTo>
+                  <a:pt x="2694770" y="0"/>
+                </a:lnTo>
+                <a:lnTo>
+                  <a:pt x="2991094" y="0"/>
+                </a:lnTo>
+                <a:lnTo>
+                  <a:pt x="6572492" y="0"/>
+                </a:lnTo>
+                <a:lnTo>
+                  <a:pt x="6572492" y="2864954"/>
+                </a:lnTo>
+                <a:lnTo>
+                  <a:pt x="3129047" y="6212748"/>
+                </a:lnTo>
+                <a:lnTo>
+                  <a:pt x="2694770" y="6212748"/>
+                </a:lnTo>
+                <a:lnTo>
+                  <a:pt x="2248593" y="6212748"/>
+                </a:lnTo>
+                <a:lnTo>
+                  <a:pt x="0" y="6212748"/>
+                </a:lnTo>
+                <a:close/>
+              </a:path>
+            </a:pathLst>
+          </a:custGeom>
+          <a:solidFill>
+            <a:schemeClr val="tx1">
+              <a:lumMod val="50000"/>
+              <a:lumOff val="50000"/>
+              <a:alpha val="25000"/>
+            </a:schemeClr>
+          </a:solidFill>
+          <a:ln>
+            <a:noFill/>
+          </a:ln>
+        </p:spPr>
+        <p:style>
+          <a:lnRef idx="2">
+            <a:schemeClr val="accent1">
+              <a:shade val="50000"/>
+            </a:schemeClr>
+          </a:lnRef>
+          <a:fillRef idx="1">
+            <a:schemeClr val="accent1"/>
+          </a:fillRef>
+          <a:effectRef idx="0">
+            <a:schemeClr val="accent1"/>
+          </a:effectRef>
+          <a:fontRef idx="minor">
+            <a:schemeClr val="lt1"/>
+          </a:fontRef>
+        </p:style>
+        <p:txBody>
+          <a:bodyPr wrap="square" rtlCol="0" anchor="ctr">
+            <a:noAutofit/>
+          </a:bodyPr>
+          <a:lstStyle/>
+          <a:p>
+            <a:pPr algn="ctr"/>
+            <a:endParaRPr lang="en-US"/>
+          </a:p>
+        </p:txBody>
+      </p:sp>
+      <p:sp>
+        <p:nvSpPr>
+          <p:cNvPr id="101" name="Right Triangle 100">
+            <a:extLst>
+              <a:ext uri="{FF2B5EF4-FFF2-40B4-BE49-F238E27FC236}">
+                <a16:creationId xmlns:a16="http://schemas.microsoft.com/office/drawing/2014/main" id="{827DC2C4-B485-428A-BF4A-472D2967F47F}"/>
+              </a:ext>
+              <a:ext uri="{C183D7F6-B498-43B3-948B-1728B52AA6E4}">
+                <adec:decorative xmlns:adec="http://schemas.microsoft.com/office/drawing/2017/decorative" val="1"/>
+              </a:ext>
+            </a:extLst>
+          </p:cNvPr>
+          <p:cNvSpPr>
+            <a:spLocks noGrp="1" noRot="1" noChangeAspect="1" noMove="1" noResize="1" noEditPoints="1" noAdjustHandles="1" noChangeArrowheads="1" noChangeShapeType="1" noTextEdit="1"/>
+          </p:cNvSpPr>
+          <p:nvPr>
+            <p:extLst>
+              <p:ext uri="{386F3935-93C4-4BCD-93E2-E3B085C9AB24}">
+                <p16:designElem xmlns:p16="http://schemas.microsoft.com/office/powerpoint/2015/main" val="1"/>
+              </p:ext>
+            </p:extLst>
+          </p:nvPr>
+        </p:nvSpPr>
+        <p:spPr>
+          <a:xfrm flipH="1">
+            <a:off x="8576720" y="3335867"/>
+            <a:ext cx="3291840" cy="3200400"/>
+          </a:xfrm>
+          <a:prstGeom prst="rtTriangle">
             <a:avLst/>
           </a:prstGeom>
           <a:solidFill>
-            <a:schemeClr val="bg1">
-              <a:lumMod val="85000"/>
-              <a:alpha val="50000"/>
-            </a:schemeClr>
+            <a:schemeClr val="accent4"/>
           </a:solidFill>
           <a:ln>
             <a:noFill/>
@@ -14577,10 +14372,10 @@
       </p:sp>
       <p:sp>
         <p:nvSpPr>
-          <p:cNvPr id="35" name="Rectangle 34">
+          <p:cNvPr id="103" name="Rectangle 102">
             <a:extLst>
               <a:ext uri="{FF2B5EF4-FFF2-40B4-BE49-F238E27FC236}">
-                <a16:creationId xmlns:a16="http://schemas.microsoft.com/office/drawing/2014/main" id="{A210685A-6235-45A7-850D-A6F555466EF7}"/>
+                <a16:creationId xmlns:a16="http://schemas.microsoft.com/office/drawing/2014/main" id="{4A62647B-1222-407C-8740-5A497612B1F5}"/>
               </a:ext>
               <a:ext uri="{C183D7F6-B498-43B3-948B-1728B52AA6E4}">
                 <adec:decorative xmlns:adec="http://schemas.microsoft.com/office/drawing/2017/decorative" val="1"/>
@@ -14600,17 +14395,20 @@
         </p:nvSpPr>
         <p:spPr>
           <a:xfrm>
-            <a:off x="858226" y="675107"/>
-            <a:ext cx="4415290" cy="5493081"/>
+            <a:off x="641774" y="623275"/>
+            <a:ext cx="10905053" cy="5607882"/>
           </a:xfrm>
           <a:prstGeom prst="rect">
             <a:avLst/>
           </a:prstGeom>
-          <a:solidFill>
-            <a:schemeClr val="accent1"/>
-          </a:solidFill>
-          <a:ln>
-            <a:noFill/>
+          <a:noFill/>
+          <a:ln w="19050">
+            <a:solidFill>
+              <a:schemeClr val="tx1">
+                <a:lumMod val="75000"/>
+                <a:lumOff val="25000"/>
+              </a:schemeClr>
+            </a:solidFill>
           </a:ln>
         </p:spPr>
         <p:style>
@@ -14638,3303 +14436,6 @@
           </a:p>
         </p:txBody>
       </p:sp>
-      <p:grpSp>
-        <p:nvGrpSpPr>
-          <p:cNvPr id="37" name="Group 36">
-            <a:extLst>
-              <a:ext uri="{FF2B5EF4-FFF2-40B4-BE49-F238E27FC236}">
-                <a16:creationId xmlns:a16="http://schemas.microsoft.com/office/drawing/2014/main" id="{47AAA8D3-2927-4756-907F-522A8BFCF1D3}"/>
-              </a:ext>
-              <a:ext uri="{C183D7F6-B498-43B3-948B-1728B52AA6E4}">
-                <adec:decorative xmlns:adec="http://schemas.microsoft.com/office/drawing/2017/decorative" val="1"/>
-              </a:ext>
-            </a:extLst>
-          </p:cNvPr>
-          <p:cNvGrpSpPr>
-            <a:grpSpLocks noGrp="1" noUngrp="1" noRot="1" noChangeAspect="1" noMove="1" noResize="1"/>
-          </p:cNvGrpSpPr>
-          <p:nvPr>
-            <p:extLst>
-              <p:ext uri="{386F3935-93C4-4BCD-93E2-E3B085C9AB24}">
-                <p16:designElem xmlns:p16="http://schemas.microsoft.com/office/powerpoint/2015/main" val="1"/>
-              </p:ext>
-            </p:extLst>
-          </p:nvPr>
-        </p:nvGrpSpPr>
-        <p:grpSpPr>
-          <a:xfrm>
-            <a:off x="11868912" y="44817"/>
-            <a:ext cx="233303" cy="772404"/>
-            <a:chOff x="11868912" y="44817"/>
-            <a:chExt cx="233303" cy="772404"/>
-          </a:xfrm>
-        </p:grpSpPr>
-        <p:sp>
-          <p:nvSpPr>
-            <p:cNvPr id="38" name="Rectangle 64">
-              <a:extLst>
-                <a:ext uri="{FF2B5EF4-FFF2-40B4-BE49-F238E27FC236}">
-                  <a16:creationId xmlns:a16="http://schemas.microsoft.com/office/drawing/2014/main" id="{D42E2BDD-DCB7-4963-8BBA-1583736514E3}"/>
-                </a:ext>
-                <a:ext uri="{C183D7F6-B498-43B3-948B-1728B52AA6E4}">
-                  <adec:decorative xmlns:adec="http://schemas.microsoft.com/office/drawing/2017/decorative" val="1"/>
-                </a:ext>
-              </a:extLst>
-            </p:cNvPr>
-            <p:cNvSpPr/>
-            <p:nvPr>
-              <p:extLst>
-                <p:ext uri="{386F3935-93C4-4BCD-93E2-E3B085C9AB24}">
-                  <p16:designElem xmlns:p16="http://schemas.microsoft.com/office/powerpoint/2015/main" val="1"/>
-                </p:ext>
-              </p:extLst>
-            </p:nvPr>
-          </p:nvSpPr>
-          <p:spPr>
-            <a:xfrm rot="5400000">
-              <a:off x="12039099" y="46121"/>
-              <a:ext cx="61834" cy="59227"/>
-            </a:xfrm>
-            <a:prstGeom prst="ellipse">
-              <a:avLst/>
-            </a:prstGeom>
-            <a:solidFill>
-              <a:schemeClr val="accent1"/>
-            </a:solidFill>
-            <a:ln>
-              <a:noFill/>
-            </a:ln>
-          </p:spPr>
-          <p:style>
-            <a:lnRef idx="2">
-              <a:schemeClr val="accent1">
-                <a:shade val="50000"/>
-              </a:schemeClr>
-            </a:lnRef>
-            <a:fillRef idx="1">
-              <a:schemeClr val="accent1"/>
-            </a:fillRef>
-            <a:effectRef idx="0">
-              <a:schemeClr val="accent1"/>
-            </a:effectRef>
-            <a:fontRef idx="minor">
-              <a:schemeClr val="lt1"/>
-            </a:fontRef>
-          </p:style>
-          <p:txBody>
-            <a:bodyPr rtlCol="0" anchor="ctr"/>
-            <a:lstStyle/>
-            <a:p>
-              <a:pPr algn="ctr"/>
-              <a:endParaRPr lang="en-US"/>
-            </a:p>
-          </p:txBody>
-        </p:sp>
-        <p:sp>
-          <p:nvSpPr>
-            <p:cNvPr id="39" name="Rectangle 66">
-              <a:extLst>
-                <a:ext uri="{FF2B5EF4-FFF2-40B4-BE49-F238E27FC236}">
-                  <a16:creationId xmlns:a16="http://schemas.microsoft.com/office/drawing/2014/main" id="{E8D457F5-75BE-4A32-91C9-B2B59CC9A2EC}"/>
-                </a:ext>
-                <a:ext uri="{C183D7F6-B498-43B3-948B-1728B52AA6E4}">
-                  <adec:decorative xmlns:adec="http://schemas.microsoft.com/office/drawing/2017/decorative" val="1"/>
-                </a:ext>
-              </a:extLst>
-            </p:cNvPr>
-            <p:cNvSpPr/>
-            <p:nvPr>
-              <p:extLst>
-                <p:ext uri="{386F3935-93C4-4BCD-93E2-E3B085C9AB24}">
-                  <p16:designElem xmlns:p16="http://schemas.microsoft.com/office/powerpoint/2015/main" val="1"/>
-                </p:ext>
-              </p:extLst>
-            </p:nvPr>
-          </p:nvSpPr>
-          <p:spPr>
-            <a:xfrm rot="5400000">
-              <a:off x="11867609" y="46120"/>
-              <a:ext cx="61834" cy="59227"/>
-            </a:xfrm>
-            <a:prstGeom prst="ellipse">
-              <a:avLst/>
-            </a:prstGeom>
-            <a:solidFill>
-              <a:schemeClr val="accent1"/>
-            </a:solidFill>
-            <a:ln>
-              <a:noFill/>
-            </a:ln>
-          </p:spPr>
-          <p:style>
-            <a:lnRef idx="2">
-              <a:schemeClr val="accent1">
-                <a:shade val="50000"/>
-              </a:schemeClr>
-            </a:lnRef>
-            <a:fillRef idx="1">
-              <a:schemeClr val="accent1"/>
-            </a:fillRef>
-            <a:effectRef idx="0">
-              <a:schemeClr val="accent1"/>
-            </a:effectRef>
-            <a:fontRef idx="minor">
-              <a:schemeClr val="lt1"/>
-            </a:fontRef>
-          </p:style>
-          <p:txBody>
-            <a:bodyPr rtlCol="0" anchor="ctr"/>
-            <a:lstStyle/>
-            <a:p>
-              <a:pPr algn="ctr"/>
-              <a:endParaRPr lang="en-US"/>
-            </a:p>
-          </p:txBody>
-        </p:sp>
-        <p:sp>
-          <p:nvSpPr>
-            <p:cNvPr id="40" name="Rectangle 64">
-              <a:extLst>
-                <a:ext uri="{FF2B5EF4-FFF2-40B4-BE49-F238E27FC236}">
-                  <a16:creationId xmlns:a16="http://schemas.microsoft.com/office/drawing/2014/main" id="{A600CB09-5DE4-4666-A572-B42109E618DD}"/>
-                </a:ext>
-                <a:ext uri="{C183D7F6-B498-43B3-948B-1728B52AA6E4}">
-                  <adec:decorative xmlns:adec="http://schemas.microsoft.com/office/drawing/2017/decorative" val="1"/>
-                </a:ext>
-              </a:extLst>
-            </p:cNvPr>
-            <p:cNvSpPr/>
-            <p:nvPr>
-              <p:extLst>
-                <p:ext uri="{386F3935-93C4-4BCD-93E2-E3B085C9AB24}">
-                  <p16:designElem xmlns:p16="http://schemas.microsoft.com/office/powerpoint/2015/main" val="1"/>
-                </p:ext>
-              </p:extLst>
-            </p:nvPr>
-          </p:nvSpPr>
-          <p:spPr>
-            <a:xfrm rot="5400000">
-              <a:off x="12041685" y="756690"/>
-              <a:ext cx="61834" cy="59227"/>
-            </a:xfrm>
-            <a:prstGeom prst="ellipse">
-              <a:avLst/>
-            </a:prstGeom>
-            <a:solidFill>
-              <a:schemeClr val="accent1"/>
-            </a:solidFill>
-            <a:ln>
-              <a:noFill/>
-            </a:ln>
-          </p:spPr>
-          <p:style>
-            <a:lnRef idx="2">
-              <a:schemeClr val="accent1">
-                <a:shade val="50000"/>
-              </a:schemeClr>
-            </a:lnRef>
-            <a:fillRef idx="1">
-              <a:schemeClr val="accent1"/>
-            </a:fillRef>
-            <a:effectRef idx="0">
-              <a:schemeClr val="accent1"/>
-            </a:effectRef>
-            <a:fontRef idx="minor">
-              <a:schemeClr val="lt1"/>
-            </a:fontRef>
-          </p:style>
-          <p:txBody>
-            <a:bodyPr rtlCol="0" anchor="ctr"/>
-            <a:lstStyle/>
-            <a:p>
-              <a:pPr algn="ctr"/>
-              <a:endParaRPr lang="en-US"/>
-            </a:p>
-          </p:txBody>
-        </p:sp>
-        <p:sp>
-          <p:nvSpPr>
-            <p:cNvPr id="41" name="Rectangle 66">
-              <a:extLst>
-                <a:ext uri="{FF2B5EF4-FFF2-40B4-BE49-F238E27FC236}">
-                  <a16:creationId xmlns:a16="http://schemas.microsoft.com/office/drawing/2014/main" id="{DC7AAEB6-0FFA-4D2B-B407-8814C08C8E98}"/>
-                </a:ext>
-                <a:ext uri="{C183D7F6-B498-43B3-948B-1728B52AA6E4}">
-                  <adec:decorative xmlns:adec="http://schemas.microsoft.com/office/drawing/2017/decorative" val="1"/>
-                </a:ext>
-              </a:extLst>
-            </p:cNvPr>
-            <p:cNvSpPr/>
-            <p:nvPr>
-              <p:extLst>
-                <p:ext uri="{386F3935-93C4-4BCD-93E2-E3B085C9AB24}">
-                  <p16:designElem xmlns:p16="http://schemas.microsoft.com/office/powerpoint/2015/main" val="1"/>
-                </p:ext>
-              </p:extLst>
-            </p:nvPr>
-          </p:nvSpPr>
-          <p:spPr>
-            <a:xfrm rot="5400000">
-              <a:off x="11867949" y="756690"/>
-              <a:ext cx="61834" cy="59227"/>
-            </a:xfrm>
-            <a:prstGeom prst="ellipse">
-              <a:avLst/>
-            </a:prstGeom>
-            <a:solidFill>
-              <a:schemeClr val="accent1"/>
-            </a:solidFill>
-            <a:ln>
-              <a:noFill/>
-            </a:ln>
-          </p:spPr>
-          <p:style>
-            <a:lnRef idx="2">
-              <a:schemeClr val="accent1">
-                <a:shade val="50000"/>
-              </a:schemeClr>
-            </a:lnRef>
-            <a:fillRef idx="1">
-              <a:schemeClr val="accent1"/>
-            </a:fillRef>
-            <a:effectRef idx="0">
-              <a:schemeClr val="accent1"/>
-            </a:effectRef>
-            <a:fontRef idx="minor">
-              <a:schemeClr val="lt1"/>
-            </a:fontRef>
-          </p:style>
-          <p:txBody>
-            <a:bodyPr rtlCol="0" anchor="ctr"/>
-            <a:lstStyle/>
-            <a:p>
-              <a:pPr algn="ctr"/>
-              <a:endParaRPr lang="en-US"/>
-            </a:p>
-          </p:txBody>
-        </p:sp>
-        <p:sp>
-          <p:nvSpPr>
-            <p:cNvPr id="42" name="Rectangle 64">
-              <a:extLst>
-                <a:ext uri="{FF2B5EF4-FFF2-40B4-BE49-F238E27FC236}">
-                  <a16:creationId xmlns:a16="http://schemas.microsoft.com/office/drawing/2014/main" id="{75AD5CF2-0F3A-4F5C-8253-C5969C74CA14}"/>
-                </a:ext>
-                <a:ext uri="{C183D7F6-B498-43B3-948B-1728B52AA6E4}">
-                  <adec:decorative xmlns:adec="http://schemas.microsoft.com/office/drawing/2017/decorative" val="1"/>
-                </a:ext>
-              </a:extLst>
-            </p:cNvPr>
-            <p:cNvSpPr/>
-            <p:nvPr>
-              <p:extLst>
-                <p:ext uri="{386F3935-93C4-4BCD-93E2-E3B085C9AB24}">
-                  <p16:designElem xmlns:p16="http://schemas.microsoft.com/office/powerpoint/2015/main" val="1"/>
-                </p:ext>
-              </p:extLst>
-            </p:nvPr>
-          </p:nvSpPr>
-          <p:spPr>
-            <a:xfrm rot="5400000">
-              <a:off x="12041685" y="614576"/>
-              <a:ext cx="61834" cy="59227"/>
-            </a:xfrm>
-            <a:prstGeom prst="ellipse">
-              <a:avLst/>
-            </a:prstGeom>
-            <a:solidFill>
-              <a:schemeClr val="accent1"/>
-            </a:solidFill>
-            <a:ln>
-              <a:noFill/>
-            </a:ln>
-          </p:spPr>
-          <p:style>
-            <a:lnRef idx="2">
-              <a:schemeClr val="accent1">
-                <a:shade val="50000"/>
-              </a:schemeClr>
-            </a:lnRef>
-            <a:fillRef idx="1">
-              <a:schemeClr val="accent1"/>
-            </a:fillRef>
-            <a:effectRef idx="0">
-              <a:schemeClr val="accent1"/>
-            </a:effectRef>
-            <a:fontRef idx="minor">
-              <a:schemeClr val="lt1"/>
-            </a:fontRef>
-          </p:style>
-          <p:txBody>
-            <a:bodyPr rtlCol="0" anchor="ctr"/>
-            <a:lstStyle/>
-            <a:p>
-              <a:pPr algn="ctr"/>
-              <a:endParaRPr lang="en-US"/>
-            </a:p>
-          </p:txBody>
-        </p:sp>
-        <p:sp>
-          <p:nvSpPr>
-            <p:cNvPr id="43" name="Rectangle 66">
-              <a:extLst>
-                <a:ext uri="{FF2B5EF4-FFF2-40B4-BE49-F238E27FC236}">
-                  <a16:creationId xmlns:a16="http://schemas.microsoft.com/office/drawing/2014/main" id="{B19F7E8A-177E-4C6F-9EA7-66F2944069BC}"/>
-                </a:ext>
-                <a:ext uri="{C183D7F6-B498-43B3-948B-1728B52AA6E4}">
-                  <adec:decorative xmlns:adec="http://schemas.microsoft.com/office/drawing/2017/decorative" val="1"/>
-                </a:ext>
-              </a:extLst>
-            </p:cNvPr>
-            <p:cNvSpPr/>
-            <p:nvPr>
-              <p:extLst>
-                <p:ext uri="{386F3935-93C4-4BCD-93E2-E3B085C9AB24}">
-                  <p16:designElem xmlns:p16="http://schemas.microsoft.com/office/powerpoint/2015/main" val="1"/>
-                </p:ext>
-              </p:extLst>
-            </p:nvPr>
-          </p:nvSpPr>
-          <p:spPr>
-            <a:xfrm rot="5400000">
-              <a:off x="11867949" y="614576"/>
-              <a:ext cx="61834" cy="59227"/>
-            </a:xfrm>
-            <a:prstGeom prst="ellipse">
-              <a:avLst/>
-            </a:prstGeom>
-            <a:solidFill>
-              <a:schemeClr val="accent1"/>
-            </a:solidFill>
-            <a:ln>
-              <a:noFill/>
-            </a:ln>
-          </p:spPr>
-          <p:style>
-            <a:lnRef idx="2">
-              <a:schemeClr val="accent1">
-                <a:shade val="50000"/>
-              </a:schemeClr>
-            </a:lnRef>
-            <a:fillRef idx="1">
-              <a:schemeClr val="accent1"/>
-            </a:fillRef>
-            <a:effectRef idx="0">
-              <a:schemeClr val="accent1"/>
-            </a:effectRef>
-            <a:fontRef idx="minor">
-              <a:schemeClr val="lt1"/>
-            </a:fontRef>
-          </p:style>
-          <p:txBody>
-            <a:bodyPr rtlCol="0" anchor="ctr"/>
-            <a:lstStyle/>
-            <a:p>
-              <a:pPr algn="ctr"/>
-              <a:endParaRPr lang="en-US"/>
-            </a:p>
-          </p:txBody>
-        </p:sp>
-        <p:sp>
-          <p:nvSpPr>
-            <p:cNvPr id="44" name="Rectangle 64">
-              <a:extLst>
-                <a:ext uri="{FF2B5EF4-FFF2-40B4-BE49-F238E27FC236}">
-                  <a16:creationId xmlns:a16="http://schemas.microsoft.com/office/drawing/2014/main" id="{355F8A07-F135-4942-9D31-1C650A10369D}"/>
-                </a:ext>
-                <a:ext uri="{C183D7F6-B498-43B3-948B-1728B52AA6E4}">
-                  <adec:decorative xmlns:adec="http://schemas.microsoft.com/office/drawing/2017/decorative" val="1"/>
-                </a:ext>
-              </a:extLst>
-            </p:cNvPr>
-            <p:cNvSpPr/>
-            <p:nvPr>
-              <p:extLst>
-                <p:ext uri="{386F3935-93C4-4BCD-93E2-E3B085C9AB24}">
-                  <p16:designElem xmlns:p16="http://schemas.microsoft.com/office/powerpoint/2015/main" val="1"/>
-                </p:ext>
-              </p:extLst>
-            </p:nvPr>
-          </p:nvSpPr>
-          <p:spPr>
-            <a:xfrm rot="5400000">
-              <a:off x="12041685" y="472462"/>
-              <a:ext cx="61834" cy="59227"/>
-            </a:xfrm>
-            <a:prstGeom prst="ellipse">
-              <a:avLst/>
-            </a:prstGeom>
-            <a:solidFill>
-              <a:schemeClr val="accent1"/>
-            </a:solidFill>
-            <a:ln>
-              <a:noFill/>
-            </a:ln>
-          </p:spPr>
-          <p:style>
-            <a:lnRef idx="2">
-              <a:schemeClr val="accent1">
-                <a:shade val="50000"/>
-              </a:schemeClr>
-            </a:lnRef>
-            <a:fillRef idx="1">
-              <a:schemeClr val="accent1"/>
-            </a:fillRef>
-            <a:effectRef idx="0">
-              <a:schemeClr val="accent1"/>
-            </a:effectRef>
-            <a:fontRef idx="minor">
-              <a:schemeClr val="lt1"/>
-            </a:fontRef>
-          </p:style>
-          <p:txBody>
-            <a:bodyPr rtlCol="0" anchor="ctr"/>
-            <a:lstStyle/>
-            <a:p>
-              <a:pPr algn="ctr"/>
-              <a:endParaRPr lang="en-US"/>
-            </a:p>
-          </p:txBody>
-        </p:sp>
-        <p:sp>
-          <p:nvSpPr>
-            <p:cNvPr id="45" name="Rectangle 66">
-              <a:extLst>
-                <a:ext uri="{FF2B5EF4-FFF2-40B4-BE49-F238E27FC236}">
-                  <a16:creationId xmlns:a16="http://schemas.microsoft.com/office/drawing/2014/main" id="{26889F55-19C2-4230-82DE-5E8ADB84EDFA}"/>
-                </a:ext>
-                <a:ext uri="{C183D7F6-B498-43B3-948B-1728B52AA6E4}">
-                  <adec:decorative xmlns:adec="http://schemas.microsoft.com/office/drawing/2017/decorative" val="1"/>
-                </a:ext>
-              </a:extLst>
-            </p:cNvPr>
-            <p:cNvSpPr/>
-            <p:nvPr>
-              <p:extLst>
-                <p:ext uri="{386F3935-93C4-4BCD-93E2-E3B085C9AB24}">
-                  <p16:designElem xmlns:p16="http://schemas.microsoft.com/office/powerpoint/2015/main" val="1"/>
-                </p:ext>
-              </p:extLst>
-            </p:nvPr>
-          </p:nvSpPr>
-          <p:spPr>
-            <a:xfrm rot="5400000">
-              <a:off x="11867949" y="472462"/>
-              <a:ext cx="61834" cy="59227"/>
-            </a:xfrm>
-            <a:prstGeom prst="ellipse">
-              <a:avLst/>
-            </a:prstGeom>
-            <a:solidFill>
-              <a:schemeClr val="accent1"/>
-            </a:solidFill>
-            <a:ln>
-              <a:noFill/>
-            </a:ln>
-          </p:spPr>
-          <p:style>
-            <a:lnRef idx="2">
-              <a:schemeClr val="accent1">
-                <a:shade val="50000"/>
-              </a:schemeClr>
-            </a:lnRef>
-            <a:fillRef idx="1">
-              <a:schemeClr val="accent1"/>
-            </a:fillRef>
-            <a:effectRef idx="0">
-              <a:schemeClr val="accent1"/>
-            </a:effectRef>
-            <a:fontRef idx="minor">
-              <a:schemeClr val="lt1"/>
-            </a:fontRef>
-          </p:style>
-          <p:txBody>
-            <a:bodyPr rtlCol="0" anchor="ctr"/>
-            <a:lstStyle/>
-            <a:p>
-              <a:pPr algn="ctr"/>
-              <a:endParaRPr lang="en-US"/>
-            </a:p>
-          </p:txBody>
-        </p:sp>
-        <p:sp>
-          <p:nvSpPr>
-            <p:cNvPr id="46" name="Rectangle 64">
-              <a:extLst>
-                <a:ext uri="{FF2B5EF4-FFF2-40B4-BE49-F238E27FC236}">
-                  <a16:creationId xmlns:a16="http://schemas.microsoft.com/office/drawing/2014/main" id="{085FA682-8768-4831-995E-0BC8ACB5A74E}"/>
-                </a:ext>
-                <a:ext uri="{C183D7F6-B498-43B3-948B-1728B52AA6E4}">
-                  <adec:decorative xmlns:adec="http://schemas.microsoft.com/office/drawing/2017/decorative" val="1"/>
-                </a:ext>
-              </a:extLst>
-            </p:cNvPr>
-            <p:cNvSpPr/>
-            <p:nvPr>
-              <p:extLst>
-                <p:ext uri="{386F3935-93C4-4BCD-93E2-E3B085C9AB24}">
-                  <p16:designElem xmlns:p16="http://schemas.microsoft.com/office/powerpoint/2015/main" val="1"/>
-                </p:ext>
-              </p:extLst>
-            </p:nvPr>
-          </p:nvSpPr>
-          <p:spPr>
-            <a:xfrm rot="5400000">
-              <a:off x="12041685" y="330348"/>
-              <a:ext cx="61834" cy="59227"/>
-            </a:xfrm>
-            <a:prstGeom prst="ellipse">
-              <a:avLst/>
-            </a:prstGeom>
-            <a:solidFill>
-              <a:schemeClr val="accent1"/>
-            </a:solidFill>
-            <a:ln>
-              <a:noFill/>
-            </a:ln>
-          </p:spPr>
-          <p:style>
-            <a:lnRef idx="2">
-              <a:schemeClr val="accent1">
-                <a:shade val="50000"/>
-              </a:schemeClr>
-            </a:lnRef>
-            <a:fillRef idx="1">
-              <a:schemeClr val="accent1"/>
-            </a:fillRef>
-            <a:effectRef idx="0">
-              <a:schemeClr val="accent1"/>
-            </a:effectRef>
-            <a:fontRef idx="minor">
-              <a:schemeClr val="lt1"/>
-            </a:fontRef>
-          </p:style>
-          <p:txBody>
-            <a:bodyPr rtlCol="0" anchor="ctr"/>
-            <a:lstStyle/>
-            <a:p>
-              <a:pPr algn="ctr"/>
-              <a:endParaRPr lang="en-US"/>
-            </a:p>
-          </p:txBody>
-        </p:sp>
-        <p:sp>
-          <p:nvSpPr>
-            <p:cNvPr id="47" name="Rectangle 66">
-              <a:extLst>
-                <a:ext uri="{FF2B5EF4-FFF2-40B4-BE49-F238E27FC236}">
-                  <a16:creationId xmlns:a16="http://schemas.microsoft.com/office/drawing/2014/main" id="{D1208909-CEF7-4019-8497-1A1B5770D884}"/>
-                </a:ext>
-                <a:ext uri="{C183D7F6-B498-43B3-948B-1728B52AA6E4}">
-                  <adec:decorative xmlns:adec="http://schemas.microsoft.com/office/drawing/2017/decorative" val="1"/>
-                </a:ext>
-              </a:extLst>
-            </p:cNvPr>
-            <p:cNvSpPr/>
-            <p:nvPr>
-              <p:extLst>
-                <p:ext uri="{386F3935-93C4-4BCD-93E2-E3B085C9AB24}">
-                  <p16:designElem xmlns:p16="http://schemas.microsoft.com/office/powerpoint/2015/main" val="1"/>
-                </p:ext>
-              </p:extLst>
-            </p:nvPr>
-          </p:nvSpPr>
-          <p:spPr>
-            <a:xfrm rot="5400000">
-              <a:off x="11867949" y="330348"/>
-              <a:ext cx="61834" cy="59227"/>
-            </a:xfrm>
-            <a:prstGeom prst="ellipse">
-              <a:avLst/>
-            </a:prstGeom>
-            <a:solidFill>
-              <a:schemeClr val="accent1"/>
-            </a:solidFill>
-            <a:ln>
-              <a:noFill/>
-            </a:ln>
-          </p:spPr>
-          <p:style>
-            <a:lnRef idx="2">
-              <a:schemeClr val="accent1">
-                <a:shade val="50000"/>
-              </a:schemeClr>
-            </a:lnRef>
-            <a:fillRef idx="1">
-              <a:schemeClr val="accent1"/>
-            </a:fillRef>
-            <a:effectRef idx="0">
-              <a:schemeClr val="accent1"/>
-            </a:effectRef>
-            <a:fontRef idx="minor">
-              <a:schemeClr val="lt1"/>
-            </a:fontRef>
-          </p:style>
-          <p:txBody>
-            <a:bodyPr rtlCol="0" anchor="ctr"/>
-            <a:lstStyle/>
-            <a:p>
-              <a:pPr algn="ctr"/>
-              <a:endParaRPr lang="en-US"/>
-            </a:p>
-          </p:txBody>
-        </p:sp>
-        <p:sp>
-          <p:nvSpPr>
-            <p:cNvPr id="48" name="Rectangle 64">
-              <a:extLst>
-                <a:ext uri="{FF2B5EF4-FFF2-40B4-BE49-F238E27FC236}">
-                  <a16:creationId xmlns:a16="http://schemas.microsoft.com/office/drawing/2014/main" id="{50E3090B-F9DB-49C3-89F8-935B8694D0D2}"/>
-                </a:ext>
-                <a:ext uri="{C183D7F6-B498-43B3-948B-1728B52AA6E4}">
-                  <adec:decorative xmlns:adec="http://schemas.microsoft.com/office/drawing/2017/decorative" val="1"/>
-                </a:ext>
-              </a:extLst>
-            </p:cNvPr>
-            <p:cNvSpPr/>
-            <p:nvPr>
-              <p:extLst>
-                <p:ext uri="{386F3935-93C4-4BCD-93E2-E3B085C9AB24}">
-                  <p16:designElem xmlns:p16="http://schemas.microsoft.com/office/powerpoint/2015/main" val="1"/>
-                </p:ext>
-              </p:extLst>
-            </p:nvPr>
-          </p:nvSpPr>
-          <p:spPr>
-            <a:xfrm rot="5400000">
-              <a:off x="12041685" y="188234"/>
-              <a:ext cx="61834" cy="59227"/>
-            </a:xfrm>
-            <a:prstGeom prst="ellipse">
-              <a:avLst/>
-            </a:prstGeom>
-            <a:solidFill>
-              <a:schemeClr val="accent1"/>
-            </a:solidFill>
-            <a:ln>
-              <a:noFill/>
-            </a:ln>
-          </p:spPr>
-          <p:style>
-            <a:lnRef idx="2">
-              <a:schemeClr val="accent1">
-                <a:shade val="50000"/>
-              </a:schemeClr>
-            </a:lnRef>
-            <a:fillRef idx="1">
-              <a:schemeClr val="accent1"/>
-            </a:fillRef>
-            <a:effectRef idx="0">
-              <a:schemeClr val="accent1"/>
-            </a:effectRef>
-            <a:fontRef idx="minor">
-              <a:schemeClr val="lt1"/>
-            </a:fontRef>
-          </p:style>
-          <p:txBody>
-            <a:bodyPr rtlCol="0" anchor="ctr"/>
-            <a:lstStyle/>
-            <a:p>
-              <a:pPr algn="ctr"/>
-              <a:endParaRPr lang="en-US"/>
-            </a:p>
-          </p:txBody>
-        </p:sp>
-        <p:sp>
-          <p:nvSpPr>
-            <p:cNvPr id="49" name="Rectangle 66">
-              <a:extLst>
-                <a:ext uri="{FF2B5EF4-FFF2-40B4-BE49-F238E27FC236}">
-                  <a16:creationId xmlns:a16="http://schemas.microsoft.com/office/drawing/2014/main" id="{AB464C0C-2FC4-44F5-9007-BC7D274A3634}"/>
-                </a:ext>
-                <a:ext uri="{C183D7F6-B498-43B3-948B-1728B52AA6E4}">
-                  <adec:decorative xmlns:adec="http://schemas.microsoft.com/office/drawing/2017/decorative" val="1"/>
-                </a:ext>
-              </a:extLst>
-            </p:cNvPr>
-            <p:cNvSpPr/>
-            <p:nvPr>
-              <p:extLst>
-                <p:ext uri="{386F3935-93C4-4BCD-93E2-E3B085C9AB24}">
-                  <p16:designElem xmlns:p16="http://schemas.microsoft.com/office/powerpoint/2015/main" val="1"/>
-                </p:ext>
-              </p:extLst>
-            </p:nvPr>
-          </p:nvSpPr>
-          <p:spPr>
-            <a:xfrm rot="5400000">
-              <a:off x="11867949" y="188234"/>
-              <a:ext cx="61834" cy="59227"/>
-            </a:xfrm>
-            <a:prstGeom prst="ellipse">
-              <a:avLst/>
-            </a:prstGeom>
-            <a:solidFill>
-              <a:schemeClr val="accent1"/>
-            </a:solidFill>
-            <a:ln>
-              <a:noFill/>
-            </a:ln>
-          </p:spPr>
-          <p:style>
-            <a:lnRef idx="2">
-              <a:schemeClr val="accent1">
-                <a:shade val="50000"/>
-              </a:schemeClr>
-            </a:lnRef>
-            <a:fillRef idx="1">
-              <a:schemeClr val="accent1"/>
-            </a:fillRef>
-            <a:effectRef idx="0">
-              <a:schemeClr val="accent1"/>
-            </a:effectRef>
-            <a:fontRef idx="minor">
-              <a:schemeClr val="lt1"/>
-            </a:fontRef>
-          </p:style>
-          <p:txBody>
-            <a:bodyPr rtlCol="0" anchor="ctr"/>
-            <a:lstStyle/>
-            <a:p>
-              <a:pPr algn="ctr"/>
-              <a:endParaRPr lang="en-US"/>
-            </a:p>
-          </p:txBody>
-        </p:sp>
-      </p:grpSp>
-      <p:grpSp>
-        <p:nvGrpSpPr>
-          <p:cNvPr id="51" name="Group 50">
-            <a:extLst>
-              <a:ext uri="{FF2B5EF4-FFF2-40B4-BE49-F238E27FC236}">
-                <a16:creationId xmlns:a16="http://schemas.microsoft.com/office/drawing/2014/main" id="{7708568D-D276-4D56-900E-67D1E1AA1CA5}"/>
-              </a:ext>
-              <a:ext uri="{C183D7F6-B498-43B3-948B-1728B52AA6E4}">
-                <adec:decorative xmlns:adec="http://schemas.microsoft.com/office/drawing/2017/decorative" val="1"/>
-              </a:ext>
-            </a:extLst>
-          </p:cNvPr>
-          <p:cNvGrpSpPr>
-            <a:grpSpLocks noGrp="1" noUngrp="1" noRot="1" noChangeAspect="1" noMove="1" noResize="1"/>
-          </p:cNvGrpSpPr>
-          <p:nvPr>
-            <p:extLst>
-              <p:ext uri="{386F3935-93C4-4BCD-93E2-E3B085C9AB24}">
-                <p16:designElem xmlns:p16="http://schemas.microsoft.com/office/powerpoint/2015/main" val="1"/>
-              </p:ext>
-            </p:extLst>
-          </p:nvPr>
-        </p:nvGrpSpPr>
-        <p:grpSpPr>
-          <a:xfrm>
-            <a:off x="723679" y="3922776"/>
-            <a:ext cx="2139190" cy="2373963"/>
-            <a:chOff x="723679" y="3922776"/>
-            <a:chExt cx="2139190" cy="2373963"/>
-          </a:xfrm>
-        </p:grpSpPr>
-        <p:sp>
-          <p:nvSpPr>
-            <p:cNvPr id="52" name="Rectangle 66">
-              <a:extLst>
-                <a:ext uri="{FF2B5EF4-FFF2-40B4-BE49-F238E27FC236}">
-                  <a16:creationId xmlns:a16="http://schemas.microsoft.com/office/drawing/2014/main" id="{56A84156-C6DB-4EAA-8EC8-3F82B346AA51}"/>
-                </a:ext>
-                <a:ext uri="{C183D7F6-B498-43B3-948B-1728B52AA6E4}">
-                  <adec:decorative xmlns:adec="http://schemas.microsoft.com/office/drawing/2017/decorative" val="1"/>
-                </a:ext>
-              </a:extLst>
-            </p:cNvPr>
-            <p:cNvSpPr/>
-            <p:nvPr>
-              <p:extLst>
-                <p:ext uri="{386F3935-93C4-4BCD-93E2-E3B085C9AB24}">
-                  <p16:designElem xmlns:p16="http://schemas.microsoft.com/office/powerpoint/2015/main" val="1"/>
-                </p:ext>
-              </p:extLst>
-            </p:nvPr>
-          </p:nvSpPr>
-          <p:spPr>
-            <a:xfrm rot="5400000">
-              <a:off x="722376" y="4769768"/>
-              <a:ext cx="61834" cy="59227"/>
-            </a:xfrm>
-            <a:prstGeom prst="ellipse">
-              <a:avLst/>
-            </a:prstGeom>
-            <a:solidFill>
-              <a:schemeClr val="accent1"/>
-            </a:solidFill>
-            <a:ln>
-              <a:noFill/>
-            </a:ln>
-          </p:spPr>
-          <p:style>
-            <a:lnRef idx="2">
-              <a:schemeClr val="accent1">
-                <a:shade val="50000"/>
-              </a:schemeClr>
-            </a:lnRef>
-            <a:fillRef idx="1">
-              <a:schemeClr val="accent1"/>
-            </a:fillRef>
-            <a:effectRef idx="0">
-              <a:schemeClr val="accent1"/>
-            </a:effectRef>
-            <a:fontRef idx="minor">
-              <a:schemeClr val="lt1"/>
-            </a:fontRef>
-          </p:style>
-          <p:txBody>
-            <a:bodyPr rtlCol="0" anchor="ctr"/>
-            <a:lstStyle/>
-            <a:p>
-              <a:pPr algn="ctr"/>
-              <a:endParaRPr lang="en-US"/>
-            </a:p>
-          </p:txBody>
-        </p:sp>
-        <p:sp>
-          <p:nvSpPr>
-            <p:cNvPr id="53" name="Rectangle 66">
-              <a:extLst>
-                <a:ext uri="{FF2B5EF4-FFF2-40B4-BE49-F238E27FC236}">
-                  <a16:creationId xmlns:a16="http://schemas.microsoft.com/office/drawing/2014/main" id="{B209F339-1326-4E47-B057-70CFECE7018E}"/>
-                </a:ext>
-                <a:ext uri="{C183D7F6-B498-43B3-948B-1728B52AA6E4}">
-                  <adec:decorative xmlns:adec="http://schemas.microsoft.com/office/drawing/2017/decorative" val="1"/>
-                </a:ext>
-              </a:extLst>
-            </p:cNvPr>
-            <p:cNvSpPr/>
-            <p:nvPr>
-              <p:extLst>
-                <p:ext uri="{386F3935-93C4-4BCD-93E2-E3B085C9AB24}">
-                  <p16:designElem xmlns:p16="http://schemas.microsoft.com/office/powerpoint/2015/main" val="1"/>
-                </p:ext>
-              </p:extLst>
-            </p:nvPr>
-          </p:nvSpPr>
-          <p:spPr>
-            <a:xfrm rot="5400000">
-              <a:off x="722376" y="4627654"/>
-              <a:ext cx="61834" cy="59227"/>
-            </a:xfrm>
-            <a:prstGeom prst="ellipse">
-              <a:avLst/>
-            </a:prstGeom>
-            <a:solidFill>
-              <a:schemeClr val="accent1"/>
-            </a:solidFill>
-            <a:ln>
-              <a:noFill/>
-            </a:ln>
-          </p:spPr>
-          <p:style>
-            <a:lnRef idx="2">
-              <a:schemeClr val="accent1">
-                <a:shade val="50000"/>
-              </a:schemeClr>
-            </a:lnRef>
-            <a:fillRef idx="1">
-              <a:schemeClr val="accent1"/>
-            </a:fillRef>
-            <a:effectRef idx="0">
-              <a:schemeClr val="accent1"/>
-            </a:effectRef>
-            <a:fontRef idx="minor">
-              <a:schemeClr val="lt1"/>
-            </a:fontRef>
-          </p:style>
-          <p:txBody>
-            <a:bodyPr rtlCol="0" anchor="ctr"/>
-            <a:lstStyle/>
-            <a:p>
-              <a:pPr algn="ctr"/>
-              <a:endParaRPr lang="en-US"/>
-            </a:p>
-          </p:txBody>
-        </p:sp>
-        <p:sp>
-          <p:nvSpPr>
-            <p:cNvPr id="54" name="Rectangle 66">
-              <a:extLst>
-                <a:ext uri="{FF2B5EF4-FFF2-40B4-BE49-F238E27FC236}">
-                  <a16:creationId xmlns:a16="http://schemas.microsoft.com/office/drawing/2014/main" id="{F9D3F853-F5D8-4060-A347-B21C0C73B8FA}"/>
-                </a:ext>
-                <a:ext uri="{C183D7F6-B498-43B3-948B-1728B52AA6E4}">
-                  <adec:decorative xmlns:adec="http://schemas.microsoft.com/office/drawing/2017/decorative" val="1"/>
-                </a:ext>
-              </a:extLst>
-            </p:cNvPr>
-            <p:cNvSpPr/>
-            <p:nvPr>
-              <p:extLst>
-                <p:ext uri="{386F3935-93C4-4BCD-93E2-E3B085C9AB24}">
-                  <p16:designElem xmlns:p16="http://schemas.microsoft.com/office/powerpoint/2015/main" val="1"/>
-                </p:ext>
-              </p:extLst>
-            </p:nvPr>
-          </p:nvSpPr>
-          <p:spPr>
-            <a:xfrm rot="5400000">
-              <a:off x="722376" y="4485540"/>
-              <a:ext cx="61834" cy="59227"/>
-            </a:xfrm>
-            <a:prstGeom prst="ellipse">
-              <a:avLst/>
-            </a:prstGeom>
-            <a:solidFill>
-              <a:schemeClr val="accent1"/>
-            </a:solidFill>
-            <a:ln>
-              <a:noFill/>
-            </a:ln>
-          </p:spPr>
-          <p:style>
-            <a:lnRef idx="2">
-              <a:schemeClr val="accent1">
-                <a:shade val="50000"/>
-              </a:schemeClr>
-            </a:lnRef>
-            <a:fillRef idx="1">
-              <a:schemeClr val="accent1"/>
-            </a:fillRef>
-            <a:effectRef idx="0">
-              <a:schemeClr val="accent1"/>
-            </a:effectRef>
-            <a:fontRef idx="minor">
-              <a:schemeClr val="lt1"/>
-            </a:fontRef>
-          </p:style>
-          <p:txBody>
-            <a:bodyPr rtlCol="0" anchor="ctr"/>
-            <a:lstStyle/>
-            <a:p>
-              <a:pPr algn="ctr"/>
-              <a:endParaRPr lang="en-US"/>
-            </a:p>
-          </p:txBody>
-        </p:sp>
-        <p:sp>
-          <p:nvSpPr>
-            <p:cNvPr id="55" name="Rectangle 66">
-              <a:extLst>
-                <a:ext uri="{FF2B5EF4-FFF2-40B4-BE49-F238E27FC236}">
-                  <a16:creationId xmlns:a16="http://schemas.microsoft.com/office/drawing/2014/main" id="{7626FB56-1DD3-4127-8832-5A681CD32645}"/>
-                </a:ext>
-                <a:ext uri="{C183D7F6-B498-43B3-948B-1728B52AA6E4}">
-                  <adec:decorative xmlns:adec="http://schemas.microsoft.com/office/drawing/2017/decorative" val="1"/>
-                </a:ext>
-              </a:extLst>
-            </p:cNvPr>
-            <p:cNvSpPr/>
-            <p:nvPr>
-              <p:extLst>
-                <p:ext uri="{386F3935-93C4-4BCD-93E2-E3B085C9AB24}">
-                  <p16:designElem xmlns:p16="http://schemas.microsoft.com/office/powerpoint/2015/main" val="1"/>
-                </p:ext>
-              </p:extLst>
-            </p:nvPr>
-          </p:nvSpPr>
-          <p:spPr>
-            <a:xfrm rot="5400000">
-              <a:off x="722376" y="5053996"/>
-              <a:ext cx="61834" cy="59227"/>
-            </a:xfrm>
-            <a:prstGeom prst="ellipse">
-              <a:avLst/>
-            </a:prstGeom>
-            <a:solidFill>
-              <a:schemeClr val="accent1"/>
-            </a:solidFill>
-            <a:ln>
-              <a:noFill/>
-            </a:ln>
-          </p:spPr>
-          <p:style>
-            <a:lnRef idx="2">
-              <a:schemeClr val="accent1">
-                <a:shade val="50000"/>
-              </a:schemeClr>
-            </a:lnRef>
-            <a:fillRef idx="1">
-              <a:schemeClr val="accent1"/>
-            </a:fillRef>
-            <a:effectRef idx="0">
-              <a:schemeClr val="accent1"/>
-            </a:effectRef>
-            <a:fontRef idx="minor">
-              <a:schemeClr val="lt1"/>
-            </a:fontRef>
-          </p:style>
-          <p:txBody>
-            <a:bodyPr rtlCol="0" anchor="ctr"/>
-            <a:lstStyle/>
-            <a:p>
-              <a:pPr algn="ctr"/>
-              <a:endParaRPr lang="en-US"/>
-            </a:p>
-          </p:txBody>
-        </p:sp>
-        <p:sp>
-          <p:nvSpPr>
-            <p:cNvPr id="56" name="Rectangle 66">
-              <a:extLst>
-                <a:ext uri="{FF2B5EF4-FFF2-40B4-BE49-F238E27FC236}">
-                  <a16:creationId xmlns:a16="http://schemas.microsoft.com/office/drawing/2014/main" id="{F51ADB40-629D-4A35-8B8A-4E5DCA0DDFA0}"/>
-                </a:ext>
-                <a:ext uri="{C183D7F6-B498-43B3-948B-1728B52AA6E4}">
-                  <adec:decorative xmlns:adec="http://schemas.microsoft.com/office/drawing/2017/decorative" val="1"/>
-                </a:ext>
-              </a:extLst>
-            </p:cNvPr>
-            <p:cNvSpPr/>
-            <p:nvPr>
-              <p:extLst>
-                <p:ext uri="{386F3935-93C4-4BCD-93E2-E3B085C9AB24}">
-                  <p16:designElem xmlns:p16="http://schemas.microsoft.com/office/powerpoint/2015/main" val="1"/>
-                </p:ext>
-              </p:extLst>
-            </p:nvPr>
-          </p:nvSpPr>
-          <p:spPr>
-            <a:xfrm rot="5400000">
-              <a:off x="722376" y="4911882"/>
-              <a:ext cx="61834" cy="59227"/>
-            </a:xfrm>
-            <a:prstGeom prst="ellipse">
-              <a:avLst/>
-            </a:prstGeom>
-            <a:solidFill>
-              <a:schemeClr val="accent1"/>
-            </a:solidFill>
-            <a:ln>
-              <a:noFill/>
-            </a:ln>
-          </p:spPr>
-          <p:style>
-            <a:lnRef idx="2">
-              <a:schemeClr val="accent1">
-                <a:shade val="50000"/>
-              </a:schemeClr>
-            </a:lnRef>
-            <a:fillRef idx="1">
-              <a:schemeClr val="accent1"/>
-            </a:fillRef>
-            <a:effectRef idx="0">
-              <a:schemeClr val="accent1"/>
-            </a:effectRef>
-            <a:fontRef idx="minor">
-              <a:schemeClr val="lt1"/>
-            </a:fontRef>
-          </p:style>
-          <p:txBody>
-            <a:bodyPr rtlCol="0" anchor="ctr"/>
-            <a:lstStyle/>
-            <a:p>
-              <a:pPr algn="ctr"/>
-              <a:endParaRPr lang="en-US"/>
-            </a:p>
-          </p:txBody>
-        </p:sp>
-        <p:sp>
-          <p:nvSpPr>
-            <p:cNvPr id="57" name="Rectangle 66">
-              <a:extLst>
-                <a:ext uri="{FF2B5EF4-FFF2-40B4-BE49-F238E27FC236}">
-                  <a16:creationId xmlns:a16="http://schemas.microsoft.com/office/drawing/2014/main" id="{44D13557-5C42-4D1C-B045-5BEDD2DBC08D}"/>
-                </a:ext>
-                <a:ext uri="{C183D7F6-B498-43B3-948B-1728B52AA6E4}">
-                  <adec:decorative xmlns:adec="http://schemas.microsoft.com/office/drawing/2017/decorative" val="1"/>
-                </a:ext>
-              </a:extLst>
-            </p:cNvPr>
-            <p:cNvSpPr/>
-            <p:nvPr>
-              <p:extLst>
-                <p:ext uri="{386F3935-93C4-4BCD-93E2-E3B085C9AB24}">
-                  <p16:designElem xmlns:p16="http://schemas.microsoft.com/office/powerpoint/2015/main" val="1"/>
-                </p:ext>
-              </p:extLst>
-            </p:nvPr>
-          </p:nvSpPr>
-          <p:spPr>
-            <a:xfrm rot="5400000">
-              <a:off x="722376" y="4335710"/>
-              <a:ext cx="61834" cy="59227"/>
-            </a:xfrm>
-            <a:prstGeom prst="ellipse">
-              <a:avLst/>
-            </a:prstGeom>
-            <a:solidFill>
-              <a:schemeClr val="accent1"/>
-            </a:solidFill>
-            <a:ln>
-              <a:noFill/>
-            </a:ln>
-          </p:spPr>
-          <p:style>
-            <a:lnRef idx="2">
-              <a:schemeClr val="accent1">
-                <a:shade val="50000"/>
-              </a:schemeClr>
-            </a:lnRef>
-            <a:fillRef idx="1">
-              <a:schemeClr val="accent1"/>
-            </a:fillRef>
-            <a:effectRef idx="0">
-              <a:schemeClr val="accent1"/>
-            </a:effectRef>
-            <a:fontRef idx="minor">
-              <a:schemeClr val="lt1"/>
-            </a:fontRef>
-          </p:style>
-          <p:txBody>
-            <a:bodyPr rtlCol="0" anchor="ctr"/>
-            <a:lstStyle/>
-            <a:p>
-              <a:pPr algn="ctr"/>
-              <a:endParaRPr lang="en-US"/>
-            </a:p>
-          </p:txBody>
-        </p:sp>
-        <p:sp>
-          <p:nvSpPr>
-            <p:cNvPr id="58" name="Rectangle 62">
-              <a:extLst>
-                <a:ext uri="{FF2B5EF4-FFF2-40B4-BE49-F238E27FC236}">
-                  <a16:creationId xmlns:a16="http://schemas.microsoft.com/office/drawing/2014/main" id="{E8130BE2-6A39-4FB1-A527-AC6E26C4EDA0}"/>
-                </a:ext>
-                <a:ext uri="{C183D7F6-B498-43B3-948B-1728B52AA6E4}">
-                  <adec:decorative xmlns:adec="http://schemas.microsoft.com/office/drawing/2017/decorative" val="1"/>
-                </a:ext>
-              </a:extLst>
-            </p:cNvPr>
-            <p:cNvSpPr/>
-            <p:nvPr>
-              <p:extLst>
-                <p:ext uri="{386F3935-93C4-4BCD-93E2-E3B085C9AB24}">
-                  <p16:designElem xmlns:p16="http://schemas.microsoft.com/office/powerpoint/2015/main" val="1"/>
-                </p:ext>
-              </p:extLst>
-            </p:nvPr>
-          </p:nvSpPr>
-          <p:spPr>
-            <a:xfrm rot="5400000">
-              <a:off x="722376" y="5339547"/>
-              <a:ext cx="61834" cy="59227"/>
-            </a:xfrm>
-            <a:prstGeom prst="ellipse">
-              <a:avLst/>
-            </a:prstGeom>
-            <a:solidFill>
-              <a:schemeClr val="accent1"/>
-            </a:solidFill>
-            <a:ln>
-              <a:noFill/>
-            </a:ln>
-          </p:spPr>
-          <p:style>
-            <a:lnRef idx="2">
-              <a:schemeClr val="accent1">
-                <a:shade val="50000"/>
-              </a:schemeClr>
-            </a:lnRef>
-            <a:fillRef idx="1">
-              <a:schemeClr val="accent1"/>
-            </a:fillRef>
-            <a:effectRef idx="0">
-              <a:schemeClr val="accent1"/>
-            </a:effectRef>
-            <a:fontRef idx="minor">
-              <a:schemeClr val="lt1"/>
-            </a:fontRef>
-          </p:style>
-          <p:txBody>
-            <a:bodyPr rtlCol="0" anchor="ctr"/>
-            <a:lstStyle/>
-            <a:p>
-              <a:pPr algn="ctr"/>
-              <a:endParaRPr lang="en-US"/>
-            </a:p>
-          </p:txBody>
-        </p:sp>
-        <p:sp>
-          <p:nvSpPr>
-            <p:cNvPr id="59" name="Rectangle 59">
-              <a:extLst>
-                <a:ext uri="{FF2B5EF4-FFF2-40B4-BE49-F238E27FC236}">
-                  <a16:creationId xmlns:a16="http://schemas.microsoft.com/office/drawing/2014/main" id="{E71FB6CD-8C84-4EB6-BD80-FCFFD38FDDA1}"/>
-                </a:ext>
-                <a:ext uri="{C183D7F6-B498-43B3-948B-1728B52AA6E4}">
-                  <adec:decorative xmlns:adec="http://schemas.microsoft.com/office/drawing/2017/decorative" val="1"/>
-                </a:ext>
-              </a:extLst>
-            </p:cNvPr>
-            <p:cNvSpPr/>
-            <p:nvPr>
-              <p:extLst>
-                <p:ext uri="{386F3935-93C4-4BCD-93E2-E3B085C9AB24}">
-                  <p16:designElem xmlns:p16="http://schemas.microsoft.com/office/powerpoint/2015/main" val="1"/>
-                </p:ext>
-              </p:extLst>
-            </p:nvPr>
-          </p:nvSpPr>
-          <p:spPr>
-            <a:xfrm rot="5400000">
-              <a:off x="722376" y="5193007"/>
-              <a:ext cx="61834" cy="59227"/>
-            </a:xfrm>
-            <a:prstGeom prst="ellipse">
-              <a:avLst/>
-            </a:prstGeom>
-            <a:solidFill>
-              <a:schemeClr val="accent1"/>
-            </a:solidFill>
-            <a:ln>
-              <a:noFill/>
-            </a:ln>
-          </p:spPr>
-          <p:style>
-            <a:lnRef idx="2">
-              <a:schemeClr val="accent1">
-                <a:shade val="50000"/>
-              </a:schemeClr>
-            </a:lnRef>
-            <a:fillRef idx="1">
-              <a:schemeClr val="accent1"/>
-            </a:fillRef>
-            <a:effectRef idx="0">
-              <a:schemeClr val="accent1"/>
-            </a:effectRef>
-            <a:fontRef idx="minor">
-              <a:schemeClr val="lt1"/>
-            </a:fontRef>
-          </p:style>
-          <p:txBody>
-            <a:bodyPr rtlCol="0" anchor="ctr"/>
-            <a:lstStyle/>
-            <a:p>
-              <a:pPr algn="ctr"/>
-              <a:endParaRPr lang="en-US"/>
-            </a:p>
-          </p:txBody>
-        </p:sp>
-        <p:sp>
-          <p:nvSpPr>
-            <p:cNvPr id="60" name="Rectangle 64">
-              <a:extLst>
-                <a:ext uri="{FF2B5EF4-FFF2-40B4-BE49-F238E27FC236}">
-                  <a16:creationId xmlns:a16="http://schemas.microsoft.com/office/drawing/2014/main" id="{76F62828-9FB1-4964-912E-AA00A729288B}"/>
-                </a:ext>
-                <a:ext uri="{C183D7F6-B498-43B3-948B-1728B52AA6E4}">
-                  <adec:decorative xmlns:adec="http://schemas.microsoft.com/office/drawing/2017/decorative" val="1"/>
-                </a:ext>
-              </a:extLst>
-            </p:cNvPr>
-            <p:cNvSpPr/>
-            <p:nvPr>
-              <p:extLst>
-                <p:ext uri="{386F3935-93C4-4BCD-93E2-E3B085C9AB24}">
-                  <p16:designElem xmlns:p16="http://schemas.microsoft.com/office/powerpoint/2015/main" val="1"/>
-                </p:ext>
-              </p:extLst>
-            </p:nvPr>
-          </p:nvSpPr>
-          <p:spPr>
-            <a:xfrm rot="5400000">
-              <a:off x="722376" y="3924079"/>
-              <a:ext cx="61834" cy="59227"/>
-            </a:xfrm>
-            <a:prstGeom prst="ellipse">
-              <a:avLst/>
-            </a:prstGeom>
-            <a:solidFill>
-              <a:schemeClr val="accent1"/>
-            </a:solidFill>
-            <a:ln>
-              <a:noFill/>
-            </a:ln>
-          </p:spPr>
-          <p:style>
-            <a:lnRef idx="2">
-              <a:schemeClr val="accent1">
-                <a:shade val="50000"/>
-              </a:schemeClr>
-            </a:lnRef>
-            <a:fillRef idx="1">
-              <a:schemeClr val="accent1"/>
-            </a:fillRef>
-            <a:effectRef idx="0">
-              <a:schemeClr val="accent1"/>
-            </a:effectRef>
-            <a:fontRef idx="minor">
-              <a:schemeClr val="lt1"/>
-            </a:fontRef>
-          </p:style>
-          <p:txBody>
-            <a:bodyPr rtlCol="0" anchor="ctr"/>
-            <a:lstStyle/>
-            <a:p>
-              <a:pPr algn="ctr"/>
-              <a:endParaRPr lang="en-US"/>
-            </a:p>
-          </p:txBody>
-        </p:sp>
-        <p:sp>
-          <p:nvSpPr>
-            <p:cNvPr id="61" name="Rectangle 62">
-              <a:extLst>
-                <a:ext uri="{FF2B5EF4-FFF2-40B4-BE49-F238E27FC236}">
-                  <a16:creationId xmlns:a16="http://schemas.microsoft.com/office/drawing/2014/main" id="{C55BED69-0B6B-4915-AD3A-5858172A67F0}"/>
-                </a:ext>
-                <a:ext uri="{C183D7F6-B498-43B3-948B-1728B52AA6E4}">
-                  <adec:decorative xmlns:adec="http://schemas.microsoft.com/office/drawing/2017/decorative" val="1"/>
-                </a:ext>
-              </a:extLst>
-            </p:cNvPr>
-            <p:cNvSpPr/>
-            <p:nvPr>
-              <p:extLst>
-                <p:ext uri="{386F3935-93C4-4BCD-93E2-E3B085C9AB24}">
-                  <p16:designElem xmlns:p16="http://schemas.microsoft.com/office/powerpoint/2015/main" val="1"/>
-                </p:ext>
-              </p:extLst>
-            </p:nvPr>
-          </p:nvSpPr>
-          <p:spPr>
-            <a:xfrm rot="5400000">
-              <a:off x="722376" y="4060863"/>
-              <a:ext cx="61834" cy="59227"/>
-            </a:xfrm>
-            <a:prstGeom prst="ellipse">
-              <a:avLst/>
-            </a:prstGeom>
-            <a:solidFill>
-              <a:schemeClr val="accent1"/>
-            </a:solidFill>
-            <a:ln>
-              <a:noFill/>
-            </a:ln>
-          </p:spPr>
-          <p:style>
-            <a:lnRef idx="2">
-              <a:schemeClr val="accent1">
-                <a:shade val="50000"/>
-              </a:schemeClr>
-            </a:lnRef>
-            <a:fillRef idx="1">
-              <a:schemeClr val="accent1"/>
-            </a:fillRef>
-            <a:effectRef idx="0">
-              <a:schemeClr val="accent1"/>
-            </a:effectRef>
-            <a:fontRef idx="minor">
-              <a:schemeClr val="lt1"/>
-            </a:fontRef>
-          </p:style>
-          <p:txBody>
-            <a:bodyPr rtlCol="0" anchor="ctr"/>
-            <a:lstStyle/>
-            <a:p>
-              <a:pPr algn="ctr"/>
-              <a:endParaRPr lang="en-US"/>
-            </a:p>
-          </p:txBody>
-        </p:sp>
-        <p:sp>
-          <p:nvSpPr>
-            <p:cNvPr id="62" name="Rectangle 59">
-              <a:extLst>
-                <a:ext uri="{FF2B5EF4-FFF2-40B4-BE49-F238E27FC236}">
-                  <a16:creationId xmlns:a16="http://schemas.microsoft.com/office/drawing/2014/main" id="{2A3A6A52-EDC8-46FF-8D0F-441F90FA3BBE}"/>
-                </a:ext>
-                <a:ext uri="{C183D7F6-B498-43B3-948B-1728B52AA6E4}">
-                  <adec:decorative xmlns:adec="http://schemas.microsoft.com/office/drawing/2017/decorative" val="1"/>
-                </a:ext>
-              </a:extLst>
-            </p:cNvPr>
-            <p:cNvSpPr/>
-            <p:nvPr>
-              <p:extLst>
-                <p:ext uri="{386F3935-93C4-4BCD-93E2-E3B085C9AB24}">
-                  <p16:designElem xmlns:p16="http://schemas.microsoft.com/office/powerpoint/2015/main" val="1"/>
-                </p:ext>
-              </p:extLst>
-            </p:nvPr>
-          </p:nvSpPr>
-          <p:spPr>
-            <a:xfrm rot="5400000">
-              <a:off x="722376" y="4207923"/>
-              <a:ext cx="61834" cy="59227"/>
-            </a:xfrm>
-            <a:prstGeom prst="ellipse">
-              <a:avLst/>
-            </a:prstGeom>
-            <a:solidFill>
-              <a:schemeClr val="accent1"/>
-            </a:solidFill>
-            <a:ln>
-              <a:noFill/>
-            </a:ln>
-          </p:spPr>
-          <p:style>
-            <a:lnRef idx="2">
-              <a:schemeClr val="accent1">
-                <a:shade val="50000"/>
-              </a:schemeClr>
-            </a:lnRef>
-            <a:fillRef idx="1">
-              <a:schemeClr val="accent1"/>
-            </a:fillRef>
-            <a:effectRef idx="0">
-              <a:schemeClr val="accent1"/>
-            </a:effectRef>
-            <a:fontRef idx="minor">
-              <a:schemeClr val="lt1"/>
-            </a:fontRef>
-          </p:style>
-          <p:txBody>
-            <a:bodyPr rtlCol="0" anchor="ctr"/>
-            <a:lstStyle/>
-            <a:p>
-              <a:pPr algn="ctr"/>
-              <a:endParaRPr lang="en-US"/>
-            </a:p>
-          </p:txBody>
-        </p:sp>
-        <p:sp>
-          <p:nvSpPr>
-            <p:cNvPr id="63" name="Rectangle 62">
-              <a:extLst>
-                <a:ext uri="{FF2B5EF4-FFF2-40B4-BE49-F238E27FC236}">
-                  <a16:creationId xmlns:a16="http://schemas.microsoft.com/office/drawing/2014/main" id="{7D68C4E4-3735-45DB-AB8F-EBF6C1D795C6}"/>
-                </a:ext>
-                <a:ext uri="{C183D7F6-B498-43B3-948B-1728B52AA6E4}">
-                  <adec:decorative xmlns:adec="http://schemas.microsoft.com/office/drawing/2017/decorative" val="1"/>
-                </a:ext>
-              </a:extLst>
-            </p:cNvPr>
-            <p:cNvSpPr/>
-            <p:nvPr>
-              <p:extLst>
-                <p:ext uri="{386F3935-93C4-4BCD-93E2-E3B085C9AB24}">
-                  <p16:designElem xmlns:p16="http://schemas.microsoft.com/office/powerpoint/2015/main" val="1"/>
-                </p:ext>
-              </p:extLst>
-            </p:nvPr>
-          </p:nvSpPr>
-          <p:spPr>
-            <a:xfrm rot="5400000">
-              <a:off x="722376" y="5491507"/>
-              <a:ext cx="61834" cy="59227"/>
-            </a:xfrm>
-            <a:prstGeom prst="ellipse">
-              <a:avLst/>
-            </a:prstGeom>
-            <a:solidFill>
-              <a:schemeClr val="accent1"/>
-            </a:solidFill>
-            <a:ln>
-              <a:noFill/>
-            </a:ln>
-          </p:spPr>
-          <p:style>
-            <a:lnRef idx="2">
-              <a:schemeClr val="accent1">
-                <a:shade val="50000"/>
-              </a:schemeClr>
-            </a:lnRef>
-            <a:fillRef idx="1">
-              <a:schemeClr val="accent1"/>
-            </a:fillRef>
-            <a:effectRef idx="0">
-              <a:schemeClr val="accent1"/>
-            </a:effectRef>
-            <a:fontRef idx="minor">
-              <a:schemeClr val="lt1"/>
-            </a:fontRef>
-          </p:style>
-          <p:txBody>
-            <a:bodyPr rtlCol="0" anchor="ctr"/>
-            <a:lstStyle/>
-            <a:p>
-              <a:pPr algn="ctr"/>
-              <a:endParaRPr lang="en-US"/>
-            </a:p>
-          </p:txBody>
-        </p:sp>
-        <p:sp>
-          <p:nvSpPr>
-            <p:cNvPr id="64" name="Rectangle 62">
-              <a:extLst>
-                <a:ext uri="{FF2B5EF4-FFF2-40B4-BE49-F238E27FC236}">
-                  <a16:creationId xmlns:a16="http://schemas.microsoft.com/office/drawing/2014/main" id="{C438CF9F-D869-4C56-A553-EA62154E72F2}"/>
-                </a:ext>
-                <a:ext uri="{C183D7F6-B498-43B3-948B-1728B52AA6E4}">
-                  <adec:decorative xmlns:adec="http://schemas.microsoft.com/office/drawing/2017/decorative" val="1"/>
-                </a:ext>
-              </a:extLst>
-            </p:cNvPr>
-            <p:cNvSpPr/>
-            <p:nvPr>
-              <p:extLst>
-                <p:ext uri="{386F3935-93C4-4BCD-93E2-E3B085C9AB24}">
-                  <p16:designElem xmlns:p16="http://schemas.microsoft.com/office/powerpoint/2015/main" val="1"/>
-                </p:ext>
-              </p:extLst>
-            </p:nvPr>
-          </p:nvSpPr>
-          <p:spPr>
-            <a:xfrm rot="5400000">
-              <a:off x="722376" y="5638913"/>
-              <a:ext cx="61834" cy="59227"/>
-            </a:xfrm>
-            <a:prstGeom prst="ellipse">
-              <a:avLst/>
-            </a:prstGeom>
-            <a:solidFill>
-              <a:schemeClr val="accent1"/>
-            </a:solidFill>
-            <a:ln>
-              <a:noFill/>
-            </a:ln>
-          </p:spPr>
-          <p:style>
-            <a:lnRef idx="2">
-              <a:schemeClr val="accent1">
-                <a:shade val="50000"/>
-              </a:schemeClr>
-            </a:lnRef>
-            <a:fillRef idx="1">
-              <a:schemeClr val="accent1"/>
-            </a:fillRef>
-            <a:effectRef idx="0">
-              <a:schemeClr val="accent1"/>
-            </a:effectRef>
-            <a:fontRef idx="minor">
-              <a:schemeClr val="lt1"/>
-            </a:fontRef>
-          </p:style>
-          <p:txBody>
-            <a:bodyPr rtlCol="0" anchor="ctr"/>
-            <a:lstStyle/>
-            <a:p>
-              <a:pPr algn="ctr"/>
-              <a:endParaRPr lang="en-US"/>
-            </a:p>
-          </p:txBody>
-        </p:sp>
-        <p:sp>
-          <p:nvSpPr>
-            <p:cNvPr id="65" name="Rectangle 62">
-              <a:extLst>
-                <a:ext uri="{FF2B5EF4-FFF2-40B4-BE49-F238E27FC236}">
-                  <a16:creationId xmlns:a16="http://schemas.microsoft.com/office/drawing/2014/main" id="{6D246997-60EE-4130-B850-94A0EDDBBA07}"/>
-                </a:ext>
-                <a:ext uri="{C183D7F6-B498-43B3-948B-1728B52AA6E4}">
-                  <adec:decorative xmlns:adec="http://schemas.microsoft.com/office/drawing/2017/decorative" val="1"/>
-                </a:ext>
-              </a:extLst>
-            </p:cNvPr>
-            <p:cNvSpPr/>
-            <p:nvPr>
-              <p:extLst>
-                <p:ext uri="{386F3935-93C4-4BCD-93E2-E3B085C9AB24}">
-                  <p16:designElem xmlns:p16="http://schemas.microsoft.com/office/powerpoint/2015/main" val="1"/>
-                </p:ext>
-              </p:extLst>
-            </p:nvPr>
-          </p:nvSpPr>
-          <p:spPr>
-            <a:xfrm rot="5400000">
-              <a:off x="722376" y="5929983"/>
-              <a:ext cx="61834" cy="59227"/>
-            </a:xfrm>
-            <a:prstGeom prst="ellipse">
-              <a:avLst/>
-            </a:prstGeom>
-            <a:solidFill>
-              <a:schemeClr val="accent1"/>
-            </a:solidFill>
-            <a:ln>
-              <a:noFill/>
-            </a:ln>
-          </p:spPr>
-          <p:style>
-            <a:lnRef idx="2">
-              <a:schemeClr val="accent1">
-                <a:shade val="50000"/>
-              </a:schemeClr>
-            </a:lnRef>
-            <a:fillRef idx="1">
-              <a:schemeClr val="accent1"/>
-            </a:fillRef>
-            <a:effectRef idx="0">
-              <a:schemeClr val="accent1"/>
-            </a:effectRef>
-            <a:fontRef idx="minor">
-              <a:schemeClr val="lt1"/>
-            </a:fontRef>
-          </p:style>
-          <p:txBody>
-            <a:bodyPr rtlCol="0" anchor="ctr"/>
-            <a:lstStyle/>
-            <a:p>
-              <a:pPr algn="ctr"/>
-              <a:endParaRPr lang="en-US"/>
-            </a:p>
-          </p:txBody>
-        </p:sp>
-        <p:sp>
-          <p:nvSpPr>
-            <p:cNvPr id="66" name="Rectangle 59">
-              <a:extLst>
-                <a:ext uri="{FF2B5EF4-FFF2-40B4-BE49-F238E27FC236}">
-                  <a16:creationId xmlns:a16="http://schemas.microsoft.com/office/drawing/2014/main" id="{6FDF7E4C-F4CB-45E4-9630-FD32C74E7A76}"/>
-                </a:ext>
-                <a:ext uri="{C183D7F6-B498-43B3-948B-1728B52AA6E4}">
-                  <adec:decorative xmlns:adec="http://schemas.microsoft.com/office/drawing/2017/decorative" val="1"/>
-                </a:ext>
-              </a:extLst>
-            </p:cNvPr>
-            <p:cNvSpPr/>
-            <p:nvPr>
-              <p:extLst>
-                <p:ext uri="{386F3935-93C4-4BCD-93E2-E3B085C9AB24}">
-                  <p16:designElem xmlns:p16="http://schemas.microsoft.com/office/powerpoint/2015/main" val="1"/>
-                </p:ext>
-              </p:extLst>
-            </p:nvPr>
-          </p:nvSpPr>
-          <p:spPr>
-            <a:xfrm rot="5400000">
-              <a:off x="722376" y="5783443"/>
-              <a:ext cx="61834" cy="59227"/>
-            </a:xfrm>
-            <a:prstGeom prst="ellipse">
-              <a:avLst/>
-            </a:prstGeom>
-            <a:solidFill>
-              <a:schemeClr val="accent1"/>
-            </a:solidFill>
-            <a:ln>
-              <a:noFill/>
-            </a:ln>
-          </p:spPr>
-          <p:style>
-            <a:lnRef idx="2">
-              <a:schemeClr val="accent1">
-                <a:shade val="50000"/>
-              </a:schemeClr>
-            </a:lnRef>
-            <a:fillRef idx="1">
-              <a:schemeClr val="accent1"/>
-            </a:fillRef>
-            <a:effectRef idx="0">
-              <a:schemeClr val="accent1"/>
-            </a:effectRef>
-            <a:fontRef idx="minor">
-              <a:schemeClr val="lt1"/>
-            </a:fontRef>
-          </p:style>
-          <p:txBody>
-            <a:bodyPr rtlCol="0" anchor="ctr"/>
-            <a:lstStyle/>
-            <a:p>
-              <a:pPr algn="ctr"/>
-              <a:endParaRPr lang="en-US"/>
-            </a:p>
-          </p:txBody>
-        </p:sp>
-        <p:sp>
-          <p:nvSpPr>
-            <p:cNvPr id="67" name="Rectangle 2">
-              <a:extLst>
-                <a:ext uri="{FF2B5EF4-FFF2-40B4-BE49-F238E27FC236}">
-                  <a16:creationId xmlns:a16="http://schemas.microsoft.com/office/drawing/2014/main" id="{4477CE32-E770-43F8-99D4-C17EA0A996E4}"/>
-                </a:ext>
-                <a:ext uri="{C183D7F6-B498-43B3-948B-1728B52AA6E4}">
-                  <adec:decorative xmlns:adec="http://schemas.microsoft.com/office/drawing/2017/decorative" val="1"/>
-                </a:ext>
-              </a:extLst>
-            </p:cNvPr>
-            <p:cNvSpPr/>
-            <p:nvPr>
-              <p:extLst>
-                <p:ext uri="{386F3935-93C4-4BCD-93E2-E3B085C9AB24}">
-                  <p16:designElem xmlns:p16="http://schemas.microsoft.com/office/powerpoint/2015/main" val="1"/>
-                </p:ext>
-              </p:extLst>
-            </p:nvPr>
-          </p:nvSpPr>
-          <p:spPr>
-            <a:xfrm rot="5400000">
-              <a:off x="1791041" y="6236208"/>
-              <a:ext cx="61834" cy="59227"/>
-            </a:xfrm>
-            <a:prstGeom prst="ellipse">
-              <a:avLst/>
-            </a:prstGeom>
-            <a:solidFill>
-              <a:schemeClr val="accent1"/>
-            </a:solidFill>
-            <a:ln>
-              <a:noFill/>
-            </a:ln>
-          </p:spPr>
-          <p:style>
-            <a:lnRef idx="2">
-              <a:schemeClr val="accent1">
-                <a:shade val="50000"/>
-              </a:schemeClr>
-            </a:lnRef>
-            <a:fillRef idx="1">
-              <a:schemeClr val="accent1"/>
-            </a:fillRef>
-            <a:effectRef idx="0">
-              <a:schemeClr val="accent1"/>
-            </a:effectRef>
-            <a:fontRef idx="minor">
-              <a:schemeClr val="lt1"/>
-            </a:fontRef>
-          </p:style>
-          <p:txBody>
-            <a:bodyPr rtlCol="0" anchor="ctr"/>
-            <a:lstStyle/>
-            <a:p>
-              <a:pPr algn="ctr"/>
-              <a:endParaRPr lang="en-US"/>
-            </a:p>
-          </p:txBody>
-        </p:sp>
-        <p:sp>
-          <p:nvSpPr>
-            <p:cNvPr id="68" name="Rectangle 59">
-              <a:extLst>
-                <a:ext uri="{FF2B5EF4-FFF2-40B4-BE49-F238E27FC236}">
-                  <a16:creationId xmlns:a16="http://schemas.microsoft.com/office/drawing/2014/main" id="{8E9B4D31-E05A-4E7D-8A56-C562541ED3B2}"/>
-                </a:ext>
-                <a:ext uri="{C183D7F6-B498-43B3-948B-1728B52AA6E4}">
-                  <adec:decorative xmlns:adec="http://schemas.microsoft.com/office/drawing/2017/decorative" val="1"/>
-                </a:ext>
-              </a:extLst>
-            </p:cNvPr>
-            <p:cNvSpPr/>
-            <p:nvPr>
-              <p:extLst>
-                <p:ext uri="{386F3935-93C4-4BCD-93E2-E3B085C9AB24}">
-                  <p16:designElem xmlns:p16="http://schemas.microsoft.com/office/powerpoint/2015/main" val="1"/>
-                </p:ext>
-              </p:extLst>
-            </p:nvPr>
-          </p:nvSpPr>
-          <p:spPr>
-            <a:xfrm rot="5400000">
-              <a:off x="1614536" y="6236208"/>
-              <a:ext cx="61834" cy="59227"/>
-            </a:xfrm>
-            <a:prstGeom prst="ellipse">
-              <a:avLst/>
-            </a:prstGeom>
-            <a:solidFill>
-              <a:schemeClr val="accent1"/>
-            </a:solidFill>
-            <a:ln>
-              <a:noFill/>
-            </a:ln>
-          </p:spPr>
-          <p:style>
-            <a:lnRef idx="2">
-              <a:schemeClr val="accent1">
-                <a:shade val="50000"/>
-              </a:schemeClr>
-            </a:lnRef>
-            <a:fillRef idx="1">
-              <a:schemeClr val="accent1"/>
-            </a:fillRef>
-            <a:effectRef idx="0">
-              <a:schemeClr val="accent1"/>
-            </a:effectRef>
-            <a:fontRef idx="minor">
-              <a:schemeClr val="lt1"/>
-            </a:fontRef>
-          </p:style>
-          <p:txBody>
-            <a:bodyPr rtlCol="0" anchor="ctr"/>
-            <a:lstStyle/>
-            <a:p>
-              <a:pPr algn="ctr"/>
-              <a:endParaRPr lang="en-US"/>
-            </a:p>
-          </p:txBody>
-        </p:sp>
-        <p:sp>
-          <p:nvSpPr>
-            <p:cNvPr id="69" name="Rectangle 62">
-              <a:extLst>
-                <a:ext uri="{FF2B5EF4-FFF2-40B4-BE49-F238E27FC236}">
-                  <a16:creationId xmlns:a16="http://schemas.microsoft.com/office/drawing/2014/main" id="{93428BD4-1FAC-4787-9AA1-FC5CBB774FEF}"/>
-                </a:ext>
-                <a:ext uri="{C183D7F6-B498-43B3-948B-1728B52AA6E4}">
-                  <adec:decorative xmlns:adec="http://schemas.microsoft.com/office/drawing/2017/decorative" val="1"/>
-                </a:ext>
-              </a:extLst>
-            </p:cNvPr>
-            <p:cNvSpPr/>
-            <p:nvPr>
-              <p:extLst>
-                <p:ext uri="{386F3935-93C4-4BCD-93E2-E3B085C9AB24}">
-                  <p16:designElem xmlns:p16="http://schemas.microsoft.com/office/powerpoint/2015/main" val="1"/>
-                </p:ext>
-              </p:extLst>
-            </p:nvPr>
-          </p:nvSpPr>
-          <p:spPr>
-            <a:xfrm rot="5400000">
-              <a:off x="1438030" y="6236208"/>
-              <a:ext cx="61834" cy="59227"/>
-            </a:xfrm>
-            <a:prstGeom prst="ellipse">
-              <a:avLst/>
-            </a:prstGeom>
-            <a:solidFill>
-              <a:schemeClr val="accent1"/>
-            </a:solidFill>
-            <a:ln>
-              <a:noFill/>
-            </a:ln>
-          </p:spPr>
-          <p:style>
-            <a:lnRef idx="2">
-              <a:schemeClr val="accent1">
-                <a:shade val="50000"/>
-              </a:schemeClr>
-            </a:lnRef>
-            <a:fillRef idx="1">
-              <a:schemeClr val="accent1"/>
-            </a:fillRef>
-            <a:effectRef idx="0">
-              <a:schemeClr val="accent1"/>
-            </a:effectRef>
-            <a:fontRef idx="minor">
-              <a:schemeClr val="lt1"/>
-            </a:fontRef>
-          </p:style>
-          <p:txBody>
-            <a:bodyPr rtlCol="0" anchor="ctr"/>
-            <a:lstStyle/>
-            <a:p>
-              <a:pPr algn="ctr"/>
-              <a:endParaRPr lang="en-US"/>
-            </a:p>
-          </p:txBody>
-        </p:sp>
-        <p:sp>
-          <p:nvSpPr>
-            <p:cNvPr id="70" name="Rectangle 64">
-              <a:extLst>
-                <a:ext uri="{FF2B5EF4-FFF2-40B4-BE49-F238E27FC236}">
-                  <a16:creationId xmlns:a16="http://schemas.microsoft.com/office/drawing/2014/main" id="{1D135659-17FB-4608-96AC-F24CCE472ABF}"/>
-                </a:ext>
-                <a:ext uri="{C183D7F6-B498-43B3-948B-1728B52AA6E4}">
-                  <adec:decorative xmlns:adec="http://schemas.microsoft.com/office/drawing/2017/decorative" val="1"/>
-                </a:ext>
-              </a:extLst>
-            </p:cNvPr>
-            <p:cNvSpPr/>
-            <p:nvPr>
-              <p:extLst>
-                <p:ext uri="{386F3935-93C4-4BCD-93E2-E3B085C9AB24}">
-                  <p16:designElem xmlns:p16="http://schemas.microsoft.com/office/powerpoint/2015/main" val="1"/>
-                </p:ext>
-              </p:extLst>
-            </p:nvPr>
-          </p:nvSpPr>
-          <p:spPr>
-            <a:xfrm rot="5400000">
-              <a:off x="1261525" y="6236208"/>
-              <a:ext cx="61834" cy="59227"/>
-            </a:xfrm>
-            <a:prstGeom prst="ellipse">
-              <a:avLst/>
-            </a:prstGeom>
-            <a:solidFill>
-              <a:schemeClr val="accent1"/>
-            </a:solidFill>
-            <a:ln>
-              <a:noFill/>
-            </a:ln>
-          </p:spPr>
-          <p:style>
-            <a:lnRef idx="2">
-              <a:schemeClr val="accent1">
-                <a:shade val="50000"/>
-              </a:schemeClr>
-            </a:lnRef>
-            <a:fillRef idx="1">
-              <a:schemeClr val="accent1"/>
-            </a:fillRef>
-            <a:effectRef idx="0">
-              <a:schemeClr val="accent1"/>
-            </a:effectRef>
-            <a:fontRef idx="minor">
-              <a:schemeClr val="lt1"/>
-            </a:fontRef>
-          </p:style>
-          <p:txBody>
-            <a:bodyPr rtlCol="0" anchor="ctr"/>
-            <a:lstStyle/>
-            <a:p>
-              <a:pPr algn="ctr"/>
-              <a:endParaRPr lang="en-US"/>
-            </a:p>
-          </p:txBody>
-        </p:sp>
-        <p:sp>
-          <p:nvSpPr>
-            <p:cNvPr id="71" name="Rectangle 66">
-              <a:extLst>
-                <a:ext uri="{FF2B5EF4-FFF2-40B4-BE49-F238E27FC236}">
-                  <a16:creationId xmlns:a16="http://schemas.microsoft.com/office/drawing/2014/main" id="{74EE7C46-2E61-420E-B31B-029596C8EC42}"/>
-                </a:ext>
-                <a:ext uri="{C183D7F6-B498-43B3-948B-1728B52AA6E4}">
-                  <adec:decorative xmlns:adec="http://schemas.microsoft.com/office/drawing/2017/decorative" val="1"/>
-                </a:ext>
-              </a:extLst>
-            </p:cNvPr>
-            <p:cNvSpPr/>
-            <p:nvPr>
-              <p:extLst>
-                <p:ext uri="{386F3935-93C4-4BCD-93E2-E3B085C9AB24}">
-                  <p16:designElem xmlns:p16="http://schemas.microsoft.com/office/powerpoint/2015/main" val="1"/>
-                </p:ext>
-              </p:extLst>
-            </p:nvPr>
-          </p:nvSpPr>
-          <p:spPr>
-            <a:xfrm rot="5400000">
-              <a:off x="1085019" y="6236208"/>
-              <a:ext cx="61834" cy="59227"/>
-            </a:xfrm>
-            <a:prstGeom prst="ellipse">
-              <a:avLst/>
-            </a:prstGeom>
-            <a:solidFill>
-              <a:schemeClr val="accent1"/>
-            </a:solidFill>
-            <a:ln>
-              <a:noFill/>
-            </a:ln>
-          </p:spPr>
-          <p:style>
-            <a:lnRef idx="2">
-              <a:schemeClr val="accent1">
-                <a:shade val="50000"/>
-              </a:schemeClr>
-            </a:lnRef>
-            <a:fillRef idx="1">
-              <a:schemeClr val="accent1"/>
-            </a:fillRef>
-            <a:effectRef idx="0">
-              <a:schemeClr val="accent1"/>
-            </a:effectRef>
-            <a:fontRef idx="minor">
-              <a:schemeClr val="lt1"/>
-            </a:fontRef>
-          </p:style>
-          <p:txBody>
-            <a:bodyPr rtlCol="0" anchor="ctr"/>
-            <a:lstStyle/>
-            <a:p>
-              <a:pPr algn="ctr"/>
-              <a:endParaRPr lang="en-US"/>
-            </a:p>
-          </p:txBody>
-        </p:sp>
-        <p:sp>
-          <p:nvSpPr>
-            <p:cNvPr id="72" name="Rectangle 64">
-              <a:extLst>
-                <a:ext uri="{FF2B5EF4-FFF2-40B4-BE49-F238E27FC236}">
-                  <a16:creationId xmlns:a16="http://schemas.microsoft.com/office/drawing/2014/main" id="{34BA1140-4B7D-470A-89AB-5ECD86F33D0F}"/>
-                </a:ext>
-                <a:ext uri="{C183D7F6-B498-43B3-948B-1728B52AA6E4}">
-                  <adec:decorative xmlns:adec="http://schemas.microsoft.com/office/drawing/2017/decorative" val="1"/>
-                </a:ext>
-              </a:extLst>
-            </p:cNvPr>
-            <p:cNvSpPr/>
-            <p:nvPr>
-              <p:extLst>
-                <p:ext uri="{386F3935-93C4-4BCD-93E2-E3B085C9AB24}">
-                  <p16:designElem xmlns:p16="http://schemas.microsoft.com/office/powerpoint/2015/main" val="1"/>
-                </p:ext>
-              </p:extLst>
-            </p:nvPr>
-          </p:nvSpPr>
-          <p:spPr>
-            <a:xfrm rot="5400000">
-              <a:off x="2129443" y="6236208"/>
-              <a:ext cx="61834" cy="59227"/>
-            </a:xfrm>
-            <a:prstGeom prst="ellipse">
-              <a:avLst/>
-            </a:prstGeom>
-            <a:solidFill>
-              <a:schemeClr val="accent1"/>
-            </a:solidFill>
-            <a:ln>
-              <a:noFill/>
-            </a:ln>
-          </p:spPr>
-          <p:style>
-            <a:lnRef idx="2">
-              <a:schemeClr val="accent1">
-                <a:shade val="50000"/>
-              </a:schemeClr>
-            </a:lnRef>
-            <a:fillRef idx="1">
-              <a:schemeClr val="accent1"/>
-            </a:fillRef>
-            <a:effectRef idx="0">
-              <a:schemeClr val="accent1"/>
-            </a:effectRef>
-            <a:fontRef idx="minor">
-              <a:schemeClr val="lt1"/>
-            </a:fontRef>
-          </p:style>
-          <p:txBody>
-            <a:bodyPr rtlCol="0" anchor="ctr"/>
-            <a:lstStyle/>
-            <a:p>
-              <a:pPr algn="ctr"/>
-              <a:endParaRPr lang="en-US"/>
-            </a:p>
-          </p:txBody>
-        </p:sp>
-        <p:sp>
-          <p:nvSpPr>
-            <p:cNvPr id="73" name="Rectangle 66">
-              <a:extLst>
-                <a:ext uri="{FF2B5EF4-FFF2-40B4-BE49-F238E27FC236}">
-                  <a16:creationId xmlns:a16="http://schemas.microsoft.com/office/drawing/2014/main" id="{511C9377-6DD9-4F1A-A41B-C95948820C68}"/>
-                </a:ext>
-                <a:ext uri="{C183D7F6-B498-43B3-948B-1728B52AA6E4}">
-                  <adec:decorative xmlns:adec="http://schemas.microsoft.com/office/drawing/2017/decorative" val="1"/>
-                </a:ext>
-              </a:extLst>
-            </p:cNvPr>
-            <p:cNvSpPr/>
-            <p:nvPr>
-              <p:extLst>
-                <p:ext uri="{386F3935-93C4-4BCD-93E2-E3B085C9AB24}">
-                  <p16:designElem xmlns:p16="http://schemas.microsoft.com/office/powerpoint/2015/main" val="1"/>
-                </p:ext>
-              </p:extLst>
-            </p:nvPr>
-          </p:nvSpPr>
-          <p:spPr>
-            <a:xfrm rot="5400000">
-              <a:off x="1952937" y="6236208"/>
-              <a:ext cx="61834" cy="59227"/>
-            </a:xfrm>
-            <a:prstGeom prst="ellipse">
-              <a:avLst/>
-            </a:prstGeom>
-            <a:solidFill>
-              <a:schemeClr val="accent1"/>
-            </a:solidFill>
-            <a:ln>
-              <a:noFill/>
-            </a:ln>
-          </p:spPr>
-          <p:style>
-            <a:lnRef idx="2">
-              <a:schemeClr val="accent1">
-                <a:shade val="50000"/>
-              </a:schemeClr>
-            </a:lnRef>
-            <a:fillRef idx="1">
-              <a:schemeClr val="accent1"/>
-            </a:fillRef>
-            <a:effectRef idx="0">
-              <a:schemeClr val="accent1"/>
-            </a:effectRef>
-            <a:fontRef idx="minor">
-              <a:schemeClr val="lt1"/>
-            </a:fontRef>
-          </p:style>
-          <p:txBody>
-            <a:bodyPr rtlCol="0" anchor="ctr"/>
-            <a:lstStyle/>
-            <a:p>
-              <a:pPr algn="ctr"/>
-              <a:endParaRPr lang="en-US"/>
-            </a:p>
-          </p:txBody>
-        </p:sp>
-        <p:sp>
-          <p:nvSpPr>
-            <p:cNvPr id="74" name="Rectangle 59">
-              <a:extLst>
-                <a:ext uri="{FF2B5EF4-FFF2-40B4-BE49-F238E27FC236}">
-                  <a16:creationId xmlns:a16="http://schemas.microsoft.com/office/drawing/2014/main" id="{0504F994-6E0D-4041-9DC7-D1CFD8A4A4D1}"/>
-                </a:ext>
-                <a:ext uri="{C183D7F6-B498-43B3-948B-1728B52AA6E4}">
-                  <adec:decorative xmlns:adec="http://schemas.microsoft.com/office/drawing/2017/decorative" val="1"/>
-                </a:ext>
-              </a:extLst>
-            </p:cNvPr>
-            <p:cNvSpPr/>
-            <p:nvPr>
-              <p:extLst>
-                <p:ext uri="{386F3935-93C4-4BCD-93E2-E3B085C9AB24}">
-                  <p16:designElem xmlns:p16="http://schemas.microsoft.com/office/powerpoint/2015/main" val="1"/>
-                </p:ext>
-              </p:extLst>
-            </p:nvPr>
-          </p:nvSpPr>
-          <p:spPr>
-            <a:xfrm rot="5400000">
-              <a:off x="904256" y="6236208"/>
-              <a:ext cx="61834" cy="59227"/>
-            </a:xfrm>
-            <a:prstGeom prst="ellipse">
-              <a:avLst/>
-            </a:prstGeom>
-            <a:solidFill>
-              <a:schemeClr val="accent1"/>
-            </a:solidFill>
-            <a:ln>
-              <a:noFill/>
-            </a:ln>
-          </p:spPr>
-          <p:style>
-            <a:lnRef idx="2">
-              <a:schemeClr val="accent1">
-                <a:shade val="50000"/>
-              </a:schemeClr>
-            </a:lnRef>
-            <a:fillRef idx="1">
-              <a:schemeClr val="accent1"/>
-            </a:fillRef>
-            <a:effectRef idx="0">
-              <a:schemeClr val="accent1"/>
-            </a:effectRef>
-            <a:fontRef idx="minor">
-              <a:schemeClr val="lt1"/>
-            </a:fontRef>
-          </p:style>
-          <p:txBody>
-            <a:bodyPr rtlCol="0" anchor="ctr"/>
-            <a:lstStyle/>
-            <a:p>
-              <a:pPr algn="ctr"/>
-              <a:endParaRPr lang="en-US"/>
-            </a:p>
-          </p:txBody>
-        </p:sp>
-        <p:sp>
-          <p:nvSpPr>
-            <p:cNvPr id="75" name="Rectangle 62">
-              <a:extLst>
-                <a:ext uri="{FF2B5EF4-FFF2-40B4-BE49-F238E27FC236}">
-                  <a16:creationId xmlns:a16="http://schemas.microsoft.com/office/drawing/2014/main" id="{5659E4DD-A63A-4491-AEBA-72FCD74DF164}"/>
-                </a:ext>
-                <a:ext uri="{C183D7F6-B498-43B3-948B-1728B52AA6E4}">
-                  <adec:decorative xmlns:adec="http://schemas.microsoft.com/office/drawing/2017/decorative" val="1"/>
-                </a:ext>
-              </a:extLst>
-            </p:cNvPr>
-            <p:cNvSpPr/>
-            <p:nvPr>
-              <p:extLst>
-                <p:ext uri="{386F3935-93C4-4BCD-93E2-E3B085C9AB24}">
-                  <p16:designElem xmlns:p16="http://schemas.microsoft.com/office/powerpoint/2015/main" val="1"/>
-                </p:ext>
-              </p:extLst>
-            </p:nvPr>
-          </p:nvSpPr>
-          <p:spPr>
-            <a:xfrm rot="5400000">
-              <a:off x="722376" y="6081943"/>
-              <a:ext cx="61834" cy="59227"/>
-            </a:xfrm>
-            <a:prstGeom prst="ellipse">
-              <a:avLst/>
-            </a:prstGeom>
-            <a:solidFill>
-              <a:schemeClr val="accent1"/>
-            </a:solidFill>
-            <a:ln>
-              <a:noFill/>
-            </a:ln>
-          </p:spPr>
-          <p:style>
-            <a:lnRef idx="2">
-              <a:schemeClr val="accent1">
-                <a:shade val="50000"/>
-              </a:schemeClr>
-            </a:lnRef>
-            <a:fillRef idx="1">
-              <a:schemeClr val="accent1"/>
-            </a:fillRef>
-            <a:effectRef idx="0">
-              <a:schemeClr val="accent1"/>
-            </a:effectRef>
-            <a:fontRef idx="minor">
-              <a:schemeClr val="lt1"/>
-            </a:fontRef>
-          </p:style>
-          <p:txBody>
-            <a:bodyPr rtlCol="0" anchor="ctr"/>
-            <a:lstStyle/>
-            <a:p>
-              <a:pPr algn="ctr"/>
-              <a:endParaRPr lang="en-US"/>
-            </a:p>
-          </p:txBody>
-        </p:sp>
-        <p:sp>
-          <p:nvSpPr>
-            <p:cNvPr id="76" name="Rectangle 2">
-              <a:extLst>
-                <a:ext uri="{FF2B5EF4-FFF2-40B4-BE49-F238E27FC236}">
-                  <a16:creationId xmlns:a16="http://schemas.microsoft.com/office/drawing/2014/main" id="{B9944A99-79E2-447E-9284-EC1B592E8CA8}"/>
-                </a:ext>
-                <a:ext uri="{C183D7F6-B498-43B3-948B-1728B52AA6E4}">
-                  <adec:decorative xmlns:adec="http://schemas.microsoft.com/office/drawing/2017/decorative" val="1"/>
-                </a:ext>
-              </a:extLst>
-            </p:cNvPr>
-            <p:cNvSpPr/>
-            <p:nvPr>
-              <p:extLst>
-                <p:ext uri="{386F3935-93C4-4BCD-93E2-E3B085C9AB24}">
-                  <p16:designElem xmlns:p16="http://schemas.microsoft.com/office/powerpoint/2015/main" val="1"/>
-                </p:ext>
-              </p:extLst>
-            </p:nvPr>
-          </p:nvSpPr>
-          <p:spPr>
-            <a:xfrm rot="5400000">
-              <a:off x="2463937" y="6236208"/>
-              <a:ext cx="61834" cy="59227"/>
-            </a:xfrm>
-            <a:prstGeom prst="ellipse">
-              <a:avLst/>
-            </a:prstGeom>
-            <a:solidFill>
-              <a:schemeClr val="accent1"/>
-            </a:solidFill>
-            <a:ln>
-              <a:noFill/>
-            </a:ln>
-          </p:spPr>
-          <p:style>
-            <a:lnRef idx="2">
-              <a:schemeClr val="accent1">
-                <a:shade val="50000"/>
-              </a:schemeClr>
-            </a:lnRef>
-            <a:fillRef idx="1">
-              <a:schemeClr val="accent1"/>
-            </a:fillRef>
-            <a:effectRef idx="0">
-              <a:schemeClr val="accent1"/>
-            </a:effectRef>
-            <a:fontRef idx="minor">
-              <a:schemeClr val="lt1"/>
-            </a:fontRef>
-          </p:style>
-          <p:txBody>
-            <a:bodyPr rtlCol="0" anchor="ctr"/>
-            <a:lstStyle/>
-            <a:p>
-              <a:pPr algn="ctr"/>
-              <a:endParaRPr lang="en-US"/>
-            </a:p>
-          </p:txBody>
-        </p:sp>
-        <p:sp>
-          <p:nvSpPr>
-            <p:cNvPr id="77" name="Rectangle 59">
-              <a:extLst>
-                <a:ext uri="{FF2B5EF4-FFF2-40B4-BE49-F238E27FC236}">
-                  <a16:creationId xmlns:a16="http://schemas.microsoft.com/office/drawing/2014/main" id="{DBF4BF14-3453-4FF9-85F7-E9E733F10C80}"/>
-                </a:ext>
-                <a:ext uri="{C183D7F6-B498-43B3-948B-1728B52AA6E4}">
-                  <adec:decorative xmlns:adec="http://schemas.microsoft.com/office/drawing/2017/decorative" val="1"/>
-                </a:ext>
-              </a:extLst>
-            </p:cNvPr>
-            <p:cNvSpPr/>
-            <p:nvPr>
-              <p:extLst>
-                <p:ext uri="{386F3935-93C4-4BCD-93E2-E3B085C9AB24}">
-                  <p16:designElem xmlns:p16="http://schemas.microsoft.com/office/powerpoint/2015/main" val="1"/>
-                </p:ext>
-              </p:extLst>
-            </p:nvPr>
-          </p:nvSpPr>
-          <p:spPr>
-            <a:xfrm rot="5400000">
-              <a:off x="2287432" y="6236208"/>
-              <a:ext cx="61834" cy="59227"/>
-            </a:xfrm>
-            <a:prstGeom prst="ellipse">
-              <a:avLst/>
-            </a:prstGeom>
-            <a:solidFill>
-              <a:schemeClr val="accent1"/>
-            </a:solidFill>
-            <a:ln>
-              <a:noFill/>
-            </a:ln>
-          </p:spPr>
-          <p:style>
-            <a:lnRef idx="2">
-              <a:schemeClr val="accent1">
-                <a:shade val="50000"/>
-              </a:schemeClr>
-            </a:lnRef>
-            <a:fillRef idx="1">
-              <a:schemeClr val="accent1"/>
-            </a:fillRef>
-            <a:effectRef idx="0">
-              <a:schemeClr val="accent1"/>
-            </a:effectRef>
-            <a:fontRef idx="minor">
-              <a:schemeClr val="lt1"/>
-            </a:fontRef>
-          </p:style>
-          <p:txBody>
-            <a:bodyPr rtlCol="0" anchor="ctr"/>
-            <a:lstStyle/>
-            <a:p>
-              <a:pPr algn="ctr"/>
-              <a:endParaRPr lang="en-US"/>
-            </a:p>
-          </p:txBody>
-        </p:sp>
-        <p:sp>
-          <p:nvSpPr>
-            <p:cNvPr id="78" name="Rectangle 64">
-              <a:extLst>
-                <a:ext uri="{FF2B5EF4-FFF2-40B4-BE49-F238E27FC236}">
-                  <a16:creationId xmlns:a16="http://schemas.microsoft.com/office/drawing/2014/main" id="{2DA66C45-B912-45BA-9323-5B1EA530D7B0}"/>
-                </a:ext>
-                <a:ext uri="{C183D7F6-B498-43B3-948B-1728B52AA6E4}">
-                  <adec:decorative xmlns:adec="http://schemas.microsoft.com/office/drawing/2017/decorative" val="1"/>
-                </a:ext>
-              </a:extLst>
-            </p:cNvPr>
-            <p:cNvSpPr/>
-            <p:nvPr>
-              <p:extLst>
-                <p:ext uri="{386F3935-93C4-4BCD-93E2-E3B085C9AB24}">
-                  <p16:designElem xmlns:p16="http://schemas.microsoft.com/office/powerpoint/2015/main" val="1"/>
-                </p:ext>
-              </p:extLst>
-            </p:nvPr>
-          </p:nvSpPr>
-          <p:spPr>
-            <a:xfrm rot="5400000">
-              <a:off x="2802339" y="6236208"/>
-              <a:ext cx="61834" cy="59227"/>
-            </a:xfrm>
-            <a:prstGeom prst="ellipse">
-              <a:avLst/>
-            </a:prstGeom>
-            <a:solidFill>
-              <a:schemeClr val="accent1"/>
-            </a:solidFill>
-            <a:ln>
-              <a:noFill/>
-            </a:ln>
-          </p:spPr>
-          <p:style>
-            <a:lnRef idx="2">
-              <a:schemeClr val="accent1">
-                <a:shade val="50000"/>
-              </a:schemeClr>
-            </a:lnRef>
-            <a:fillRef idx="1">
-              <a:schemeClr val="accent1"/>
-            </a:fillRef>
-            <a:effectRef idx="0">
-              <a:schemeClr val="accent1"/>
-            </a:effectRef>
-            <a:fontRef idx="minor">
-              <a:schemeClr val="lt1"/>
-            </a:fontRef>
-          </p:style>
-          <p:txBody>
-            <a:bodyPr rtlCol="0" anchor="ctr"/>
-            <a:lstStyle/>
-            <a:p>
-              <a:pPr algn="ctr"/>
-              <a:endParaRPr lang="en-US"/>
-            </a:p>
-          </p:txBody>
-        </p:sp>
-        <p:sp>
-          <p:nvSpPr>
-            <p:cNvPr id="79" name="Rectangle 66">
-              <a:extLst>
-                <a:ext uri="{FF2B5EF4-FFF2-40B4-BE49-F238E27FC236}">
-                  <a16:creationId xmlns:a16="http://schemas.microsoft.com/office/drawing/2014/main" id="{EDAD5672-DC76-4848-9271-E97CB288F359}"/>
-                </a:ext>
-                <a:ext uri="{C183D7F6-B498-43B3-948B-1728B52AA6E4}">
-                  <adec:decorative xmlns:adec="http://schemas.microsoft.com/office/drawing/2017/decorative" val="1"/>
-                </a:ext>
-              </a:extLst>
-            </p:cNvPr>
-            <p:cNvSpPr/>
-            <p:nvPr>
-              <p:extLst>
-                <p:ext uri="{386F3935-93C4-4BCD-93E2-E3B085C9AB24}">
-                  <p16:designElem xmlns:p16="http://schemas.microsoft.com/office/powerpoint/2015/main" val="1"/>
-                </p:ext>
-              </p:extLst>
-            </p:nvPr>
-          </p:nvSpPr>
-          <p:spPr>
-            <a:xfrm rot="5400000">
-              <a:off x="2625833" y="6236208"/>
-              <a:ext cx="61834" cy="59227"/>
-            </a:xfrm>
-            <a:prstGeom prst="ellipse">
-              <a:avLst/>
-            </a:prstGeom>
-            <a:solidFill>
-              <a:schemeClr val="accent1"/>
-            </a:solidFill>
-            <a:ln>
-              <a:noFill/>
-            </a:ln>
-          </p:spPr>
-          <p:style>
-            <a:lnRef idx="2">
-              <a:schemeClr val="accent1">
-                <a:shade val="50000"/>
-              </a:schemeClr>
-            </a:lnRef>
-            <a:fillRef idx="1">
-              <a:schemeClr val="accent1"/>
-            </a:fillRef>
-            <a:effectRef idx="0">
-              <a:schemeClr val="accent1"/>
-            </a:effectRef>
-            <a:fontRef idx="minor">
-              <a:schemeClr val="lt1"/>
-            </a:fontRef>
-          </p:style>
-          <p:txBody>
-            <a:bodyPr rtlCol="0" anchor="ctr"/>
-            <a:lstStyle/>
-            <a:p>
-              <a:pPr algn="ctr"/>
-              <a:endParaRPr lang="en-US"/>
-            </a:p>
-          </p:txBody>
-        </p:sp>
-        <p:sp>
-          <p:nvSpPr>
-            <p:cNvPr id="80" name="Rectangle 2">
-              <a:extLst>
-                <a:ext uri="{FF2B5EF4-FFF2-40B4-BE49-F238E27FC236}">
-                  <a16:creationId xmlns:a16="http://schemas.microsoft.com/office/drawing/2014/main" id="{D9AC9B2A-5846-421F-B949-5F9E8A765DDB}"/>
-                </a:ext>
-                <a:ext uri="{C183D7F6-B498-43B3-948B-1728B52AA6E4}">
-                  <adec:decorative xmlns:adec="http://schemas.microsoft.com/office/drawing/2017/decorative" val="1"/>
-                </a:ext>
-              </a:extLst>
-            </p:cNvPr>
-            <p:cNvSpPr/>
-            <p:nvPr>
-              <p:extLst>
-                <p:ext uri="{386F3935-93C4-4BCD-93E2-E3B085C9AB24}">
-                  <p16:designElem xmlns:p16="http://schemas.microsoft.com/office/powerpoint/2015/main" val="1"/>
-                </p:ext>
-              </p:extLst>
-            </p:nvPr>
-          </p:nvSpPr>
-          <p:spPr>
-            <a:xfrm rot="5400000">
-              <a:off x="1787456" y="6236208"/>
-              <a:ext cx="61834" cy="59227"/>
-            </a:xfrm>
-            <a:prstGeom prst="ellipse">
-              <a:avLst/>
-            </a:prstGeom>
-            <a:solidFill>
-              <a:schemeClr val="accent1"/>
-            </a:solidFill>
-            <a:ln>
-              <a:noFill/>
-            </a:ln>
-          </p:spPr>
-          <p:style>
-            <a:lnRef idx="2">
-              <a:schemeClr val="accent1">
-                <a:shade val="50000"/>
-              </a:schemeClr>
-            </a:lnRef>
-            <a:fillRef idx="1">
-              <a:schemeClr val="accent1"/>
-            </a:fillRef>
-            <a:effectRef idx="0">
-              <a:schemeClr val="accent1"/>
-            </a:effectRef>
-            <a:fontRef idx="minor">
-              <a:schemeClr val="lt1"/>
-            </a:fontRef>
-          </p:style>
-          <p:txBody>
-            <a:bodyPr rtlCol="0" anchor="ctr"/>
-            <a:lstStyle/>
-            <a:p>
-              <a:pPr algn="ctr"/>
-              <a:endParaRPr lang="en-US"/>
-            </a:p>
-          </p:txBody>
-        </p:sp>
-        <p:sp>
-          <p:nvSpPr>
-            <p:cNvPr id="81" name="Rectangle 59">
-              <a:extLst>
-                <a:ext uri="{FF2B5EF4-FFF2-40B4-BE49-F238E27FC236}">
-                  <a16:creationId xmlns:a16="http://schemas.microsoft.com/office/drawing/2014/main" id="{C3D23971-D123-43F8-AF8A-C48A7231EAD2}"/>
-                </a:ext>
-                <a:ext uri="{C183D7F6-B498-43B3-948B-1728B52AA6E4}">
-                  <adec:decorative xmlns:adec="http://schemas.microsoft.com/office/drawing/2017/decorative" val="1"/>
-                </a:ext>
-              </a:extLst>
-            </p:cNvPr>
-            <p:cNvSpPr/>
-            <p:nvPr>
-              <p:extLst>
-                <p:ext uri="{386F3935-93C4-4BCD-93E2-E3B085C9AB24}">
-                  <p16:designElem xmlns:p16="http://schemas.microsoft.com/office/powerpoint/2015/main" val="1"/>
-                </p:ext>
-              </p:extLst>
-            </p:nvPr>
-          </p:nvSpPr>
-          <p:spPr>
-            <a:xfrm rot="5400000">
-              <a:off x="1610951" y="6236208"/>
-              <a:ext cx="61834" cy="59227"/>
-            </a:xfrm>
-            <a:prstGeom prst="ellipse">
-              <a:avLst/>
-            </a:prstGeom>
-            <a:solidFill>
-              <a:schemeClr val="accent1"/>
-            </a:solidFill>
-            <a:ln>
-              <a:noFill/>
-            </a:ln>
-          </p:spPr>
-          <p:style>
-            <a:lnRef idx="2">
-              <a:schemeClr val="accent1">
-                <a:shade val="50000"/>
-              </a:schemeClr>
-            </a:lnRef>
-            <a:fillRef idx="1">
-              <a:schemeClr val="accent1"/>
-            </a:fillRef>
-            <a:effectRef idx="0">
-              <a:schemeClr val="accent1"/>
-            </a:effectRef>
-            <a:fontRef idx="minor">
-              <a:schemeClr val="lt1"/>
-            </a:fontRef>
-          </p:style>
-          <p:txBody>
-            <a:bodyPr rtlCol="0" anchor="ctr"/>
-            <a:lstStyle/>
-            <a:p>
-              <a:pPr algn="ctr"/>
-              <a:endParaRPr lang="en-US"/>
-            </a:p>
-          </p:txBody>
-        </p:sp>
-        <p:sp>
-          <p:nvSpPr>
-            <p:cNvPr id="82" name="Rectangle 62">
-              <a:extLst>
-                <a:ext uri="{FF2B5EF4-FFF2-40B4-BE49-F238E27FC236}">
-                  <a16:creationId xmlns:a16="http://schemas.microsoft.com/office/drawing/2014/main" id="{C91FB00D-0CD8-4FF0-A27B-7AA4D181FC67}"/>
-                </a:ext>
-                <a:ext uri="{C183D7F6-B498-43B3-948B-1728B52AA6E4}">
-                  <adec:decorative xmlns:adec="http://schemas.microsoft.com/office/drawing/2017/decorative" val="1"/>
-                </a:ext>
-              </a:extLst>
-            </p:cNvPr>
-            <p:cNvSpPr/>
-            <p:nvPr>
-              <p:extLst>
-                <p:ext uri="{386F3935-93C4-4BCD-93E2-E3B085C9AB24}">
-                  <p16:designElem xmlns:p16="http://schemas.microsoft.com/office/powerpoint/2015/main" val="1"/>
-                </p:ext>
-              </p:extLst>
-            </p:nvPr>
-          </p:nvSpPr>
-          <p:spPr>
-            <a:xfrm rot="5400000">
-              <a:off x="1434445" y="6236208"/>
-              <a:ext cx="61834" cy="59227"/>
-            </a:xfrm>
-            <a:prstGeom prst="ellipse">
-              <a:avLst/>
-            </a:prstGeom>
-            <a:solidFill>
-              <a:schemeClr val="accent1"/>
-            </a:solidFill>
-            <a:ln>
-              <a:noFill/>
-            </a:ln>
-          </p:spPr>
-          <p:style>
-            <a:lnRef idx="2">
-              <a:schemeClr val="accent1">
-                <a:shade val="50000"/>
-              </a:schemeClr>
-            </a:lnRef>
-            <a:fillRef idx="1">
-              <a:schemeClr val="accent1"/>
-            </a:fillRef>
-            <a:effectRef idx="0">
-              <a:schemeClr val="accent1"/>
-            </a:effectRef>
-            <a:fontRef idx="minor">
-              <a:schemeClr val="lt1"/>
-            </a:fontRef>
-          </p:style>
-          <p:txBody>
-            <a:bodyPr rtlCol="0" anchor="ctr"/>
-            <a:lstStyle/>
-            <a:p>
-              <a:pPr algn="ctr"/>
-              <a:endParaRPr lang="en-US"/>
-            </a:p>
-          </p:txBody>
-        </p:sp>
-        <p:sp>
-          <p:nvSpPr>
-            <p:cNvPr id="83" name="Rectangle 64">
-              <a:extLst>
-                <a:ext uri="{FF2B5EF4-FFF2-40B4-BE49-F238E27FC236}">
-                  <a16:creationId xmlns:a16="http://schemas.microsoft.com/office/drawing/2014/main" id="{DCFD116F-D2E4-4C9E-BC98-710C4FD046D6}"/>
-                </a:ext>
-                <a:ext uri="{C183D7F6-B498-43B3-948B-1728B52AA6E4}">
-                  <adec:decorative xmlns:adec="http://schemas.microsoft.com/office/drawing/2017/decorative" val="1"/>
-                </a:ext>
-              </a:extLst>
-            </p:cNvPr>
-            <p:cNvSpPr/>
-            <p:nvPr>
-              <p:extLst>
-                <p:ext uri="{386F3935-93C4-4BCD-93E2-E3B085C9AB24}">
-                  <p16:designElem xmlns:p16="http://schemas.microsoft.com/office/powerpoint/2015/main" val="1"/>
-                </p:ext>
-              </p:extLst>
-            </p:nvPr>
-          </p:nvSpPr>
-          <p:spPr>
-            <a:xfrm rot="5400000">
-              <a:off x="1257940" y="6236208"/>
-              <a:ext cx="61834" cy="59227"/>
-            </a:xfrm>
-            <a:prstGeom prst="ellipse">
-              <a:avLst/>
-            </a:prstGeom>
-            <a:solidFill>
-              <a:schemeClr val="accent1"/>
-            </a:solidFill>
-            <a:ln>
-              <a:noFill/>
-            </a:ln>
-          </p:spPr>
-          <p:style>
-            <a:lnRef idx="2">
-              <a:schemeClr val="accent1">
-                <a:shade val="50000"/>
-              </a:schemeClr>
-            </a:lnRef>
-            <a:fillRef idx="1">
-              <a:schemeClr val="accent1"/>
-            </a:fillRef>
-            <a:effectRef idx="0">
-              <a:schemeClr val="accent1"/>
-            </a:effectRef>
-            <a:fontRef idx="minor">
-              <a:schemeClr val="lt1"/>
-            </a:fontRef>
-          </p:style>
-          <p:txBody>
-            <a:bodyPr rtlCol="0" anchor="ctr"/>
-            <a:lstStyle/>
-            <a:p>
-              <a:pPr algn="ctr"/>
-              <a:endParaRPr lang="en-US"/>
-            </a:p>
-          </p:txBody>
-        </p:sp>
-        <p:sp>
-          <p:nvSpPr>
-            <p:cNvPr id="84" name="Rectangle 66">
-              <a:extLst>
-                <a:ext uri="{FF2B5EF4-FFF2-40B4-BE49-F238E27FC236}">
-                  <a16:creationId xmlns:a16="http://schemas.microsoft.com/office/drawing/2014/main" id="{5AC24EC8-1619-4FC6-B3B1-91947DFF795E}"/>
-                </a:ext>
-                <a:ext uri="{C183D7F6-B498-43B3-948B-1728B52AA6E4}">
-                  <adec:decorative xmlns:adec="http://schemas.microsoft.com/office/drawing/2017/decorative" val="1"/>
-                </a:ext>
-              </a:extLst>
-            </p:cNvPr>
-            <p:cNvSpPr/>
-            <p:nvPr>
-              <p:extLst>
-                <p:ext uri="{386F3935-93C4-4BCD-93E2-E3B085C9AB24}">
-                  <p16:designElem xmlns:p16="http://schemas.microsoft.com/office/powerpoint/2015/main" val="1"/>
-                </p:ext>
-              </p:extLst>
-            </p:nvPr>
-          </p:nvSpPr>
-          <p:spPr>
-            <a:xfrm rot="5400000">
-              <a:off x="1081434" y="6236208"/>
-              <a:ext cx="61834" cy="59227"/>
-            </a:xfrm>
-            <a:prstGeom prst="ellipse">
-              <a:avLst/>
-            </a:prstGeom>
-            <a:solidFill>
-              <a:schemeClr val="accent1"/>
-            </a:solidFill>
-            <a:ln>
-              <a:noFill/>
-            </a:ln>
-          </p:spPr>
-          <p:style>
-            <a:lnRef idx="2">
-              <a:schemeClr val="accent1">
-                <a:shade val="50000"/>
-              </a:schemeClr>
-            </a:lnRef>
-            <a:fillRef idx="1">
-              <a:schemeClr val="accent1"/>
-            </a:fillRef>
-            <a:effectRef idx="0">
-              <a:schemeClr val="accent1"/>
-            </a:effectRef>
-            <a:fontRef idx="minor">
-              <a:schemeClr val="lt1"/>
-            </a:fontRef>
-          </p:style>
-          <p:txBody>
-            <a:bodyPr rtlCol="0" anchor="ctr"/>
-            <a:lstStyle/>
-            <a:p>
-              <a:pPr algn="ctr"/>
-              <a:endParaRPr lang="en-US" dirty="0"/>
-            </a:p>
-          </p:txBody>
-        </p:sp>
-        <p:sp>
-          <p:nvSpPr>
-            <p:cNvPr id="85" name="Rectangle 64">
-              <a:extLst>
-                <a:ext uri="{FF2B5EF4-FFF2-40B4-BE49-F238E27FC236}">
-                  <a16:creationId xmlns:a16="http://schemas.microsoft.com/office/drawing/2014/main" id="{4A815878-6C1D-4E2B-8725-36982C970830}"/>
-                </a:ext>
-                <a:ext uri="{C183D7F6-B498-43B3-948B-1728B52AA6E4}">
-                  <adec:decorative xmlns:adec="http://schemas.microsoft.com/office/drawing/2017/decorative" val="1"/>
-                </a:ext>
-              </a:extLst>
-            </p:cNvPr>
-            <p:cNvSpPr/>
-            <p:nvPr>
-              <p:extLst>
-                <p:ext uri="{386F3935-93C4-4BCD-93E2-E3B085C9AB24}">
-                  <p16:designElem xmlns:p16="http://schemas.microsoft.com/office/powerpoint/2015/main" val="1"/>
-                </p:ext>
-              </p:extLst>
-            </p:nvPr>
-          </p:nvSpPr>
-          <p:spPr>
-            <a:xfrm rot="5400000">
-              <a:off x="2125858" y="6236208"/>
-              <a:ext cx="61834" cy="59227"/>
-            </a:xfrm>
-            <a:prstGeom prst="ellipse">
-              <a:avLst/>
-            </a:prstGeom>
-            <a:solidFill>
-              <a:schemeClr val="accent1"/>
-            </a:solidFill>
-            <a:ln>
-              <a:noFill/>
-            </a:ln>
-          </p:spPr>
-          <p:style>
-            <a:lnRef idx="2">
-              <a:schemeClr val="accent1">
-                <a:shade val="50000"/>
-              </a:schemeClr>
-            </a:lnRef>
-            <a:fillRef idx="1">
-              <a:schemeClr val="accent1"/>
-            </a:fillRef>
-            <a:effectRef idx="0">
-              <a:schemeClr val="accent1"/>
-            </a:effectRef>
-            <a:fontRef idx="minor">
-              <a:schemeClr val="lt1"/>
-            </a:fontRef>
-          </p:style>
-          <p:txBody>
-            <a:bodyPr rtlCol="0" anchor="ctr"/>
-            <a:lstStyle/>
-            <a:p>
-              <a:pPr algn="ctr"/>
-              <a:endParaRPr lang="en-US"/>
-            </a:p>
-          </p:txBody>
-        </p:sp>
-        <p:sp>
-          <p:nvSpPr>
-            <p:cNvPr id="86" name="Rectangle 66">
-              <a:extLst>
-                <a:ext uri="{FF2B5EF4-FFF2-40B4-BE49-F238E27FC236}">
-                  <a16:creationId xmlns:a16="http://schemas.microsoft.com/office/drawing/2014/main" id="{F986E7B6-9589-4C90-8E14-B2EC73E04B1A}"/>
-                </a:ext>
-                <a:ext uri="{C183D7F6-B498-43B3-948B-1728B52AA6E4}">
-                  <adec:decorative xmlns:adec="http://schemas.microsoft.com/office/drawing/2017/decorative" val="1"/>
-                </a:ext>
-              </a:extLst>
-            </p:cNvPr>
-            <p:cNvSpPr/>
-            <p:nvPr>
-              <p:extLst>
-                <p:ext uri="{386F3935-93C4-4BCD-93E2-E3B085C9AB24}">
-                  <p16:designElem xmlns:p16="http://schemas.microsoft.com/office/powerpoint/2015/main" val="1"/>
-                </p:ext>
-              </p:extLst>
-            </p:nvPr>
-          </p:nvSpPr>
-          <p:spPr>
-            <a:xfrm rot="5400000">
-              <a:off x="1949352" y="6236208"/>
-              <a:ext cx="61834" cy="59227"/>
-            </a:xfrm>
-            <a:prstGeom prst="ellipse">
-              <a:avLst/>
-            </a:prstGeom>
-            <a:solidFill>
-              <a:schemeClr val="accent1"/>
-            </a:solidFill>
-            <a:ln>
-              <a:noFill/>
-            </a:ln>
-          </p:spPr>
-          <p:style>
-            <a:lnRef idx="2">
-              <a:schemeClr val="accent1">
-                <a:shade val="50000"/>
-              </a:schemeClr>
-            </a:lnRef>
-            <a:fillRef idx="1">
-              <a:schemeClr val="accent1"/>
-            </a:fillRef>
-            <a:effectRef idx="0">
-              <a:schemeClr val="accent1"/>
-            </a:effectRef>
-            <a:fontRef idx="minor">
-              <a:schemeClr val="lt1"/>
-            </a:fontRef>
-          </p:style>
-          <p:txBody>
-            <a:bodyPr rtlCol="0" anchor="ctr"/>
-            <a:lstStyle/>
-            <a:p>
-              <a:pPr algn="ctr"/>
-              <a:endParaRPr lang="en-US"/>
-            </a:p>
-          </p:txBody>
-        </p:sp>
-        <p:sp>
-          <p:nvSpPr>
-            <p:cNvPr id="87" name="Rectangle 59">
-              <a:extLst>
-                <a:ext uri="{FF2B5EF4-FFF2-40B4-BE49-F238E27FC236}">
-                  <a16:creationId xmlns:a16="http://schemas.microsoft.com/office/drawing/2014/main" id="{CF19D908-C5CD-49EA-B503-20C08BC0DFF7}"/>
-                </a:ext>
-                <a:ext uri="{C183D7F6-B498-43B3-948B-1728B52AA6E4}">
-                  <adec:decorative xmlns:adec="http://schemas.microsoft.com/office/drawing/2017/decorative" val="1"/>
-                </a:ext>
-              </a:extLst>
-            </p:cNvPr>
-            <p:cNvSpPr/>
-            <p:nvPr>
-              <p:extLst>
-                <p:ext uri="{386F3935-93C4-4BCD-93E2-E3B085C9AB24}">
-                  <p16:designElem xmlns:p16="http://schemas.microsoft.com/office/powerpoint/2015/main" val="1"/>
-                </p:ext>
-              </p:extLst>
-            </p:nvPr>
-          </p:nvSpPr>
-          <p:spPr>
-            <a:xfrm rot="5400000">
-              <a:off x="900671" y="6236208"/>
-              <a:ext cx="61834" cy="59227"/>
-            </a:xfrm>
-            <a:prstGeom prst="ellipse">
-              <a:avLst/>
-            </a:prstGeom>
-            <a:solidFill>
-              <a:schemeClr val="accent1"/>
-            </a:solidFill>
-            <a:ln>
-              <a:noFill/>
-            </a:ln>
-          </p:spPr>
-          <p:style>
-            <a:lnRef idx="2">
-              <a:schemeClr val="accent1">
-                <a:shade val="50000"/>
-              </a:schemeClr>
-            </a:lnRef>
-            <a:fillRef idx="1">
-              <a:schemeClr val="accent1"/>
-            </a:fillRef>
-            <a:effectRef idx="0">
-              <a:schemeClr val="accent1"/>
-            </a:effectRef>
-            <a:fontRef idx="minor">
-              <a:schemeClr val="lt1"/>
-            </a:fontRef>
-          </p:style>
-          <p:txBody>
-            <a:bodyPr rtlCol="0" anchor="ctr"/>
-            <a:lstStyle/>
-            <a:p>
-              <a:pPr algn="ctr"/>
-              <a:endParaRPr lang="en-US"/>
-            </a:p>
-          </p:txBody>
-        </p:sp>
-        <p:sp>
-          <p:nvSpPr>
-            <p:cNvPr id="88" name="Rectangle 62">
-              <a:extLst>
-                <a:ext uri="{FF2B5EF4-FFF2-40B4-BE49-F238E27FC236}">
-                  <a16:creationId xmlns:a16="http://schemas.microsoft.com/office/drawing/2014/main" id="{73A7FA2A-0AD8-4C1C-9422-B15512AFAE84}"/>
-                </a:ext>
-                <a:ext uri="{C183D7F6-B498-43B3-948B-1728B52AA6E4}">
-                  <adec:decorative xmlns:adec="http://schemas.microsoft.com/office/drawing/2017/decorative" val="1"/>
-                </a:ext>
-              </a:extLst>
-            </p:cNvPr>
-            <p:cNvSpPr/>
-            <p:nvPr>
-              <p:extLst>
-                <p:ext uri="{386F3935-93C4-4BCD-93E2-E3B085C9AB24}">
-                  <p16:designElem xmlns:p16="http://schemas.microsoft.com/office/powerpoint/2015/main" val="1"/>
-                </p:ext>
-              </p:extLst>
-            </p:nvPr>
-          </p:nvSpPr>
-          <p:spPr>
-            <a:xfrm rot="5400000">
-              <a:off x="722376" y="6236208"/>
-              <a:ext cx="61834" cy="59227"/>
-            </a:xfrm>
-            <a:prstGeom prst="ellipse">
-              <a:avLst/>
-            </a:prstGeom>
-            <a:solidFill>
-              <a:schemeClr val="accent1"/>
-            </a:solidFill>
-            <a:ln>
-              <a:noFill/>
-            </a:ln>
-          </p:spPr>
-          <p:style>
-            <a:lnRef idx="2">
-              <a:schemeClr val="accent1">
-                <a:shade val="50000"/>
-              </a:schemeClr>
-            </a:lnRef>
-            <a:fillRef idx="1">
-              <a:schemeClr val="accent1"/>
-            </a:fillRef>
-            <a:effectRef idx="0">
-              <a:schemeClr val="accent1"/>
-            </a:effectRef>
-            <a:fontRef idx="minor">
-              <a:schemeClr val="lt1"/>
-            </a:fontRef>
-          </p:style>
-          <p:txBody>
-            <a:bodyPr rtlCol="0" anchor="ctr"/>
-            <a:lstStyle/>
-            <a:p>
-              <a:pPr algn="ctr"/>
-              <a:endParaRPr lang="en-US"/>
-            </a:p>
-          </p:txBody>
-        </p:sp>
-        <p:sp>
-          <p:nvSpPr>
-            <p:cNvPr id="89" name="Rectangle 2">
-              <a:extLst>
-                <a:ext uri="{FF2B5EF4-FFF2-40B4-BE49-F238E27FC236}">
-                  <a16:creationId xmlns:a16="http://schemas.microsoft.com/office/drawing/2014/main" id="{F4F7993C-44BA-474F-A449-B3E7B6104183}"/>
-                </a:ext>
-                <a:ext uri="{C183D7F6-B498-43B3-948B-1728B52AA6E4}">
-                  <adec:decorative xmlns:adec="http://schemas.microsoft.com/office/drawing/2017/decorative" val="1"/>
-                </a:ext>
-              </a:extLst>
-            </p:cNvPr>
-            <p:cNvSpPr/>
-            <p:nvPr>
-              <p:extLst>
-                <p:ext uri="{386F3935-93C4-4BCD-93E2-E3B085C9AB24}">
-                  <p16:designElem xmlns:p16="http://schemas.microsoft.com/office/powerpoint/2015/main" val="1"/>
-                </p:ext>
-              </p:extLst>
-            </p:nvPr>
-          </p:nvSpPr>
-          <p:spPr>
-            <a:xfrm rot="5400000">
-              <a:off x="2460352" y="6236208"/>
-              <a:ext cx="61834" cy="59227"/>
-            </a:xfrm>
-            <a:prstGeom prst="ellipse">
-              <a:avLst/>
-            </a:prstGeom>
-            <a:solidFill>
-              <a:schemeClr val="accent1"/>
-            </a:solidFill>
-            <a:ln>
-              <a:noFill/>
-            </a:ln>
-          </p:spPr>
-          <p:style>
-            <a:lnRef idx="2">
-              <a:schemeClr val="accent1">
-                <a:shade val="50000"/>
-              </a:schemeClr>
-            </a:lnRef>
-            <a:fillRef idx="1">
-              <a:schemeClr val="accent1"/>
-            </a:fillRef>
-            <a:effectRef idx="0">
-              <a:schemeClr val="accent1"/>
-            </a:effectRef>
-            <a:fontRef idx="minor">
-              <a:schemeClr val="lt1"/>
-            </a:fontRef>
-          </p:style>
-          <p:txBody>
-            <a:bodyPr rtlCol="0" anchor="ctr"/>
-            <a:lstStyle/>
-            <a:p>
-              <a:pPr algn="ctr"/>
-              <a:endParaRPr lang="en-US"/>
-            </a:p>
-          </p:txBody>
-        </p:sp>
-        <p:sp>
-          <p:nvSpPr>
-            <p:cNvPr id="90" name="Rectangle 59">
-              <a:extLst>
-                <a:ext uri="{FF2B5EF4-FFF2-40B4-BE49-F238E27FC236}">
-                  <a16:creationId xmlns:a16="http://schemas.microsoft.com/office/drawing/2014/main" id="{588F7BAF-4BE3-4E83-93F0-4EDC7A912316}"/>
-                </a:ext>
-                <a:ext uri="{C183D7F6-B498-43B3-948B-1728B52AA6E4}">
-                  <adec:decorative xmlns:adec="http://schemas.microsoft.com/office/drawing/2017/decorative" val="1"/>
-                </a:ext>
-              </a:extLst>
-            </p:cNvPr>
-            <p:cNvSpPr/>
-            <p:nvPr>
-              <p:extLst>
-                <p:ext uri="{386F3935-93C4-4BCD-93E2-E3B085C9AB24}">
-                  <p16:designElem xmlns:p16="http://schemas.microsoft.com/office/powerpoint/2015/main" val="1"/>
-                </p:ext>
-              </p:extLst>
-            </p:nvPr>
-          </p:nvSpPr>
-          <p:spPr>
-            <a:xfrm rot="5400000">
-              <a:off x="2283847" y="6236208"/>
-              <a:ext cx="61834" cy="59227"/>
-            </a:xfrm>
-            <a:prstGeom prst="ellipse">
-              <a:avLst/>
-            </a:prstGeom>
-            <a:solidFill>
-              <a:schemeClr val="accent1"/>
-            </a:solidFill>
-            <a:ln>
-              <a:noFill/>
-            </a:ln>
-          </p:spPr>
-          <p:style>
-            <a:lnRef idx="2">
-              <a:schemeClr val="accent1">
-                <a:shade val="50000"/>
-              </a:schemeClr>
-            </a:lnRef>
-            <a:fillRef idx="1">
-              <a:schemeClr val="accent1"/>
-            </a:fillRef>
-            <a:effectRef idx="0">
-              <a:schemeClr val="accent1"/>
-            </a:effectRef>
-            <a:fontRef idx="minor">
-              <a:schemeClr val="lt1"/>
-            </a:fontRef>
-          </p:style>
-          <p:txBody>
-            <a:bodyPr rtlCol="0" anchor="ctr"/>
-            <a:lstStyle/>
-            <a:p>
-              <a:pPr algn="ctr"/>
-              <a:endParaRPr lang="en-US"/>
-            </a:p>
-          </p:txBody>
-        </p:sp>
-        <p:sp>
-          <p:nvSpPr>
-            <p:cNvPr id="91" name="Rectangle 64">
-              <a:extLst>
-                <a:ext uri="{FF2B5EF4-FFF2-40B4-BE49-F238E27FC236}">
-                  <a16:creationId xmlns:a16="http://schemas.microsoft.com/office/drawing/2014/main" id="{023DE534-ACFA-4425-BA15-BEC3D605AB69}"/>
-                </a:ext>
-                <a:ext uri="{C183D7F6-B498-43B3-948B-1728B52AA6E4}">
-                  <adec:decorative xmlns:adec="http://schemas.microsoft.com/office/drawing/2017/decorative" val="1"/>
-                </a:ext>
-              </a:extLst>
-            </p:cNvPr>
-            <p:cNvSpPr/>
-            <p:nvPr>
-              <p:extLst>
-                <p:ext uri="{386F3935-93C4-4BCD-93E2-E3B085C9AB24}">
-                  <p16:designElem xmlns:p16="http://schemas.microsoft.com/office/powerpoint/2015/main" val="1"/>
-                </p:ext>
-              </p:extLst>
-            </p:nvPr>
-          </p:nvSpPr>
-          <p:spPr>
-            <a:xfrm rot="5400000">
-              <a:off x="2798754" y="6236208"/>
-              <a:ext cx="61834" cy="59227"/>
-            </a:xfrm>
-            <a:prstGeom prst="ellipse">
-              <a:avLst/>
-            </a:prstGeom>
-            <a:solidFill>
-              <a:schemeClr val="accent1"/>
-            </a:solidFill>
-            <a:ln>
-              <a:noFill/>
-            </a:ln>
-          </p:spPr>
-          <p:style>
-            <a:lnRef idx="2">
-              <a:schemeClr val="accent1">
-                <a:shade val="50000"/>
-              </a:schemeClr>
-            </a:lnRef>
-            <a:fillRef idx="1">
-              <a:schemeClr val="accent1"/>
-            </a:fillRef>
-            <a:effectRef idx="0">
-              <a:schemeClr val="accent1"/>
-            </a:effectRef>
-            <a:fontRef idx="minor">
-              <a:schemeClr val="lt1"/>
-            </a:fontRef>
-          </p:style>
-          <p:txBody>
-            <a:bodyPr rtlCol="0" anchor="ctr"/>
-            <a:lstStyle/>
-            <a:p>
-              <a:pPr algn="ctr"/>
-              <a:endParaRPr lang="en-US"/>
-            </a:p>
-          </p:txBody>
-        </p:sp>
-        <p:sp>
-          <p:nvSpPr>
-            <p:cNvPr id="92" name="Rectangle 66">
-              <a:extLst>
-                <a:ext uri="{FF2B5EF4-FFF2-40B4-BE49-F238E27FC236}">
-                  <a16:creationId xmlns:a16="http://schemas.microsoft.com/office/drawing/2014/main" id="{642B32F2-BCF1-422A-880F-6C6C9397F143}"/>
-                </a:ext>
-                <a:ext uri="{C183D7F6-B498-43B3-948B-1728B52AA6E4}">
-                  <adec:decorative xmlns:adec="http://schemas.microsoft.com/office/drawing/2017/decorative" val="1"/>
-                </a:ext>
-              </a:extLst>
-            </p:cNvPr>
-            <p:cNvSpPr/>
-            <p:nvPr>
-              <p:extLst>
-                <p:ext uri="{386F3935-93C4-4BCD-93E2-E3B085C9AB24}">
-                  <p16:designElem xmlns:p16="http://schemas.microsoft.com/office/powerpoint/2015/main" val="1"/>
-                </p:ext>
-              </p:extLst>
-            </p:nvPr>
-          </p:nvSpPr>
-          <p:spPr>
-            <a:xfrm rot="5400000">
-              <a:off x="2622248" y="6236208"/>
-              <a:ext cx="61834" cy="59227"/>
-            </a:xfrm>
-            <a:prstGeom prst="ellipse">
-              <a:avLst/>
-            </a:prstGeom>
-            <a:solidFill>
-              <a:schemeClr val="accent1"/>
-            </a:solidFill>
-            <a:ln>
-              <a:noFill/>
-            </a:ln>
-          </p:spPr>
-          <p:style>
-            <a:lnRef idx="2">
-              <a:schemeClr val="accent1">
-                <a:shade val="50000"/>
-              </a:schemeClr>
-            </a:lnRef>
-            <a:fillRef idx="1">
-              <a:schemeClr val="accent1"/>
-            </a:fillRef>
-            <a:effectRef idx="0">
-              <a:schemeClr val="accent1"/>
-            </a:effectRef>
-            <a:fontRef idx="minor">
-              <a:schemeClr val="lt1"/>
-            </a:fontRef>
-          </p:style>
-          <p:txBody>
-            <a:bodyPr rtlCol="0" anchor="ctr"/>
-            <a:lstStyle/>
-            <a:p>
-              <a:pPr algn="ctr"/>
-              <a:endParaRPr lang="en-US"/>
-            </a:p>
-          </p:txBody>
-        </p:sp>
-      </p:grpSp>
       <p:sp>
         <p:nvSpPr>
           <p:cNvPr id="2" name="Title 1">
@@ -17953,8 +14454,8 @@
         </p:nvSpPr>
         <p:spPr>
           <a:xfrm>
-            <a:off x="1226032" y="997527"/>
-            <a:ext cx="3611880" cy="3081349"/>
+            <a:off x="5775961" y="962526"/>
+            <a:ext cx="5384800" cy="3210689"/>
           </a:xfrm>
         </p:spPr>
         <p:txBody>
@@ -17965,11 +14466,7 @@
           <a:p>
             <a:pPr algn="l"/>
             <a:r>
-              <a:rPr lang="en-US" sz="4800" dirty="0">
-                <a:solidFill>
-                  <a:srgbClr val="FFFFFF"/>
-                </a:solidFill>
-              </a:rPr>
+              <a:rPr lang="en-US" sz="7200"/>
               <a:t>Responsible AI Hands-on </a:t>
             </a:r>
           </a:p>
@@ -17993,8 +14490,8 @@
         </p:nvSpPr>
         <p:spPr>
           <a:xfrm>
-            <a:off x="1225296" y="4252178"/>
-            <a:ext cx="3611880" cy="1229657"/>
+            <a:off x="5775961" y="4269462"/>
+            <a:ext cx="4048760" cy="1095017"/>
           </a:xfrm>
         </p:spPr>
         <p:txBody>
@@ -18004,54 +14501,13 @@
           <a:lstStyle/>
           <a:p>
             <a:pPr algn="l"/>
-            <a:endParaRPr lang="en-US">
-              <a:solidFill>
-                <a:srgbClr val="FFFFFF"/>
-              </a:solidFill>
-            </a:endParaRPr>
+            <a:r>
+              <a:rPr lang="en-US" sz="2000" dirty="0"/>
+              <a:t>Sept 2020</a:t>
+            </a:r>
           </a:p>
         </p:txBody>
       </p:sp>
-      <p:pic>
-        <p:nvPicPr>
-          <p:cNvPr id="50" name="Graphic 27" descr="Robot Outline">
-            <a:extLst>
-              <a:ext uri="{FF2B5EF4-FFF2-40B4-BE49-F238E27FC236}">
-                <a16:creationId xmlns:a16="http://schemas.microsoft.com/office/drawing/2014/main" id="{354F030F-D453-4229-BED9-B2DFB0B3CAE6}"/>
-              </a:ext>
-            </a:extLst>
-          </p:cNvPr>
-          <p:cNvPicPr>
-            <a:picLocks noChangeAspect="1"/>
-          </p:cNvPicPr>
-          <p:nvPr/>
-        </p:nvPicPr>
-        <p:blipFill>
-          <a:blip r:embed="rId2">
-            <a:alphaModFix/>
-            <a:extLst>
-              <a:ext uri="{28A0092B-C50C-407E-A947-70E740481C1C}">
-                <a14:useLocalDpi xmlns:a14="http://schemas.microsoft.com/office/drawing/2010/main" val="0"/>
-              </a:ext>
-              <a:ext uri="{96DAC541-7B7A-43D3-8B79-37D633B846F1}">
-                <asvg:svgBlip xmlns:asvg="http://schemas.microsoft.com/office/drawing/2016/SVG/main" r:embed="rId3"/>
-              </a:ext>
-            </a:extLst>
-          </a:blip>
-          <a:stretch>
-            <a:fillRect/>
-          </a:stretch>
-        </p:blipFill>
-        <p:spPr>
-          <a:xfrm>
-            <a:off x="6017984" y="675108"/>
-            <a:ext cx="5493080" cy="5493080"/>
-          </a:xfrm>
-          <a:prstGeom prst="rect">
-            <a:avLst/>
-          </a:prstGeom>
-        </p:spPr>
-      </p:pic>
     </p:spTree>
     <p:extLst>
       <p:ext uri="{BB962C8B-B14F-4D97-AF65-F5344CB8AC3E}">
@@ -18379,7 +14835,7 @@
             <p:ph idx="1"/>
             <p:extLst>
               <p:ext uri="{D42A27DB-BD31-4B8C-83A1-F6EECF244321}">
-                <p14:modId xmlns:p14="http://schemas.microsoft.com/office/powerpoint/2010/main" val="3435269474"/>
+                <p14:modId xmlns:p14="http://schemas.microsoft.com/office/powerpoint/2010/main" val="530896064"/>
               </p:ext>
             </p:extLst>
           </p:nvPr>
